--- a/Lisa/World Immunization Progress_2.pptx
+++ b/Lisa/World Immunization Progress_2.pptx
@@ -14,11 +14,13 @@
     <p:sldId id="271" r:id="rId8"/>
     <p:sldId id="270" r:id="rId9"/>
     <p:sldId id="272" r:id="rId10"/>
-    <p:sldId id="263" r:id="rId11"/>
-    <p:sldId id="266" r:id="rId12"/>
-    <p:sldId id="273" r:id="rId13"/>
-    <p:sldId id="267" r:id="rId14"/>
-    <p:sldId id="274" r:id="rId15"/>
+    <p:sldId id="275" r:id="rId11"/>
+    <p:sldId id="263" r:id="rId12"/>
+    <p:sldId id="266" r:id="rId13"/>
+    <p:sldId id="273" r:id="rId14"/>
+    <p:sldId id="267" r:id="rId15"/>
+    <p:sldId id="277" r:id="rId16"/>
+    <p:sldId id="274" r:id="rId17"/>
   </p:sldIdLst>
   <p:sldSz cx="12192000" cy="6858000"/>
   <p:notesSz cx="6858000" cy="9144000"/>
@@ -125,6 +127,3128 @@
 </p:presentation>
 </file>
 
+<file path=ppt/diagrams/colors1.xml><?xml version="1.0" encoding="utf-8"?>
+<dgm:colorsDef xmlns:dgm="http://schemas.openxmlformats.org/drawingml/2006/diagram" xmlns:a="http://schemas.openxmlformats.org/drawingml/2006/main" uniqueId="urn:microsoft.com/office/officeart/2005/8/colors/accent1_2">
+  <dgm:title val=""/>
+  <dgm:desc val=""/>
+  <dgm:catLst>
+    <dgm:cat type="accent1" pri="11200"/>
+  </dgm:catLst>
+  <dgm:styleLbl name="node0">
+    <dgm:fillClrLst meth="repeat">
+      <a:schemeClr val="accent1"/>
+    </dgm:fillClrLst>
+    <dgm:linClrLst meth="repeat">
+      <a:schemeClr val="lt1"/>
+    </dgm:linClrLst>
+    <dgm:effectClrLst/>
+    <dgm:txLinClrLst/>
+    <dgm:txFillClrLst/>
+    <dgm:txEffectClrLst/>
+  </dgm:styleLbl>
+  <dgm:styleLbl name="alignNode1">
+    <dgm:fillClrLst meth="repeat">
+      <a:schemeClr val="accent1"/>
+    </dgm:fillClrLst>
+    <dgm:linClrLst meth="repeat">
+      <a:schemeClr val="accent1"/>
+    </dgm:linClrLst>
+    <dgm:effectClrLst/>
+    <dgm:txLinClrLst/>
+    <dgm:txFillClrLst/>
+    <dgm:txEffectClrLst/>
+  </dgm:styleLbl>
+  <dgm:styleLbl name="node1">
+    <dgm:fillClrLst meth="repeat">
+      <a:schemeClr val="accent1"/>
+    </dgm:fillClrLst>
+    <dgm:linClrLst meth="repeat">
+      <a:schemeClr val="lt1"/>
+    </dgm:linClrLst>
+    <dgm:effectClrLst/>
+    <dgm:txLinClrLst/>
+    <dgm:txFillClrLst/>
+    <dgm:txEffectClrLst/>
+  </dgm:styleLbl>
+  <dgm:styleLbl name="lnNode1">
+    <dgm:fillClrLst meth="repeat">
+      <a:schemeClr val="accent1"/>
+    </dgm:fillClrLst>
+    <dgm:linClrLst meth="repeat">
+      <a:schemeClr val="lt1"/>
+    </dgm:linClrLst>
+    <dgm:effectClrLst/>
+    <dgm:txLinClrLst/>
+    <dgm:txFillClrLst/>
+    <dgm:txEffectClrLst/>
+  </dgm:styleLbl>
+  <dgm:styleLbl name="vennNode1">
+    <dgm:fillClrLst meth="repeat">
+      <a:schemeClr val="accent1">
+        <a:alpha val="50000"/>
+      </a:schemeClr>
+    </dgm:fillClrLst>
+    <dgm:linClrLst meth="repeat">
+      <a:schemeClr val="lt1"/>
+    </dgm:linClrLst>
+    <dgm:effectClrLst/>
+    <dgm:txLinClrLst/>
+    <dgm:txFillClrLst/>
+    <dgm:txEffectClrLst/>
+  </dgm:styleLbl>
+  <dgm:styleLbl name="node2">
+    <dgm:fillClrLst meth="repeat">
+      <a:schemeClr val="accent1"/>
+    </dgm:fillClrLst>
+    <dgm:linClrLst meth="repeat">
+      <a:schemeClr val="lt1"/>
+    </dgm:linClrLst>
+    <dgm:effectClrLst/>
+    <dgm:txLinClrLst/>
+    <dgm:txFillClrLst/>
+    <dgm:txEffectClrLst/>
+  </dgm:styleLbl>
+  <dgm:styleLbl name="node3">
+    <dgm:fillClrLst meth="repeat">
+      <a:schemeClr val="accent1"/>
+    </dgm:fillClrLst>
+    <dgm:linClrLst meth="repeat">
+      <a:schemeClr val="lt1"/>
+    </dgm:linClrLst>
+    <dgm:effectClrLst/>
+    <dgm:txLinClrLst/>
+    <dgm:txFillClrLst/>
+    <dgm:txEffectClrLst/>
+  </dgm:styleLbl>
+  <dgm:styleLbl name="node4">
+    <dgm:fillClrLst meth="repeat">
+      <a:schemeClr val="accent1"/>
+    </dgm:fillClrLst>
+    <dgm:linClrLst meth="repeat">
+      <a:schemeClr val="lt1"/>
+    </dgm:linClrLst>
+    <dgm:effectClrLst/>
+    <dgm:txLinClrLst/>
+    <dgm:txFillClrLst/>
+    <dgm:txEffectClrLst/>
+  </dgm:styleLbl>
+  <dgm:styleLbl name="fgImgPlace1">
+    <dgm:fillClrLst meth="repeat">
+      <a:schemeClr val="accent1">
+        <a:tint val="50000"/>
+      </a:schemeClr>
+    </dgm:fillClrLst>
+    <dgm:linClrLst meth="repeat">
+      <a:schemeClr val="lt1"/>
+    </dgm:linClrLst>
+    <dgm:effectClrLst/>
+    <dgm:txLinClrLst/>
+    <dgm:txFillClrLst meth="repeat">
+      <a:schemeClr val="lt1"/>
+    </dgm:txFillClrLst>
+    <dgm:txEffectClrLst/>
+  </dgm:styleLbl>
+  <dgm:styleLbl name="alignImgPlace1">
+    <dgm:fillClrLst meth="repeat">
+      <a:schemeClr val="accent1">
+        <a:tint val="50000"/>
+      </a:schemeClr>
+    </dgm:fillClrLst>
+    <dgm:linClrLst meth="repeat">
+      <a:schemeClr val="lt1"/>
+    </dgm:linClrLst>
+    <dgm:effectClrLst/>
+    <dgm:txLinClrLst/>
+    <dgm:txFillClrLst meth="repeat">
+      <a:schemeClr val="lt1"/>
+    </dgm:txFillClrLst>
+    <dgm:txEffectClrLst/>
+  </dgm:styleLbl>
+  <dgm:styleLbl name="bgImgPlace1">
+    <dgm:fillClrLst meth="repeat">
+      <a:schemeClr val="accent1">
+        <a:tint val="50000"/>
+      </a:schemeClr>
+    </dgm:fillClrLst>
+    <dgm:linClrLst meth="repeat">
+      <a:schemeClr val="lt1"/>
+    </dgm:linClrLst>
+    <dgm:effectClrLst/>
+    <dgm:txLinClrLst/>
+    <dgm:txFillClrLst meth="repeat">
+      <a:schemeClr val="lt1"/>
+    </dgm:txFillClrLst>
+    <dgm:txEffectClrLst/>
+  </dgm:styleLbl>
+  <dgm:styleLbl name="sibTrans2D1">
+    <dgm:fillClrLst meth="repeat">
+      <a:schemeClr val="accent1">
+        <a:tint val="60000"/>
+      </a:schemeClr>
+    </dgm:fillClrLst>
+    <dgm:linClrLst meth="repeat">
+      <a:schemeClr val="accent1">
+        <a:tint val="60000"/>
+      </a:schemeClr>
+    </dgm:linClrLst>
+    <dgm:effectClrLst/>
+    <dgm:txLinClrLst/>
+    <dgm:txFillClrLst/>
+    <dgm:txEffectClrLst/>
+  </dgm:styleLbl>
+  <dgm:styleLbl name="fgSibTrans2D1">
+    <dgm:fillClrLst meth="repeat">
+      <a:schemeClr val="accent1">
+        <a:tint val="60000"/>
+      </a:schemeClr>
+    </dgm:fillClrLst>
+    <dgm:linClrLst meth="repeat">
+      <a:schemeClr val="accent1">
+        <a:tint val="60000"/>
+      </a:schemeClr>
+    </dgm:linClrLst>
+    <dgm:effectClrLst/>
+    <dgm:txLinClrLst/>
+    <dgm:txFillClrLst/>
+    <dgm:txEffectClrLst/>
+  </dgm:styleLbl>
+  <dgm:styleLbl name="bgSibTrans2D1">
+    <dgm:fillClrLst meth="repeat">
+      <a:schemeClr val="accent1">
+        <a:tint val="60000"/>
+      </a:schemeClr>
+    </dgm:fillClrLst>
+    <dgm:linClrLst meth="repeat">
+      <a:schemeClr val="accent1">
+        <a:tint val="60000"/>
+      </a:schemeClr>
+    </dgm:linClrLst>
+    <dgm:effectClrLst/>
+    <dgm:txLinClrLst/>
+    <dgm:txFillClrLst/>
+    <dgm:txEffectClrLst/>
+  </dgm:styleLbl>
+  <dgm:styleLbl name="sibTrans1D1">
+    <dgm:fillClrLst meth="repeat">
+      <a:schemeClr val="accent1"/>
+    </dgm:fillClrLst>
+    <dgm:linClrLst meth="repeat">
+      <a:schemeClr val="accent1"/>
+    </dgm:linClrLst>
+    <dgm:effectClrLst/>
+    <dgm:txLinClrLst/>
+    <dgm:txFillClrLst meth="repeat">
+      <a:schemeClr val="tx1"/>
+    </dgm:txFillClrLst>
+    <dgm:txEffectClrLst/>
+  </dgm:styleLbl>
+  <dgm:styleLbl name="callout">
+    <dgm:fillClrLst meth="repeat">
+      <a:schemeClr val="accent1"/>
+    </dgm:fillClrLst>
+    <dgm:linClrLst meth="repeat">
+      <a:schemeClr val="accent1">
+        <a:tint val="50000"/>
+      </a:schemeClr>
+    </dgm:linClrLst>
+    <dgm:effectClrLst/>
+    <dgm:txLinClrLst/>
+    <dgm:txFillClrLst meth="repeat">
+      <a:schemeClr val="tx1"/>
+    </dgm:txFillClrLst>
+    <dgm:txEffectClrLst/>
+  </dgm:styleLbl>
+  <dgm:styleLbl name="asst0">
+    <dgm:fillClrLst meth="repeat">
+      <a:schemeClr val="accent1"/>
+    </dgm:fillClrLst>
+    <dgm:linClrLst meth="repeat">
+      <a:schemeClr val="lt1"/>
+    </dgm:linClrLst>
+    <dgm:effectClrLst/>
+    <dgm:txLinClrLst/>
+    <dgm:txFillClrLst/>
+    <dgm:txEffectClrLst/>
+  </dgm:styleLbl>
+  <dgm:styleLbl name="asst1">
+    <dgm:fillClrLst meth="repeat">
+      <a:schemeClr val="accent1"/>
+    </dgm:fillClrLst>
+    <dgm:linClrLst meth="repeat">
+      <a:schemeClr val="lt1"/>
+    </dgm:linClrLst>
+    <dgm:effectClrLst/>
+    <dgm:txLinClrLst/>
+    <dgm:txFillClrLst/>
+    <dgm:txEffectClrLst/>
+  </dgm:styleLbl>
+  <dgm:styleLbl name="asst2">
+    <dgm:fillClrLst meth="repeat">
+      <a:schemeClr val="accent1"/>
+    </dgm:fillClrLst>
+    <dgm:linClrLst meth="repeat">
+      <a:schemeClr val="lt1"/>
+    </dgm:linClrLst>
+    <dgm:effectClrLst/>
+    <dgm:txLinClrLst/>
+    <dgm:txFillClrLst/>
+    <dgm:txEffectClrLst/>
+  </dgm:styleLbl>
+  <dgm:styleLbl name="asst3">
+    <dgm:fillClrLst meth="repeat">
+      <a:schemeClr val="accent1"/>
+    </dgm:fillClrLst>
+    <dgm:linClrLst meth="repeat">
+      <a:schemeClr val="lt1"/>
+    </dgm:linClrLst>
+    <dgm:effectClrLst/>
+    <dgm:txLinClrLst/>
+    <dgm:txFillClrLst/>
+    <dgm:txEffectClrLst/>
+  </dgm:styleLbl>
+  <dgm:styleLbl name="asst4">
+    <dgm:fillClrLst meth="repeat">
+      <a:schemeClr val="accent1"/>
+    </dgm:fillClrLst>
+    <dgm:linClrLst meth="repeat">
+      <a:schemeClr val="lt1"/>
+    </dgm:linClrLst>
+    <dgm:effectClrLst/>
+    <dgm:txLinClrLst/>
+    <dgm:txFillClrLst/>
+    <dgm:txEffectClrLst/>
+  </dgm:styleLbl>
+  <dgm:styleLbl name="parChTrans2D1">
+    <dgm:fillClrLst meth="repeat">
+      <a:schemeClr val="accent1">
+        <a:tint val="60000"/>
+      </a:schemeClr>
+    </dgm:fillClrLst>
+    <dgm:linClrLst meth="repeat">
+      <a:schemeClr val="accent1">
+        <a:tint val="60000"/>
+      </a:schemeClr>
+    </dgm:linClrLst>
+    <dgm:effectClrLst/>
+    <dgm:txLinClrLst/>
+    <dgm:txFillClrLst meth="repeat">
+      <a:schemeClr val="lt1"/>
+    </dgm:txFillClrLst>
+    <dgm:txEffectClrLst/>
+  </dgm:styleLbl>
+  <dgm:styleLbl name="parChTrans2D2">
+    <dgm:fillClrLst meth="repeat">
+      <a:schemeClr val="accent1"/>
+    </dgm:fillClrLst>
+    <dgm:linClrLst meth="repeat">
+      <a:schemeClr val="accent1"/>
+    </dgm:linClrLst>
+    <dgm:effectClrLst/>
+    <dgm:txLinClrLst/>
+    <dgm:txFillClrLst meth="repeat">
+      <a:schemeClr val="lt1"/>
+    </dgm:txFillClrLst>
+    <dgm:txEffectClrLst/>
+  </dgm:styleLbl>
+  <dgm:styleLbl name="parChTrans2D3">
+    <dgm:fillClrLst meth="repeat">
+      <a:schemeClr val="accent1"/>
+    </dgm:fillClrLst>
+    <dgm:linClrLst meth="repeat">
+      <a:schemeClr val="accent1"/>
+    </dgm:linClrLst>
+    <dgm:effectClrLst/>
+    <dgm:txLinClrLst/>
+    <dgm:txFillClrLst meth="repeat">
+      <a:schemeClr val="lt1"/>
+    </dgm:txFillClrLst>
+    <dgm:txEffectClrLst/>
+  </dgm:styleLbl>
+  <dgm:styleLbl name="parChTrans2D4">
+    <dgm:fillClrLst meth="repeat">
+      <a:schemeClr val="accent1"/>
+    </dgm:fillClrLst>
+    <dgm:linClrLst meth="repeat">
+      <a:schemeClr val="accent1"/>
+    </dgm:linClrLst>
+    <dgm:effectClrLst/>
+    <dgm:txLinClrLst/>
+    <dgm:txFillClrLst meth="repeat">
+      <a:schemeClr val="lt1"/>
+    </dgm:txFillClrLst>
+    <dgm:txEffectClrLst/>
+  </dgm:styleLbl>
+  <dgm:styleLbl name="parChTrans1D1">
+    <dgm:fillClrLst meth="repeat">
+      <a:schemeClr val="accent1"/>
+    </dgm:fillClrLst>
+    <dgm:linClrLst meth="repeat">
+      <a:schemeClr val="accent1">
+        <a:shade val="60000"/>
+      </a:schemeClr>
+    </dgm:linClrLst>
+    <dgm:effectClrLst/>
+    <dgm:txLinClrLst/>
+    <dgm:txFillClrLst meth="repeat">
+      <a:schemeClr val="tx1"/>
+    </dgm:txFillClrLst>
+    <dgm:txEffectClrLst/>
+  </dgm:styleLbl>
+  <dgm:styleLbl name="parChTrans1D2">
+    <dgm:fillClrLst meth="repeat">
+      <a:schemeClr val="accent1"/>
+    </dgm:fillClrLst>
+    <dgm:linClrLst meth="repeat">
+      <a:schemeClr val="accent1">
+        <a:shade val="60000"/>
+      </a:schemeClr>
+    </dgm:linClrLst>
+    <dgm:effectClrLst/>
+    <dgm:txLinClrLst/>
+    <dgm:txFillClrLst meth="repeat">
+      <a:schemeClr val="tx1"/>
+    </dgm:txFillClrLst>
+    <dgm:txEffectClrLst/>
+  </dgm:styleLbl>
+  <dgm:styleLbl name="parChTrans1D3">
+    <dgm:fillClrLst meth="repeat">
+      <a:schemeClr val="accent1"/>
+    </dgm:fillClrLst>
+    <dgm:linClrLst meth="repeat">
+      <a:schemeClr val="accent1">
+        <a:shade val="80000"/>
+      </a:schemeClr>
+    </dgm:linClrLst>
+    <dgm:effectClrLst/>
+    <dgm:txLinClrLst/>
+    <dgm:txFillClrLst meth="repeat">
+      <a:schemeClr val="tx1"/>
+    </dgm:txFillClrLst>
+    <dgm:txEffectClrLst/>
+  </dgm:styleLbl>
+  <dgm:styleLbl name="parChTrans1D4">
+    <dgm:fillClrLst meth="repeat">
+      <a:schemeClr val="accent1"/>
+    </dgm:fillClrLst>
+    <dgm:linClrLst meth="repeat">
+      <a:schemeClr val="accent1">
+        <a:shade val="80000"/>
+      </a:schemeClr>
+    </dgm:linClrLst>
+    <dgm:effectClrLst/>
+    <dgm:txLinClrLst/>
+    <dgm:txFillClrLst meth="repeat">
+      <a:schemeClr val="tx1"/>
+    </dgm:txFillClrLst>
+    <dgm:txEffectClrLst/>
+  </dgm:styleLbl>
+  <dgm:styleLbl name="fgAcc1">
+    <dgm:fillClrLst meth="repeat">
+      <a:schemeClr val="lt1">
+        <a:alpha val="90000"/>
+      </a:schemeClr>
+    </dgm:fillClrLst>
+    <dgm:linClrLst meth="repeat">
+      <a:schemeClr val="accent1"/>
+    </dgm:linClrLst>
+    <dgm:effectClrLst/>
+    <dgm:txLinClrLst/>
+    <dgm:txFillClrLst meth="repeat">
+      <a:schemeClr val="dk1"/>
+    </dgm:txFillClrLst>
+    <dgm:txEffectClrLst/>
+  </dgm:styleLbl>
+  <dgm:styleLbl name="conFgAcc1">
+    <dgm:fillClrLst meth="repeat">
+      <a:schemeClr val="lt1">
+        <a:alpha val="90000"/>
+      </a:schemeClr>
+    </dgm:fillClrLst>
+    <dgm:linClrLst meth="repeat">
+      <a:schemeClr val="accent1"/>
+    </dgm:linClrLst>
+    <dgm:effectClrLst/>
+    <dgm:txLinClrLst/>
+    <dgm:txFillClrLst meth="repeat">
+      <a:schemeClr val="dk1"/>
+    </dgm:txFillClrLst>
+    <dgm:txEffectClrLst/>
+  </dgm:styleLbl>
+  <dgm:styleLbl name="alignAcc1">
+    <dgm:fillClrLst meth="repeat">
+      <a:schemeClr val="lt1">
+        <a:alpha val="90000"/>
+      </a:schemeClr>
+    </dgm:fillClrLst>
+    <dgm:linClrLst meth="repeat">
+      <a:schemeClr val="accent1"/>
+    </dgm:linClrLst>
+    <dgm:effectClrLst/>
+    <dgm:txLinClrLst/>
+    <dgm:txFillClrLst meth="repeat">
+      <a:schemeClr val="dk1"/>
+    </dgm:txFillClrLst>
+    <dgm:txEffectClrLst/>
+  </dgm:styleLbl>
+  <dgm:styleLbl name="trAlignAcc1">
+    <dgm:fillClrLst meth="repeat">
+      <a:schemeClr val="lt1">
+        <a:alpha val="40000"/>
+      </a:schemeClr>
+    </dgm:fillClrLst>
+    <dgm:linClrLst meth="repeat">
+      <a:schemeClr val="accent1"/>
+    </dgm:linClrLst>
+    <dgm:effectClrLst/>
+    <dgm:txLinClrLst/>
+    <dgm:txFillClrLst meth="repeat">
+      <a:schemeClr val="dk1"/>
+    </dgm:txFillClrLst>
+    <dgm:txEffectClrLst/>
+  </dgm:styleLbl>
+  <dgm:styleLbl name="bgAcc1">
+    <dgm:fillClrLst meth="repeat">
+      <a:schemeClr val="lt1">
+        <a:alpha val="90000"/>
+      </a:schemeClr>
+    </dgm:fillClrLst>
+    <dgm:linClrLst meth="repeat">
+      <a:schemeClr val="accent1"/>
+    </dgm:linClrLst>
+    <dgm:effectClrLst/>
+    <dgm:txLinClrLst/>
+    <dgm:txFillClrLst meth="repeat">
+      <a:schemeClr val="dk1"/>
+    </dgm:txFillClrLst>
+    <dgm:txEffectClrLst/>
+  </dgm:styleLbl>
+  <dgm:styleLbl name="solidFgAcc1">
+    <dgm:fillClrLst meth="repeat">
+      <a:schemeClr val="lt1"/>
+    </dgm:fillClrLst>
+    <dgm:linClrLst meth="repeat">
+      <a:schemeClr val="accent1"/>
+    </dgm:linClrLst>
+    <dgm:effectClrLst/>
+    <dgm:txLinClrLst/>
+    <dgm:txFillClrLst meth="repeat">
+      <a:schemeClr val="dk1"/>
+    </dgm:txFillClrLst>
+    <dgm:txEffectClrLst/>
+  </dgm:styleLbl>
+  <dgm:styleLbl name="solidAlignAcc1">
+    <dgm:fillClrLst meth="repeat">
+      <a:schemeClr val="lt1"/>
+    </dgm:fillClrLst>
+    <dgm:linClrLst meth="repeat">
+      <a:schemeClr val="accent1"/>
+    </dgm:linClrLst>
+    <dgm:effectClrLst/>
+    <dgm:txLinClrLst/>
+    <dgm:txFillClrLst meth="repeat">
+      <a:schemeClr val="dk1"/>
+    </dgm:txFillClrLst>
+    <dgm:txEffectClrLst/>
+  </dgm:styleLbl>
+  <dgm:styleLbl name="solidBgAcc1">
+    <dgm:fillClrLst meth="repeat">
+      <a:schemeClr val="lt1"/>
+    </dgm:fillClrLst>
+    <dgm:linClrLst meth="repeat">
+      <a:schemeClr val="accent1"/>
+    </dgm:linClrLst>
+    <dgm:effectClrLst/>
+    <dgm:txLinClrLst/>
+    <dgm:txFillClrLst meth="repeat">
+      <a:schemeClr val="dk1"/>
+    </dgm:txFillClrLst>
+    <dgm:txEffectClrLst/>
+  </dgm:styleLbl>
+  <dgm:styleLbl name="fgAccFollowNode1">
+    <dgm:fillClrLst meth="repeat">
+      <a:schemeClr val="accent1">
+        <a:alpha val="90000"/>
+        <a:tint val="40000"/>
+      </a:schemeClr>
+    </dgm:fillClrLst>
+    <dgm:linClrLst meth="repeat">
+      <a:schemeClr val="accent1">
+        <a:alpha val="90000"/>
+        <a:tint val="40000"/>
+      </a:schemeClr>
+    </dgm:linClrLst>
+    <dgm:effectClrLst/>
+    <dgm:txLinClrLst/>
+    <dgm:txFillClrLst meth="repeat">
+      <a:schemeClr val="dk1"/>
+    </dgm:txFillClrLst>
+    <dgm:txEffectClrLst/>
+  </dgm:styleLbl>
+  <dgm:styleLbl name="alignAccFollowNode1">
+    <dgm:fillClrLst meth="repeat">
+      <a:schemeClr val="accent1">
+        <a:alpha val="90000"/>
+        <a:tint val="40000"/>
+      </a:schemeClr>
+    </dgm:fillClrLst>
+    <dgm:linClrLst meth="repeat">
+      <a:schemeClr val="accent1">
+        <a:alpha val="90000"/>
+        <a:tint val="40000"/>
+      </a:schemeClr>
+    </dgm:linClrLst>
+    <dgm:effectClrLst/>
+    <dgm:txLinClrLst/>
+    <dgm:txFillClrLst meth="repeat">
+      <a:schemeClr val="dk1"/>
+    </dgm:txFillClrLst>
+    <dgm:txEffectClrLst/>
+  </dgm:styleLbl>
+  <dgm:styleLbl name="bgAccFollowNode1">
+    <dgm:fillClrLst meth="repeat">
+      <a:schemeClr val="accent1">
+        <a:alpha val="90000"/>
+        <a:tint val="40000"/>
+      </a:schemeClr>
+    </dgm:fillClrLst>
+    <dgm:linClrLst meth="repeat">
+      <a:schemeClr val="accent1">
+        <a:alpha val="90000"/>
+        <a:tint val="40000"/>
+      </a:schemeClr>
+    </dgm:linClrLst>
+    <dgm:effectClrLst/>
+    <dgm:txLinClrLst/>
+    <dgm:txFillClrLst meth="repeat">
+      <a:schemeClr val="dk1"/>
+    </dgm:txFillClrLst>
+    <dgm:txEffectClrLst/>
+  </dgm:styleLbl>
+  <dgm:styleLbl name="fgAcc0">
+    <dgm:fillClrLst meth="repeat">
+      <a:schemeClr val="lt1">
+        <a:alpha val="90000"/>
+      </a:schemeClr>
+    </dgm:fillClrLst>
+    <dgm:linClrLst meth="repeat">
+      <a:schemeClr val="accent1"/>
+    </dgm:linClrLst>
+    <dgm:effectClrLst/>
+    <dgm:txLinClrLst/>
+    <dgm:txFillClrLst meth="repeat">
+      <a:schemeClr val="dk1"/>
+    </dgm:txFillClrLst>
+    <dgm:txEffectClrLst/>
+  </dgm:styleLbl>
+  <dgm:styleLbl name="fgAcc2">
+    <dgm:fillClrLst meth="repeat">
+      <a:schemeClr val="lt1">
+        <a:alpha val="90000"/>
+      </a:schemeClr>
+    </dgm:fillClrLst>
+    <dgm:linClrLst meth="repeat">
+      <a:schemeClr val="accent1"/>
+    </dgm:linClrLst>
+    <dgm:effectClrLst/>
+    <dgm:txLinClrLst/>
+    <dgm:txFillClrLst meth="repeat">
+      <a:schemeClr val="dk1"/>
+    </dgm:txFillClrLst>
+    <dgm:txEffectClrLst/>
+  </dgm:styleLbl>
+  <dgm:styleLbl name="fgAcc3">
+    <dgm:fillClrLst meth="repeat">
+      <a:schemeClr val="lt1">
+        <a:alpha val="90000"/>
+      </a:schemeClr>
+    </dgm:fillClrLst>
+    <dgm:linClrLst meth="repeat">
+      <a:schemeClr val="accent1"/>
+    </dgm:linClrLst>
+    <dgm:effectClrLst/>
+    <dgm:txLinClrLst/>
+    <dgm:txFillClrLst meth="repeat">
+      <a:schemeClr val="dk1"/>
+    </dgm:txFillClrLst>
+    <dgm:txEffectClrLst/>
+  </dgm:styleLbl>
+  <dgm:styleLbl name="fgAcc4">
+    <dgm:fillClrLst meth="repeat">
+      <a:schemeClr val="lt1">
+        <a:alpha val="90000"/>
+      </a:schemeClr>
+    </dgm:fillClrLst>
+    <dgm:linClrLst meth="repeat">
+      <a:schemeClr val="accent1"/>
+    </dgm:linClrLst>
+    <dgm:effectClrLst/>
+    <dgm:txLinClrLst/>
+    <dgm:txFillClrLst meth="repeat">
+      <a:schemeClr val="dk1"/>
+    </dgm:txFillClrLst>
+    <dgm:txEffectClrLst/>
+  </dgm:styleLbl>
+  <dgm:styleLbl name="bgShp">
+    <dgm:fillClrLst meth="repeat">
+      <a:schemeClr val="accent1">
+        <a:tint val="40000"/>
+      </a:schemeClr>
+    </dgm:fillClrLst>
+    <dgm:linClrLst meth="repeat">
+      <a:schemeClr val="accent1"/>
+    </dgm:linClrLst>
+    <dgm:effectClrLst/>
+    <dgm:txLinClrLst/>
+    <dgm:txFillClrLst meth="repeat">
+      <a:schemeClr val="dk1"/>
+    </dgm:txFillClrLst>
+    <dgm:txEffectClrLst/>
+  </dgm:styleLbl>
+  <dgm:styleLbl name="dkBgShp">
+    <dgm:fillClrLst meth="repeat">
+      <a:schemeClr val="accent1">
+        <a:shade val="80000"/>
+      </a:schemeClr>
+    </dgm:fillClrLst>
+    <dgm:linClrLst meth="repeat">
+      <a:schemeClr val="accent1"/>
+    </dgm:linClrLst>
+    <dgm:effectClrLst/>
+    <dgm:txLinClrLst/>
+    <dgm:txFillClrLst meth="repeat">
+      <a:schemeClr val="lt1"/>
+    </dgm:txFillClrLst>
+    <dgm:txEffectClrLst/>
+  </dgm:styleLbl>
+  <dgm:styleLbl name="trBgShp">
+    <dgm:fillClrLst meth="repeat">
+      <a:schemeClr val="accent1">
+        <a:tint val="50000"/>
+        <a:alpha val="40000"/>
+      </a:schemeClr>
+    </dgm:fillClrLst>
+    <dgm:linClrLst meth="repeat">
+      <a:schemeClr val="accent1"/>
+    </dgm:linClrLst>
+    <dgm:effectClrLst/>
+    <dgm:txLinClrLst/>
+    <dgm:txFillClrLst meth="repeat">
+      <a:schemeClr val="lt1"/>
+    </dgm:txFillClrLst>
+    <dgm:txEffectClrLst/>
+  </dgm:styleLbl>
+  <dgm:styleLbl name="fgShp">
+    <dgm:fillClrLst meth="repeat">
+      <a:schemeClr val="accent1">
+        <a:tint val="60000"/>
+      </a:schemeClr>
+    </dgm:fillClrLst>
+    <dgm:linClrLst meth="repeat">
+      <a:schemeClr val="lt1"/>
+    </dgm:linClrLst>
+    <dgm:effectClrLst/>
+    <dgm:txLinClrLst/>
+    <dgm:txFillClrLst meth="repeat">
+      <a:schemeClr val="dk1"/>
+    </dgm:txFillClrLst>
+    <dgm:txEffectClrLst/>
+  </dgm:styleLbl>
+  <dgm:styleLbl name="revTx">
+    <dgm:fillClrLst meth="repeat">
+      <a:schemeClr val="lt1">
+        <a:alpha val="0"/>
+      </a:schemeClr>
+    </dgm:fillClrLst>
+    <dgm:linClrLst meth="repeat">
+      <a:schemeClr val="dk1">
+        <a:alpha val="0"/>
+      </a:schemeClr>
+    </dgm:linClrLst>
+    <dgm:effectClrLst/>
+    <dgm:txLinClrLst/>
+    <dgm:txFillClrLst meth="repeat">
+      <a:schemeClr val="tx1"/>
+    </dgm:txFillClrLst>
+    <dgm:txEffectClrLst/>
+  </dgm:styleLbl>
+</dgm:colorsDef>
+</file>
+
+<file path=ppt/diagrams/data1.xml><?xml version="1.0" encoding="utf-8"?>
+<dgm:dataModel xmlns:dgm="http://schemas.openxmlformats.org/drawingml/2006/diagram" xmlns:a="http://schemas.openxmlformats.org/drawingml/2006/main">
+  <dgm:ptLst>
+    <dgm:pt modelId="{8D117CB3-FE82-4BFE-BCE0-73F234DEFF89}" type="doc">
+      <dgm:prSet loTypeId="urn:microsoft.com/office/officeart/2005/8/layout/radial1" loCatId="cycle" qsTypeId="urn:microsoft.com/office/officeart/2005/8/quickstyle/simple1" qsCatId="simple" csTypeId="urn:microsoft.com/office/officeart/2005/8/colors/accent1_2" csCatId="accent1" phldr="1"/>
+      <dgm:spPr/>
+      <dgm:t>
+        <a:bodyPr/>
+        <a:lstStyle/>
+        <a:p>
+          <a:endParaRPr lang="en-US"/>
+        </a:p>
+      </dgm:t>
+    </dgm:pt>
+    <dgm:pt modelId="{13D6430C-5F33-4FCC-9656-FC8DF7E9540F}">
+      <dgm:prSet phldrT="[Text]" custT="1"/>
+      <dgm:spPr/>
+      <dgm:t>
+        <a:bodyPr/>
+        <a:lstStyle/>
+        <a:p>
+          <a:r>
+            <a:rPr lang="en-US" sz="3600" dirty="0"/>
+            <a:t>UI</a:t>
+          </a:r>
+          <a:br>
+            <a:rPr lang="en-US" sz="2100" dirty="0"/>
+          </a:br>
+          <a:r>
+            <a:rPr lang="en-US" sz="1800" dirty="0"/>
+            <a:t>marucan2</a:t>
+          </a:r>
+        </a:p>
+      </dgm:t>
+    </dgm:pt>
+    <dgm:pt modelId="{62471BF5-BF82-479D-AE4C-D93B84DEC733}" type="parTrans" cxnId="{AF1EC4C4-8579-45A8-8325-3055B8169CB0}">
+      <dgm:prSet/>
+      <dgm:spPr/>
+      <dgm:t>
+        <a:bodyPr/>
+        <a:lstStyle/>
+        <a:p>
+          <a:endParaRPr lang="en-US"/>
+        </a:p>
+      </dgm:t>
+    </dgm:pt>
+    <dgm:pt modelId="{EB2494E2-0625-4CF2-835C-5B974CE729DB}" type="sibTrans" cxnId="{AF1EC4C4-8579-45A8-8325-3055B8169CB0}">
+      <dgm:prSet/>
+      <dgm:spPr/>
+      <dgm:t>
+        <a:bodyPr/>
+        <a:lstStyle/>
+        <a:p>
+          <a:endParaRPr lang="en-US"/>
+        </a:p>
+      </dgm:t>
+    </dgm:pt>
+    <dgm:pt modelId="{378DAA38-F1CF-43C9-8DA8-406DFC40B966}">
+      <dgm:prSet phldrT="[Text]" custT="1"/>
+      <dgm:spPr/>
+      <dgm:t>
+        <a:bodyPr/>
+        <a:lstStyle/>
+        <a:p>
+          <a:r>
+            <a:rPr lang="en-US" sz="2400" b="1" dirty="0" err="1"/>
+            <a:t>PostGres</a:t>
+          </a:r>
+          <a:br>
+            <a:rPr lang="en-US" sz="2000" dirty="0"/>
+          </a:br>
+          <a:r>
+            <a:rPr lang="en-US" sz="2000" dirty="0" err="1"/>
+            <a:t>muracan</a:t>
+          </a:r>
+          <a:endParaRPr lang="en-US" sz="2000" dirty="0"/>
+        </a:p>
+      </dgm:t>
+    </dgm:pt>
+    <dgm:pt modelId="{33DD60CB-0A04-401D-8716-2353AD222D0D}" type="parTrans" cxnId="{BF319D52-6D43-4EC9-9DB3-067A466C2AE2}">
+      <dgm:prSet/>
+      <dgm:spPr/>
+      <dgm:t>
+        <a:bodyPr/>
+        <a:lstStyle/>
+        <a:p>
+          <a:endParaRPr lang="en-US"/>
+        </a:p>
+      </dgm:t>
+    </dgm:pt>
+    <dgm:pt modelId="{FF675F2B-4F47-48B7-BE76-B93242B31D1F}" type="sibTrans" cxnId="{BF319D52-6D43-4EC9-9DB3-067A466C2AE2}">
+      <dgm:prSet/>
+      <dgm:spPr/>
+      <dgm:t>
+        <a:bodyPr/>
+        <a:lstStyle/>
+        <a:p>
+          <a:endParaRPr lang="en-US"/>
+        </a:p>
+      </dgm:t>
+    </dgm:pt>
+    <dgm:pt modelId="{BCEA1090-E8A3-46C9-8682-C4750B4A5F75}">
+      <dgm:prSet phldrT="[Text]" custT="1"/>
+      <dgm:spPr/>
+      <dgm:t>
+        <a:bodyPr/>
+        <a:lstStyle/>
+        <a:p>
+          <a:r>
+            <a:rPr lang="en-US" sz="2400" b="1" dirty="0"/>
+            <a:t>Trend</a:t>
+          </a:r>
+          <a:br>
+            <a:rPr lang="en-US" sz="1300" b="1" dirty="0"/>
+          </a:br>
+          <a:r>
+            <a:rPr lang="en-US" sz="1300" b="1" dirty="0" err="1"/>
+            <a:t>muracantrend</a:t>
+          </a:r>
+          <a:endParaRPr lang="en-US" sz="1300" dirty="0"/>
+        </a:p>
+      </dgm:t>
+    </dgm:pt>
+    <dgm:pt modelId="{172D8BDB-46AF-4445-BE93-282601AB2C58}" type="parTrans" cxnId="{BC984F68-C5CC-417B-AB20-9B2414DA6870}">
+      <dgm:prSet/>
+      <dgm:spPr/>
+      <dgm:t>
+        <a:bodyPr/>
+        <a:lstStyle/>
+        <a:p>
+          <a:endParaRPr lang="en-US"/>
+        </a:p>
+      </dgm:t>
+    </dgm:pt>
+    <dgm:pt modelId="{7951AC8E-4C8A-4AF6-AC4D-6798DBB28492}" type="sibTrans" cxnId="{BC984F68-C5CC-417B-AB20-9B2414DA6870}">
+      <dgm:prSet/>
+      <dgm:spPr/>
+      <dgm:t>
+        <a:bodyPr/>
+        <a:lstStyle/>
+        <a:p>
+          <a:endParaRPr lang="en-US"/>
+        </a:p>
+      </dgm:t>
+    </dgm:pt>
+    <dgm:pt modelId="{CAD160BD-D518-4CC6-ABC6-DC4C1C98DB62}">
+      <dgm:prSet phldrT="[Text]" custT="1"/>
+      <dgm:spPr/>
+      <dgm:t>
+        <a:bodyPr/>
+        <a:lstStyle/>
+        <a:p>
+          <a:r>
+            <a:rPr lang="en-US" sz="2000" dirty="0"/>
+            <a:t>Mortality</a:t>
+          </a:r>
+          <a:br>
+            <a:rPr lang="en-US" sz="1300" dirty="0"/>
+          </a:br>
+          <a:r>
+            <a:rPr lang="en-US" sz="1300" dirty="0" err="1"/>
+            <a:t>muracaninfant</a:t>
+          </a:r>
+          <a:endParaRPr lang="en-US" sz="1300" dirty="0"/>
+        </a:p>
+      </dgm:t>
+    </dgm:pt>
+    <dgm:pt modelId="{3F8B8BCD-7DD8-421E-8635-A603512D4F9F}" type="parTrans" cxnId="{E56AF60E-025E-4187-B189-80BE3B93A468}">
+      <dgm:prSet/>
+      <dgm:spPr/>
+      <dgm:t>
+        <a:bodyPr/>
+        <a:lstStyle/>
+        <a:p>
+          <a:endParaRPr lang="en-US"/>
+        </a:p>
+      </dgm:t>
+    </dgm:pt>
+    <dgm:pt modelId="{7D2B5FB6-AEA0-43BD-809B-D37DF43DEAAC}" type="sibTrans" cxnId="{E56AF60E-025E-4187-B189-80BE3B93A468}">
+      <dgm:prSet/>
+      <dgm:spPr/>
+      <dgm:t>
+        <a:bodyPr/>
+        <a:lstStyle/>
+        <a:p>
+          <a:endParaRPr lang="en-US"/>
+        </a:p>
+      </dgm:t>
+    </dgm:pt>
+    <dgm:pt modelId="{35BF2BA3-443B-4E90-9637-80A3C793E937}">
+      <dgm:prSet phldrT="[Text]"/>
+      <dgm:spPr/>
+      <dgm:t>
+        <a:bodyPr/>
+        <a:lstStyle/>
+        <a:p>
+          <a:r>
+            <a:rPr lang="en-US" b="1" dirty="0"/>
+            <a:t>Life Expect</a:t>
+          </a:r>
+          <a:br>
+            <a:rPr lang="en-US" dirty="0"/>
+          </a:br>
+          <a:r>
+            <a:rPr lang="en-US" dirty="0" err="1"/>
+            <a:t>muracanlif</a:t>
+          </a:r>
+          <a:endParaRPr lang="en-US" dirty="0"/>
+        </a:p>
+      </dgm:t>
+    </dgm:pt>
+    <dgm:pt modelId="{B91B9816-42BF-4622-89FD-0AF6BAD876A8}" type="parTrans" cxnId="{ACD23F89-ACA0-4228-83FF-35E2C32C0542}">
+      <dgm:prSet/>
+      <dgm:spPr/>
+      <dgm:t>
+        <a:bodyPr/>
+        <a:lstStyle/>
+        <a:p>
+          <a:endParaRPr lang="en-US"/>
+        </a:p>
+      </dgm:t>
+    </dgm:pt>
+    <dgm:pt modelId="{8CF1E195-8D93-4AA8-9169-6E67242DDACB}" type="sibTrans" cxnId="{ACD23F89-ACA0-4228-83FF-35E2C32C0542}">
+      <dgm:prSet/>
+      <dgm:spPr/>
+      <dgm:t>
+        <a:bodyPr/>
+        <a:lstStyle/>
+        <a:p>
+          <a:endParaRPr lang="en-US"/>
+        </a:p>
+      </dgm:t>
+    </dgm:pt>
+    <dgm:pt modelId="{A11106A6-31BD-4E19-AA3F-3F6B3C40F59B}" type="pres">
+      <dgm:prSet presAssocID="{8D117CB3-FE82-4BFE-BCE0-73F234DEFF89}" presName="cycle" presStyleCnt="0">
+        <dgm:presLayoutVars>
+          <dgm:chMax val="1"/>
+          <dgm:dir/>
+          <dgm:animLvl val="ctr"/>
+          <dgm:resizeHandles val="exact"/>
+        </dgm:presLayoutVars>
+      </dgm:prSet>
+      <dgm:spPr/>
+    </dgm:pt>
+    <dgm:pt modelId="{95CB659F-AF4B-4F8D-89C5-DAF4FDB49B5B}" type="pres">
+      <dgm:prSet presAssocID="{13D6430C-5F33-4FCC-9656-FC8DF7E9540F}" presName="centerShape" presStyleLbl="node0" presStyleIdx="0" presStyleCnt="1"/>
+      <dgm:spPr/>
+    </dgm:pt>
+    <dgm:pt modelId="{96113937-0CCE-4606-866A-31B555D61166}" type="pres">
+      <dgm:prSet presAssocID="{33DD60CB-0A04-401D-8716-2353AD222D0D}" presName="Name9" presStyleLbl="parChTrans1D2" presStyleIdx="0" presStyleCnt="4"/>
+      <dgm:spPr/>
+    </dgm:pt>
+    <dgm:pt modelId="{D6474E13-7016-423C-9E6B-DAF54521D326}" type="pres">
+      <dgm:prSet presAssocID="{33DD60CB-0A04-401D-8716-2353AD222D0D}" presName="connTx" presStyleLbl="parChTrans1D2" presStyleIdx="0" presStyleCnt="4"/>
+      <dgm:spPr/>
+    </dgm:pt>
+    <dgm:pt modelId="{1A1BAAE5-3A64-487A-9DEE-3D6C9AEF4E22}" type="pres">
+      <dgm:prSet presAssocID="{378DAA38-F1CF-43C9-8DA8-406DFC40B966}" presName="node" presStyleLbl="node1" presStyleIdx="0" presStyleCnt="4" custScaleX="116991" custScaleY="107983">
+        <dgm:presLayoutVars>
+          <dgm:bulletEnabled val="1"/>
+        </dgm:presLayoutVars>
+      </dgm:prSet>
+      <dgm:spPr/>
+    </dgm:pt>
+    <dgm:pt modelId="{D1CEDD70-4601-4401-8195-0CD1FA7E2155}" type="pres">
+      <dgm:prSet presAssocID="{B91B9816-42BF-4622-89FD-0AF6BAD876A8}" presName="Name9" presStyleLbl="parChTrans1D2" presStyleIdx="1" presStyleCnt="4"/>
+      <dgm:spPr/>
+    </dgm:pt>
+    <dgm:pt modelId="{99D4EC46-4612-4F0C-87B9-719AAD84BF09}" type="pres">
+      <dgm:prSet presAssocID="{B91B9816-42BF-4622-89FD-0AF6BAD876A8}" presName="connTx" presStyleLbl="parChTrans1D2" presStyleIdx="1" presStyleCnt="4"/>
+      <dgm:spPr/>
+    </dgm:pt>
+    <dgm:pt modelId="{8EB08758-D93F-498A-8750-D7955067C071}" type="pres">
+      <dgm:prSet presAssocID="{35BF2BA3-443B-4E90-9637-80A3C793E937}" presName="node" presStyleLbl="node1" presStyleIdx="1" presStyleCnt="4" custScaleX="114478" custScaleY="109628" custRadScaleRad="123062" custRadScaleInc="-1585">
+        <dgm:presLayoutVars>
+          <dgm:bulletEnabled val="1"/>
+        </dgm:presLayoutVars>
+      </dgm:prSet>
+      <dgm:spPr/>
+    </dgm:pt>
+    <dgm:pt modelId="{F8926BE5-29E5-4AE8-BB98-53DE79515499}" type="pres">
+      <dgm:prSet presAssocID="{172D8BDB-46AF-4445-BE93-282601AB2C58}" presName="Name9" presStyleLbl="parChTrans1D2" presStyleIdx="2" presStyleCnt="4"/>
+      <dgm:spPr/>
+    </dgm:pt>
+    <dgm:pt modelId="{2F786F29-4686-4D57-B9C8-C0D40403F0B8}" type="pres">
+      <dgm:prSet presAssocID="{172D8BDB-46AF-4445-BE93-282601AB2C58}" presName="connTx" presStyleLbl="parChTrans1D2" presStyleIdx="2" presStyleCnt="4"/>
+      <dgm:spPr/>
+    </dgm:pt>
+    <dgm:pt modelId="{849EAFC3-5AD5-4CD0-8659-280B9998D6D0}" type="pres">
+      <dgm:prSet presAssocID="{BCEA1090-E8A3-46C9-8682-C4750B4A5F75}" presName="node" presStyleLbl="node1" presStyleIdx="2" presStyleCnt="4" custRadScaleRad="115793" custRadScaleInc="-1882">
+        <dgm:presLayoutVars>
+          <dgm:bulletEnabled val="1"/>
+        </dgm:presLayoutVars>
+      </dgm:prSet>
+      <dgm:spPr/>
+    </dgm:pt>
+    <dgm:pt modelId="{726A400D-0A1A-46A0-8F8D-381AB890EEA6}" type="pres">
+      <dgm:prSet presAssocID="{3F8B8BCD-7DD8-421E-8635-A603512D4F9F}" presName="Name9" presStyleLbl="parChTrans1D2" presStyleIdx="3" presStyleCnt="4"/>
+      <dgm:spPr/>
+    </dgm:pt>
+    <dgm:pt modelId="{900A86FE-CA24-4F64-9781-3F56EBF76375}" type="pres">
+      <dgm:prSet presAssocID="{3F8B8BCD-7DD8-421E-8635-A603512D4F9F}" presName="connTx" presStyleLbl="parChTrans1D2" presStyleIdx="3" presStyleCnt="4"/>
+      <dgm:spPr/>
+    </dgm:pt>
+    <dgm:pt modelId="{2E41A191-79AA-40DB-B64B-EBAFD522739F}" type="pres">
+      <dgm:prSet presAssocID="{CAD160BD-D518-4CC6-ABC6-DC4C1C98DB62}" presName="node" presStyleLbl="node1" presStyleIdx="3" presStyleCnt="4">
+        <dgm:presLayoutVars>
+          <dgm:bulletEnabled val="1"/>
+        </dgm:presLayoutVars>
+      </dgm:prSet>
+      <dgm:spPr/>
+    </dgm:pt>
+  </dgm:ptLst>
+  <dgm:cxnLst>
+    <dgm:cxn modelId="{84361105-1225-4069-8201-E8B1CAC0A047}" type="presOf" srcId="{35BF2BA3-443B-4E90-9637-80A3C793E937}" destId="{8EB08758-D93F-498A-8750-D7955067C071}" srcOrd="0" destOrd="0" presId="urn:microsoft.com/office/officeart/2005/8/layout/radial1"/>
+    <dgm:cxn modelId="{07990E0E-7406-429D-8FEF-4C53CE289FD6}" type="presOf" srcId="{33DD60CB-0A04-401D-8716-2353AD222D0D}" destId="{D6474E13-7016-423C-9E6B-DAF54521D326}" srcOrd="1" destOrd="0" presId="urn:microsoft.com/office/officeart/2005/8/layout/radial1"/>
+    <dgm:cxn modelId="{E56AF60E-025E-4187-B189-80BE3B93A468}" srcId="{13D6430C-5F33-4FCC-9656-FC8DF7E9540F}" destId="{CAD160BD-D518-4CC6-ABC6-DC4C1C98DB62}" srcOrd="3" destOrd="0" parTransId="{3F8B8BCD-7DD8-421E-8635-A603512D4F9F}" sibTransId="{7D2B5FB6-AEA0-43BD-809B-D37DF43DEAAC}"/>
+    <dgm:cxn modelId="{3D50A118-3A14-4A80-AE3B-030E48AF9391}" type="presOf" srcId="{13D6430C-5F33-4FCC-9656-FC8DF7E9540F}" destId="{95CB659F-AF4B-4F8D-89C5-DAF4FDB49B5B}" srcOrd="0" destOrd="0" presId="urn:microsoft.com/office/officeart/2005/8/layout/radial1"/>
+    <dgm:cxn modelId="{7606E521-E086-4145-BAEE-98B09AA324EB}" type="presOf" srcId="{CAD160BD-D518-4CC6-ABC6-DC4C1C98DB62}" destId="{2E41A191-79AA-40DB-B64B-EBAFD522739F}" srcOrd="0" destOrd="0" presId="urn:microsoft.com/office/officeart/2005/8/layout/radial1"/>
+    <dgm:cxn modelId="{F0754C3E-4BB4-492A-933F-6FD9E28ADC4E}" type="presOf" srcId="{B91B9816-42BF-4622-89FD-0AF6BAD876A8}" destId="{D1CEDD70-4601-4401-8195-0CD1FA7E2155}" srcOrd="0" destOrd="0" presId="urn:microsoft.com/office/officeart/2005/8/layout/radial1"/>
+    <dgm:cxn modelId="{475E5150-60DF-41D0-A386-1FCC0F51EEB0}" type="presOf" srcId="{8D117CB3-FE82-4BFE-BCE0-73F234DEFF89}" destId="{A11106A6-31BD-4E19-AA3F-3F6B3C40F59B}" srcOrd="0" destOrd="0" presId="urn:microsoft.com/office/officeart/2005/8/layout/radial1"/>
+    <dgm:cxn modelId="{BF319D52-6D43-4EC9-9DB3-067A466C2AE2}" srcId="{13D6430C-5F33-4FCC-9656-FC8DF7E9540F}" destId="{378DAA38-F1CF-43C9-8DA8-406DFC40B966}" srcOrd="0" destOrd="0" parTransId="{33DD60CB-0A04-401D-8716-2353AD222D0D}" sibTransId="{FF675F2B-4F47-48B7-BE76-B93242B31D1F}"/>
+    <dgm:cxn modelId="{BC984F68-C5CC-417B-AB20-9B2414DA6870}" srcId="{13D6430C-5F33-4FCC-9656-FC8DF7E9540F}" destId="{BCEA1090-E8A3-46C9-8682-C4750B4A5F75}" srcOrd="2" destOrd="0" parTransId="{172D8BDB-46AF-4445-BE93-282601AB2C58}" sibTransId="{7951AC8E-4C8A-4AF6-AC4D-6798DBB28492}"/>
+    <dgm:cxn modelId="{8D737068-5F4E-4CA6-90C6-6DC9E55EE324}" type="presOf" srcId="{172D8BDB-46AF-4445-BE93-282601AB2C58}" destId="{F8926BE5-29E5-4AE8-BB98-53DE79515499}" srcOrd="0" destOrd="0" presId="urn:microsoft.com/office/officeart/2005/8/layout/radial1"/>
+    <dgm:cxn modelId="{D0089982-E09D-4AA7-9358-69D4DB309EDB}" type="presOf" srcId="{33DD60CB-0A04-401D-8716-2353AD222D0D}" destId="{96113937-0CCE-4606-866A-31B555D61166}" srcOrd="0" destOrd="0" presId="urn:microsoft.com/office/officeart/2005/8/layout/radial1"/>
+    <dgm:cxn modelId="{ACD23F89-ACA0-4228-83FF-35E2C32C0542}" srcId="{13D6430C-5F33-4FCC-9656-FC8DF7E9540F}" destId="{35BF2BA3-443B-4E90-9637-80A3C793E937}" srcOrd="1" destOrd="0" parTransId="{B91B9816-42BF-4622-89FD-0AF6BAD876A8}" sibTransId="{8CF1E195-8D93-4AA8-9169-6E67242DDACB}"/>
+    <dgm:cxn modelId="{C7DC0CAD-A403-4B1E-A5C5-E5D58D6C0C0E}" type="presOf" srcId="{3F8B8BCD-7DD8-421E-8635-A603512D4F9F}" destId="{900A86FE-CA24-4F64-9781-3F56EBF76375}" srcOrd="1" destOrd="0" presId="urn:microsoft.com/office/officeart/2005/8/layout/radial1"/>
+    <dgm:cxn modelId="{05395EB9-7AA7-4B47-917D-8D999E3815A0}" type="presOf" srcId="{172D8BDB-46AF-4445-BE93-282601AB2C58}" destId="{2F786F29-4686-4D57-B9C8-C0D40403F0B8}" srcOrd="1" destOrd="0" presId="urn:microsoft.com/office/officeart/2005/8/layout/radial1"/>
+    <dgm:cxn modelId="{484852BC-5C44-4883-88EE-25D1A75B0843}" type="presOf" srcId="{378DAA38-F1CF-43C9-8DA8-406DFC40B966}" destId="{1A1BAAE5-3A64-487A-9DEE-3D6C9AEF4E22}" srcOrd="0" destOrd="0" presId="urn:microsoft.com/office/officeart/2005/8/layout/radial1"/>
+    <dgm:cxn modelId="{AF1EC4C4-8579-45A8-8325-3055B8169CB0}" srcId="{8D117CB3-FE82-4BFE-BCE0-73F234DEFF89}" destId="{13D6430C-5F33-4FCC-9656-FC8DF7E9540F}" srcOrd="0" destOrd="0" parTransId="{62471BF5-BF82-479D-AE4C-D93B84DEC733}" sibTransId="{EB2494E2-0625-4CF2-835C-5B974CE729DB}"/>
+    <dgm:cxn modelId="{A9AA86CB-096F-49A3-BAC8-6D71034E18D8}" type="presOf" srcId="{3F8B8BCD-7DD8-421E-8635-A603512D4F9F}" destId="{726A400D-0A1A-46A0-8F8D-381AB890EEA6}" srcOrd="0" destOrd="0" presId="urn:microsoft.com/office/officeart/2005/8/layout/radial1"/>
+    <dgm:cxn modelId="{14BBB0DC-BBAD-4CCC-BC95-8C0B307B96AF}" type="presOf" srcId="{B91B9816-42BF-4622-89FD-0AF6BAD876A8}" destId="{99D4EC46-4612-4F0C-87B9-719AAD84BF09}" srcOrd="1" destOrd="0" presId="urn:microsoft.com/office/officeart/2005/8/layout/radial1"/>
+    <dgm:cxn modelId="{E87E47DE-88A0-4D30-8E9A-A58057C5C0E4}" type="presOf" srcId="{BCEA1090-E8A3-46C9-8682-C4750B4A5F75}" destId="{849EAFC3-5AD5-4CD0-8659-280B9998D6D0}" srcOrd="0" destOrd="0" presId="urn:microsoft.com/office/officeart/2005/8/layout/radial1"/>
+    <dgm:cxn modelId="{3C0D426B-6C19-43CD-B437-93ADF8A01301}" type="presParOf" srcId="{A11106A6-31BD-4E19-AA3F-3F6B3C40F59B}" destId="{95CB659F-AF4B-4F8D-89C5-DAF4FDB49B5B}" srcOrd="0" destOrd="0" presId="urn:microsoft.com/office/officeart/2005/8/layout/radial1"/>
+    <dgm:cxn modelId="{7C10AAED-BD12-4466-814E-CFE9F84627C6}" type="presParOf" srcId="{A11106A6-31BD-4E19-AA3F-3F6B3C40F59B}" destId="{96113937-0CCE-4606-866A-31B555D61166}" srcOrd="1" destOrd="0" presId="urn:microsoft.com/office/officeart/2005/8/layout/radial1"/>
+    <dgm:cxn modelId="{4EA8E5E6-B82F-4F51-A9C3-531286531368}" type="presParOf" srcId="{96113937-0CCE-4606-866A-31B555D61166}" destId="{D6474E13-7016-423C-9E6B-DAF54521D326}" srcOrd="0" destOrd="0" presId="urn:microsoft.com/office/officeart/2005/8/layout/radial1"/>
+    <dgm:cxn modelId="{6EE12C0B-6D03-47C7-976A-8C982527E0E3}" type="presParOf" srcId="{A11106A6-31BD-4E19-AA3F-3F6B3C40F59B}" destId="{1A1BAAE5-3A64-487A-9DEE-3D6C9AEF4E22}" srcOrd="2" destOrd="0" presId="urn:microsoft.com/office/officeart/2005/8/layout/radial1"/>
+    <dgm:cxn modelId="{EC2906A1-8517-44C5-91DA-E0C7C5D75323}" type="presParOf" srcId="{A11106A6-31BD-4E19-AA3F-3F6B3C40F59B}" destId="{D1CEDD70-4601-4401-8195-0CD1FA7E2155}" srcOrd="3" destOrd="0" presId="urn:microsoft.com/office/officeart/2005/8/layout/radial1"/>
+    <dgm:cxn modelId="{1BC478D9-99CE-4997-9D95-01E7132A231C}" type="presParOf" srcId="{D1CEDD70-4601-4401-8195-0CD1FA7E2155}" destId="{99D4EC46-4612-4F0C-87B9-719AAD84BF09}" srcOrd="0" destOrd="0" presId="urn:microsoft.com/office/officeart/2005/8/layout/radial1"/>
+    <dgm:cxn modelId="{33448A6B-B72D-49D1-BA47-8449C8C25602}" type="presParOf" srcId="{A11106A6-31BD-4E19-AA3F-3F6B3C40F59B}" destId="{8EB08758-D93F-498A-8750-D7955067C071}" srcOrd="4" destOrd="0" presId="urn:microsoft.com/office/officeart/2005/8/layout/radial1"/>
+    <dgm:cxn modelId="{4F4270F0-304E-456A-8443-2380A068C0C4}" type="presParOf" srcId="{A11106A6-31BD-4E19-AA3F-3F6B3C40F59B}" destId="{F8926BE5-29E5-4AE8-BB98-53DE79515499}" srcOrd="5" destOrd="0" presId="urn:microsoft.com/office/officeart/2005/8/layout/radial1"/>
+    <dgm:cxn modelId="{C30A2D36-DDFB-4282-9CB6-4FC0C2D3E477}" type="presParOf" srcId="{F8926BE5-29E5-4AE8-BB98-53DE79515499}" destId="{2F786F29-4686-4D57-B9C8-C0D40403F0B8}" srcOrd="0" destOrd="0" presId="urn:microsoft.com/office/officeart/2005/8/layout/radial1"/>
+    <dgm:cxn modelId="{A75D2C78-77FA-4919-A78F-851FDDEA041D}" type="presParOf" srcId="{A11106A6-31BD-4E19-AA3F-3F6B3C40F59B}" destId="{849EAFC3-5AD5-4CD0-8659-280B9998D6D0}" srcOrd="6" destOrd="0" presId="urn:microsoft.com/office/officeart/2005/8/layout/radial1"/>
+    <dgm:cxn modelId="{8B9DD70C-2268-4355-B4B5-5AFD8B59B908}" type="presParOf" srcId="{A11106A6-31BD-4E19-AA3F-3F6B3C40F59B}" destId="{726A400D-0A1A-46A0-8F8D-381AB890EEA6}" srcOrd="7" destOrd="0" presId="urn:microsoft.com/office/officeart/2005/8/layout/radial1"/>
+    <dgm:cxn modelId="{81F8868E-0BBD-467A-8BE3-31942B113159}" type="presParOf" srcId="{726A400D-0A1A-46A0-8F8D-381AB890EEA6}" destId="{900A86FE-CA24-4F64-9781-3F56EBF76375}" srcOrd="0" destOrd="0" presId="urn:microsoft.com/office/officeart/2005/8/layout/radial1"/>
+    <dgm:cxn modelId="{2A27DFBA-D6E4-42DA-8DBD-F501AA3B6E42}" type="presParOf" srcId="{A11106A6-31BD-4E19-AA3F-3F6B3C40F59B}" destId="{2E41A191-79AA-40DB-B64B-EBAFD522739F}" srcOrd="8" destOrd="0" presId="urn:microsoft.com/office/officeart/2005/8/layout/radial1"/>
+  </dgm:cxnLst>
+  <dgm:bg/>
+  <dgm:whole/>
+  <dgm:extLst>
+    <a:ext uri="http://schemas.microsoft.com/office/drawing/2008/diagram">
+      <dsp:dataModelExt xmlns:dsp="http://schemas.microsoft.com/office/drawing/2008/diagram" relId="rId6" minVer="http://schemas.openxmlformats.org/drawingml/2006/diagram"/>
+    </a:ext>
+  </dgm:extLst>
+</dgm:dataModel>
+</file>
+
+<file path=ppt/diagrams/drawing1.xml><?xml version="1.0" encoding="utf-8"?>
+<dsp:drawing xmlns:dgm="http://schemas.openxmlformats.org/drawingml/2006/diagram" xmlns:dsp="http://schemas.microsoft.com/office/drawing/2008/diagram" xmlns:a="http://schemas.openxmlformats.org/drawingml/2006/main">
+  <dsp:spTree>
+    <dsp:nvGrpSpPr>
+      <dsp:cNvPr id="0" name=""/>
+      <dsp:cNvGrpSpPr/>
+    </dsp:nvGrpSpPr>
+    <dsp:grpSpPr/>
+    <dsp:sp modelId="{95CB659F-AF4B-4F8D-89C5-DAF4FDB49B5B}">
+      <dsp:nvSpPr>
+        <dsp:cNvPr id="0" name=""/>
+        <dsp:cNvSpPr/>
+      </dsp:nvSpPr>
+      <dsp:spPr>
+        <a:xfrm>
+          <a:off x="3263779" y="1992915"/>
+          <a:ext cx="1492405" cy="1492405"/>
+        </a:xfrm>
+        <a:prstGeom prst="ellipse">
+          <a:avLst/>
+        </a:prstGeom>
+        <a:solidFill>
+          <a:schemeClr val="accent1">
+            <a:hueOff val="0"/>
+            <a:satOff val="0"/>
+            <a:lumOff val="0"/>
+            <a:alphaOff val="0"/>
+          </a:schemeClr>
+        </a:solidFill>
+        <a:ln w="19050" cap="rnd" cmpd="sng" algn="ctr">
+          <a:solidFill>
+            <a:schemeClr val="lt1">
+              <a:hueOff val="0"/>
+              <a:satOff val="0"/>
+              <a:lumOff val="0"/>
+              <a:alphaOff val="0"/>
+            </a:schemeClr>
+          </a:solidFill>
+          <a:prstDash val="solid"/>
+        </a:ln>
+        <a:effectLst/>
+      </dsp:spPr>
+      <dsp:style>
+        <a:lnRef idx="2">
+          <a:scrgbClr r="0" g="0" b="0"/>
+        </a:lnRef>
+        <a:fillRef idx="1">
+          <a:scrgbClr r="0" g="0" b="0"/>
+        </a:fillRef>
+        <a:effectRef idx="0">
+          <a:scrgbClr r="0" g="0" b="0"/>
+        </a:effectRef>
+        <a:fontRef idx="minor">
+          <a:schemeClr val="lt1"/>
+        </a:fontRef>
+      </dsp:style>
+      <dsp:txBody>
+        <a:bodyPr spcFirstLastPara="0" vert="horz" wrap="square" lIns="22860" tIns="22860" rIns="22860" bIns="22860" numCol="1" spcCol="1270" anchor="ctr" anchorCtr="0">
+          <a:noAutofit/>
+        </a:bodyPr>
+        <a:lstStyle/>
+        <a:p>
+          <a:pPr marL="0" lvl="0" indent="0" algn="ctr" defTabSz="1600200">
+            <a:lnSpc>
+              <a:spcPct val="90000"/>
+            </a:lnSpc>
+            <a:spcBef>
+              <a:spcPct val="0"/>
+            </a:spcBef>
+            <a:spcAft>
+              <a:spcPct val="35000"/>
+            </a:spcAft>
+            <a:buNone/>
+          </a:pPr>
+          <a:r>
+            <a:rPr lang="en-US" sz="3600" kern="1200" dirty="0"/>
+            <a:t>UI</a:t>
+          </a:r>
+          <a:br>
+            <a:rPr lang="en-US" sz="2100" kern="1200" dirty="0"/>
+          </a:br>
+          <a:r>
+            <a:rPr lang="en-US" sz="1800" kern="1200" dirty="0"/>
+            <a:t>marucan2</a:t>
+          </a:r>
+        </a:p>
+      </dsp:txBody>
+      <dsp:txXfrm>
+        <a:off x="3482337" y="2211473"/>
+        <a:ext cx="1055289" cy="1055289"/>
+      </dsp:txXfrm>
+    </dsp:sp>
+    <dsp:sp modelId="{96113937-0CCE-4606-866A-31B555D61166}">
+      <dsp:nvSpPr>
+        <dsp:cNvPr id="0" name=""/>
+        <dsp:cNvSpPr/>
+      </dsp:nvSpPr>
+      <dsp:spPr>
+        <a:xfrm rot="16200000">
+          <a:off x="3814133" y="1780541"/>
+          <a:ext cx="391697" cy="33050"/>
+        </a:xfrm>
+        <a:custGeom>
+          <a:avLst/>
+          <a:gdLst/>
+          <a:ahLst/>
+          <a:cxnLst/>
+          <a:rect l="0" t="0" r="0" b="0"/>
+          <a:pathLst>
+            <a:path>
+              <a:moveTo>
+                <a:pt x="0" y="16525"/>
+              </a:moveTo>
+              <a:lnTo>
+                <a:pt x="391697" y="16525"/>
+              </a:lnTo>
+            </a:path>
+          </a:pathLst>
+        </a:custGeom>
+        <a:noFill/>
+        <a:ln w="19050" cap="rnd" cmpd="sng" algn="ctr">
+          <a:solidFill>
+            <a:schemeClr val="accent1">
+              <a:shade val="60000"/>
+              <a:hueOff val="0"/>
+              <a:satOff val="0"/>
+              <a:lumOff val="0"/>
+              <a:alphaOff val="0"/>
+            </a:schemeClr>
+          </a:solidFill>
+          <a:prstDash val="solid"/>
+        </a:ln>
+        <a:effectLst/>
+      </dsp:spPr>
+      <dsp:style>
+        <a:lnRef idx="2">
+          <a:scrgbClr r="0" g="0" b="0"/>
+        </a:lnRef>
+        <a:fillRef idx="0">
+          <a:scrgbClr r="0" g="0" b="0"/>
+        </a:fillRef>
+        <a:effectRef idx="0">
+          <a:scrgbClr r="0" g="0" b="0"/>
+        </a:effectRef>
+        <a:fontRef idx="minor"/>
+      </dsp:style>
+      <dsp:txBody>
+        <a:bodyPr spcFirstLastPara="0" vert="horz" wrap="square" lIns="12700" tIns="0" rIns="12700" bIns="0" numCol="1" spcCol="1270" anchor="ctr" anchorCtr="0">
+          <a:noAutofit/>
+        </a:bodyPr>
+        <a:lstStyle/>
+        <a:p>
+          <a:pPr marL="0" lvl="0" indent="0" algn="ctr" defTabSz="222250">
+            <a:lnSpc>
+              <a:spcPct val="90000"/>
+            </a:lnSpc>
+            <a:spcBef>
+              <a:spcPct val="0"/>
+            </a:spcBef>
+            <a:spcAft>
+              <a:spcPct val="35000"/>
+            </a:spcAft>
+            <a:buNone/>
+          </a:pPr>
+          <a:endParaRPr lang="en-US" sz="500" kern="1200"/>
+        </a:p>
+      </dsp:txBody>
+      <dsp:txXfrm>
+        <a:off x="4000189" y="1787274"/>
+        <a:ext cx="19584" cy="19584"/>
+      </dsp:txXfrm>
+    </dsp:sp>
+    <dsp:sp modelId="{1A1BAAE5-3A64-487A-9DEE-3D6C9AEF4E22}">
+      <dsp:nvSpPr>
+        <dsp:cNvPr id="0" name=""/>
+        <dsp:cNvSpPr/>
+      </dsp:nvSpPr>
+      <dsp:spPr>
+        <a:xfrm>
+          <a:off x="3136992" y="-10325"/>
+          <a:ext cx="1745979" cy="1611543"/>
+        </a:xfrm>
+        <a:prstGeom prst="ellipse">
+          <a:avLst/>
+        </a:prstGeom>
+        <a:solidFill>
+          <a:schemeClr val="accent1">
+            <a:hueOff val="0"/>
+            <a:satOff val="0"/>
+            <a:lumOff val="0"/>
+            <a:alphaOff val="0"/>
+          </a:schemeClr>
+        </a:solidFill>
+        <a:ln w="19050" cap="rnd" cmpd="sng" algn="ctr">
+          <a:solidFill>
+            <a:schemeClr val="lt1">
+              <a:hueOff val="0"/>
+              <a:satOff val="0"/>
+              <a:lumOff val="0"/>
+              <a:alphaOff val="0"/>
+            </a:schemeClr>
+          </a:solidFill>
+          <a:prstDash val="solid"/>
+        </a:ln>
+        <a:effectLst/>
+      </dsp:spPr>
+      <dsp:style>
+        <a:lnRef idx="2">
+          <a:scrgbClr r="0" g="0" b="0"/>
+        </a:lnRef>
+        <a:fillRef idx="1">
+          <a:scrgbClr r="0" g="0" b="0"/>
+        </a:fillRef>
+        <a:effectRef idx="0">
+          <a:scrgbClr r="0" g="0" b="0"/>
+        </a:effectRef>
+        <a:fontRef idx="minor">
+          <a:schemeClr val="lt1"/>
+        </a:fontRef>
+      </dsp:style>
+      <dsp:txBody>
+        <a:bodyPr spcFirstLastPara="0" vert="horz" wrap="square" lIns="15240" tIns="15240" rIns="15240" bIns="15240" numCol="1" spcCol="1270" anchor="ctr" anchorCtr="0">
+          <a:noAutofit/>
+        </a:bodyPr>
+        <a:lstStyle/>
+        <a:p>
+          <a:pPr marL="0" lvl="0" indent="0" algn="ctr" defTabSz="1066800">
+            <a:lnSpc>
+              <a:spcPct val="90000"/>
+            </a:lnSpc>
+            <a:spcBef>
+              <a:spcPct val="0"/>
+            </a:spcBef>
+            <a:spcAft>
+              <a:spcPct val="35000"/>
+            </a:spcAft>
+            <a:buNone/>
+          </a:pPr>
+          <a:r>
+            <a:rPr lang="en-US" sz="2400" b="1" kern="1200" dirty="0" err="1"/>
+            <a:t>PostGres</a:t>
+          </a:r>
+          <a:br>
+            <a:rPr lang="en-US" sz="2000" kern="1200" dirty="0"/>
+          </a:br>
+          <a:r>
+            <a:rPr lang="en-US" sz="2000" kern="1200" dirty="0" err="1"/>
+            <a:t>muracan</a:t>
+          </a:r>
+          <a:endParaRPr lang="en-US" sz="2000" kern="1200" dirty="0"/>
+        </a:p>
+      </dsp:txBody>
+      <dsp:txXfrm>
+        <a:off x="3392685" y="225680"/>
+        <a:ext cx="1234593" cy="1139533"/>
+      </dsp:txXfrm>
+    </dsp:sp>
+    <dsp:sp modelId="{D1CEDD70-4601-4401-8195-0CD1FA7E2155}">
+      <dsp:nvSpPr>
+        <dsp:cNvPr id="0" name=""/>
+        <dsp:cNvSpPr/>
+      </dsp:nvSpPr>
+      <dsp:spPr>
+        <a:xfrm rot="21557205">
+          <a:off x="4756096" y="2708377"/>
+          <a:ext cx="791486" cy="33050"/>
+        </a:xfrm>
+        <a:custGeom>
+          <a:avLst/>
+          <a:gdLst/>
+          <a:ahLst/>
+          <a:cxnLst/>
+          <a:rect l="0" t="0" r="0" b="0"/>
+          <a:pathLst>
+            <a:path>
+              <a:moveTo>
+                <a:pt x="0" y="16525"/>
+              </a:moveTo>
+              <a:lnTo>
+                <a:pt x="791486" y="16525"/>
+              </a:lnTo>
+            </a:path>
+          </a:pathLst>
+        </a:custGeom>
+        <a:noFill/>
+        <a:ln w="19050" cap="rnd" cmpd="sng" algn="ctr">
+          <a:solidFill>
+            <a:schemeClr val="accent1">
+              <a:shade val="60000"/>
+              <a:hueOff val="0"/>
+              <a:satOff val="0"/>
+              <a:lumOff val="0"/>
+              <a:alphaOff val="0"/>
+            </a:schemeClr>
+          </a:solidFill>
+          <a:prstDash val="solid"/>
+        </a:ln>
+        <a:effectLst/>
+      </dsp:spPr>
+      <dsp:style>
+        <a:lnRef idx="2">
+          <a:scrgbClr r="0" g="0" b="0"/>
+        </a:lnRef>
+        <a:fillRef idx="0">
+          <a:scrgbClr r="0" g="0" b="0"/>
+        </a:fillRef>
+        <a:effectRef idx="0">
+          <a:scrgbClr r="0" g="0" b="0"/>
+        </a:effectRef>
+        <a:fontRef idx="minor"/>
+      </dsp:style>
+      <dsp:txBody>
+        <a:bodyPr spcFirstLastPara="0" vert="horz" wrap="square" lIns="12700" tIns="0" rIns="12700" bIns="0" numCol="1" spcCol="1270" anchor="ctr" anchorCtr="0">
+          <a:noAutofit/>
+        </a:bodyPr>
+        <a:lstStyle/>
+        <a:p>
+          <a:pPr marL="0" lvl="0" indent="0" algn="ctr" defTabSz="222250">
+            <a:lnSpc>
+              <a:spcPct val="90000"/>
+            </a:lnSpc>
+            <a:spcBef>
+              <a:spcPct val="0"/>
+            </a:spcBef>
+            <a:spcAft>
+              <a:spcPct val="35000"/>
+            </a:spcAft>
+            <a:buNone/>
+          </a:pPr>
+          <a:endParaRPr lang="en-US" sz="500" kern="1200"/>
+        </a:p>
+      </dsp:txBody>
+      <dsp:txXfrm>
+        <a:off x="5132052" y="2705115"/>
+        <a:ext cx="39574" cy="39574"/>
+      </dsp:txXfrm>
+    </dsp:sp>
+    <dsp:sp modelId="{8EB08758-D93F-498A-8750-D7955067C071}">
+      <dsp:nvSpPr>
+        <dsp:cNvPr id="0" name=""/>
+        <dsp:cNvSpPr/>
+      </dsp:nvSpPr>
+      <dsp:spPr>
+        <a:xfrm>
+          <a:off x="5547480" y="1891296"/>
+          <a:ext cx="1708475" cy="1636093"/>
+        </a:xfrm>
+        <a:prstGeom prst="ellipse">
+          <a:avLst/>
+        </a:prstGeom>
+        <a:solidFill>
+          <a:schemeClr val="accent1">
+            <a:hueOff val="0"/>
+            <a:satOff val="0"/>
+            <a:lumOff val="0"/>
+            <a:alphaOff val="0"/>
+          </a:schemeClr>
+        </a:solidFill>
+        <a:ln w="19050" cap="rnd" cmpd="sng" algn="ctr">
+          <a:solidFill>
+            <a:schemeClr val="lt1">
+              <a:hueOff val="0"/>
+              <a:satOff val="0"/>
+              <a:lumOff val="0"/>
+              <a:alphaOff val="0"/>
+            </a:schemeClr>
+          </a:solidFill>
+          <a:prstDash val="solid"/>
+        </a:ln>
+        <a:effectLst/>
+      </dsp:spPr>
+      <dsp:style>
+        <a:lnRef idx="2">
+          <a:scrgbClr r="0" g="0" b="0"/>
+        </a:lnRef>
+        <a:fillRef idx="1">
+          <a:scrgbClr r="0" g="0" b="0"/>
+        </a:fillRef>
+        <a:effectRef idx="0">
+          <a:scrgbClr r="0" g="0" b="0"/>
+        </a:effectRef>
+        <a:fontRef idx="minor">
+          <a:schemeClr val="lt1"/>
+        </a:fontRef>
+      </dsp:style>
+      <dsp:txBody>
+        <a:bodyPr spcFirstLastPara="0" vert="horz" wrap="square" lIns="10795" tIns="10795" rIns="10795" bIns="10795" numCol="1" spcCol="1270" anchor="ctr" anchorCtr="0">
+          <a:noAutofit/>
+        </a:bodyPr>
+        <a:lstStyle/>
+        <a:p>
+          <a:pPr marL="0" lvl="0" indent="0" algn="ctr" defTabSz="755650">
+            <a:lnSpc>
+              <a:spcPct val="90000"/>
+            </a:lnSpc>
+            <a:spcBef>
+              <a:spcPct val="0"/>
+            </a:spcBef>
+            <a:spcAft>
+              <a:spcPct val="35000"/>
+            </a:spcAft>
+            <a:buNone/>
+          </a:pPr>
+          <a:r>
+            <a:rPr lang="en-US" sz="1700" b="1" kern="1200" dirty="0"/>
+            <a:t>Life Expect</a:t>
+          </a:r>
+          <a:br>
+            <a:rPr lang="en-US" sz="1700" kern="1200" dirty="0"/>
+          </a:br>
+          <a:r>
+            <a:rPr lang="en-US" sz="1700" kern="1200" dirty="0" err="1"/>
+            <a:t>muracanlif</a:t>
+          </a:r>
+          <a:endParaRPr lang="en-US" sz="1700" kern="1200" dirty="0"/>
+        </a:p>
+      </dsp:txBody>
+      <dsp:txXfrm>
+        <a:off x="5797680" y="2130896"/>
+        <a:ext cx="1208075" cy="1156893"/>
+      </dsp:txXfrm>
+    </dsp:sp>
+    <dsp:sp modelId="{F8926BE5-29E5-4AE8-BB98-53DE79515499}">
+      <dsp:nvSpPr>
+        <dsp:cNvPr id="0" name=""/>
+        <dsp:cNvSpPr/>
+      </dsp:nvSpPr>
+      <dsp:spPr>
+        <a:xfrm rot="5341169">
+          <a:off x="3800839" y="3694428"/>
+          <a:ext cx="451551" cy="33050"/>
+        </a:xfrm>
+        <a:custGeom>
+          <a:avLst/>
+          <a:gdLst/>
+          <a:ahLst/>
+          <a:cxnLst/>
+          <a:rect l="0" t="0" r="0" b="0"/>
+          <a:pathLst>
+            <a:path>
+              <a:moveTo>
+                <a:pt x="0" y="16525"/>
+              </a:moveTo>
+              <a:lnTo>
+                <a:pt x="451551" y="16525"/>
+              </a:lnTo>
+            </a:path>
+          </a:pathLst>
+        </a:custGeom>
+        <a:noFill/>
+        <a:ln w="19050" cap="rnd" cmpd="sng" algn="ctr">
+          <a:solidFill>
+            <a:schemeClr val="accent1">
+              <a:shade val="60000"/>
+              <a:hueOff val="0"/>
+              <a:satOff val="0"/>
+              <a:lumOff val="0"/>
+              <a:alphaOff val="0"/>
+            </a:schemeClr>
+          </a:solidFill>
+          <a:prstDash val="solid"/>
+        </a:ln>
+        <a:effectLst/>
+      </dsp:spPr>
+      <dsp:style>
+        <a:lnRef idx="2">
+          <a:scrgbClr r="0" g="0" b="0"/>
+        </a:lnRef>
+        <a:fillRef idx="0">
+          <a:scrgbClr r="0" g="0" b="0"/>
+        </a:fillRef>
+        <a:effectRef idx="0">
+          <a:scrgbClr r="0" g="0" b="0"/>
+        </a:effectRef>
+        <a:fontRef idx="minor"/>
+      </dsp:style>
+      <dsp:txBody>
+        <a:bodyPr spcFirstLastPara="0" vert="horz" wrap="square" lIns="12700" tIns="0" rIns="12700" bIns="0" numCol="1" spcCol="1270" anchor="ctr" anchorCtr="0">
+          <a:noAutofit/>
+        </a:bodyPr>
+        <a:lstStyle/>
+        <a:p>
+          <a:pPr marL="0" lvl="0" indent="0" algn="ctr" defTabSz="222250">
+            <a:lnSpc>
+              <a:spcPct val="90000"/>
+            </a:lnSpc>
+            <a:spcBef>
+              <a:spcPct val="0"/>
+            </a:spcBef>
+            <a:spcAft>
+              <a:spcPct val="35000"/>
+            </a:spcAft>
+            <a:buNone/>
+          </a:pPr>
+          <a:endParaRPr lang="en-US" sz="500" kern="1200"/>
+        </a:p>
+      </dsp:txBody>
+      <dsp:txXfrm>
+        <a:off x="4015326" y="3699665"/>
+        <a:ext cx="22577" cy="22577"/>
+      </dsp:txXfrm>
+    </dsp:sp>
+    <dsp:sp modelId="{849EAFC3-5AD5-4CD0-8659-280B9998D6D0}">
+      <dsp:nvSpPr>
+        <dsp:cNvPr id="0" name=""/>
+        <dsp:cNvSpPr/>
+      </dsp:nvSpPr>
+      <dsp:spPr>
+        <a:xfrm>
+          <a:off x="3297045" y="3936587"/>
+          <a:ext cx="1492405" cy="1492405"/>
+        </a:xfrm>
+        <a:prstGeom prst="ellipse">
+          <a:avLst/>
+        </a:prstGeom>
+        <a:solidFill>
+          <a:schemeClr val="accent1">
+            <a:hueOff val="0"/>
+            <a:satOff val="0"/>
+            <a:lumOff val="0"/>
+            <a:alphaOff val="0"/>
+          </a:schemeClr>
+        </a:solidFill>
+        <a:ln w="19050" cap="rnd" cmpd="sng" algn="ctr">
+          <a:solidFill>
+            <a:schemeClr val="lt1">
+              <a:hueOff val="0"/>
+              <a:satOff val="0"/>
+              <a:lumOff val="0"/>
+              <a:alphaOff val="0"/>
+            </a:schemeClr>
+          </a:solidFill>
+          <a:prstDash val="solid"/>
+        </a:ln>
+        <a:effectLst/>
+      </dsp:spPr>
+      <dsp:style>
+        <a:lnRef idx="2">
+          <a:scrgbClr r="0" g="0" b="0"/>
+        </a:lnRef>
+        <a:fillRef idx="1">
+          <a:scrgbClr r="0" g="0" b="0"/>
+        </a:fillRef>
+        <a:effectRef idx="0">
+          <a:scrgbClr r="0" g="0" b="0"/>
+        </a:effectRef>
+        <a:fontRef idx="minor">
+          <a:schemeClr val="lt1"/>
+        </a:fontRef>
+      </dsp:style>
+      <dsp:txBody>
+        <a:bodyPr spcFirstLastPara="0" vert="horz" wrap="square" lIns="15240" tIns="15240" rIns="15240" bIns="15240" numCol="1" spcCol="1270" anchor="ctr" anchorCtr="0">
+          <a:noAutofit/>
+        </a:bodyPr>
+        <a:lstStyle/>
+        <a:p>
+          <a:pPr marL="0" lvl="0" indent="0" algn="ctr" defTabSz="1066800">
+            <a:lnSpc>
+              <a:spcPct val="90000"/>
+            </a:lnSpc>
+            <a:spcBef>
+              <a:spcPct val="0"/>
+            </a:spcBef>
+            <a:spcAft>
+              <a:spcPct val="35000"/>
+            </a:spcAft>
+            <a:buNone/>
+          </a:pPr>
+          <a:r>
+            <a:rPr lang="en-US" sz="2400" b="1" kern="1200" dirty="0"/>
+            <a:t>Trend</a:t>
+          </a:r>
+          <a:br>
+            <a:rPr lang="en-US" sz="1300" b="1" kern="1200" dirty="0"/>
+          </a:br>
+          <a:r>
+            <a:rPr lang="en-US" sz="1300" b="1" kern="1200" dirty="0" err="1"/>
+            <a:t>muracantrend</a:t>
+          </a:r>
+          <a:endParaRPr lang="en-US" sz="1300" kern="1200" dirty="0"/>
+        </a:p>
+      </dsp:txBody>
+      <dsp:txXfrm>
+        <a:off x="3515603" y="4155145"/>
+        <a:ext cx="1055289" cy="1055289"/>
+      </dsp:txXfrm>
+    </dsp:sp>
+    <dsp:sp modelId="{726A400D-0A1A-46A0-8F8D-381AB890EEA6}">
+      <dsp:nvSpPr>
+        <dsp:cNvPr id="0" name=""/>
+        <dsp:cNvSpPr/>
+      </dsp:nvSpPr>
+      <dsp:spPr>
+        <a:xfrm rot="10800000">
+          <a:off x="2812513" y="2722593"/>
+          <a:ext cx="451266" cy="33050"/>
+        </a:xfrm>
+        <a:custGeom>
+          <a:avLst/>
+          <a:gdLst/>
+          <a:ahLst/>
+          <a:cxnLst/>
+          <a:rect l="0" t="0" r="0" b="0"/>
+          <a:pathLst>
+            <a:path>
+              <a:moveTo>
+                <a:pt x="0" y="16525"/>
+              </a:moveTo>
+              <a:lnTo>
+                <a:pt x="451266" y="16525"/>
+              </a:lnTo>
+            </a:path>
+          </a:pathLst>
+        </a:custGeom>
+        <a:noFill/>
+        <a:ln w="19050" cap="rnd" cmpd="sng" algn="ctr">
+          <a:solidFill>
+            <a:schemeClr val="accent1">
+              <a:shade val="60000"/>
+              <a:hueOff val="0"/>
+              <a:satOff val="0"/>
+              <a:lumOff val="0"/>
+              <a:alphaOff val="0"/>
+            </a:schemeClr>
+          </a:solidFill>
+          <a:prstDash val="solid"/>
+        </a:ln>
+        <a:effectLst/>
+      </dsp:spPr>
+      <dsp:style>
+        <a:lnRef idx="2">
+          <a:scrgbClr r="0" g="0" b="0"/>
+        </a:lnRef>
+        <a:fillRef idx="0">
+          <a:scrgbClr r="0" g="0" b="0"/>
+        </a:fillRef>
+        <a:effectRef idx="0">
+          <a:scrgbClr r="0" g="0" b="0"/>
+        </a:effectRef>
+        <a:fontRef idx="minor"/>
+      </dsp:style>
+      <dsp:txBody>
+        <a:bodyPr spcFirstLastPara="0" vert="horz" wrap="square" lIns="12700" tIns="0" rIns="12700" bIns="0" numCol="1" spcCol="1270" anchor="ctr" anchorCtr="0">
+          <a:noAutofit/>
+        </a:bodyPr>
+        <a:lstStyle/>
+        <a:p>
+          <a:pPr marL="0" lvl="0" indent="0" algn="ctr" defTabSz="222250">
+            <a:lnSpc>
+              <a:spcPct val="90000"/>
+            </a:lnSpc>
+            <a:spcBef>
+              <a:spcPct val="0"/>
+            </a:spcBef>
+            <a:spcAft>
+              <a:spcPct val="35000"/>
+            </a:spcAft>
+            <a:buNone/>
+          </a:pPr>
+          <a:endParaRPr lang="en-US" sz="500" kern="1200"/>
+        </a:p>
+      </dsp:txBody>
+      <dsp:txXfrm rot="10800000">
+        <a:off x="3026864" y="2727836"/>
+        <a:ext cx="22563" cy="22563"/>
+      </dsp:txXfrm>
+    </dsp:sp>
+    <dsp:sp modelId="{2E41A191-79AA-40DB-B64B-EBAFD522739F}">
+      <dsp:nvSpPr>
+        <dsp:cNvPr id="0" name=""/>
+        <dsp:cNvSpPr/>
+      </dsp:nvSpPr>
+      <dsp:spPr>
+        <a:xfrm>
+          <a:off x="1320108" y="1992915"/>
+          <a:ext cx="1492405" cy="1492405"/>
+        </a:xfrm>
+        <a:prstGeom prst="ellipse">
+          <a:avLst/>
+        </a:prstGeom>
+        <a:solidFill>
+          <a:schemeClr val="accent1">
+            <a:hueOff val="0"/>
+            <a:satOff val="0"/>
+            <a:lumOff val="0"/>
+            <a:alphaOff val="0"/>
+          </a:schemeClr>
+        </a:solidFill>
+        <a:ln w="19050" cap="rnd" cmpd="sng" algn="ctr">
+          <a:solidFill>
+            <a:schemeClr val="lt1">
+              <a:hueOff val="0"/>
+              <a:satOff val="0"/>
+              <a:lumOff val="0"/>
+              <a:alphaOff val="0"/>
+            </a:schemeClr>
+          </a:solidFill>
+          <a:prstDash val="solid"/>
+        </a:ln>
+        <a:effectLst/>
+      </dsp:spPr>
+      <dsp:style>
+        <a:lnRef idx="2">
+          <a:scrgbClr r="0" g="0" b="0"/>
+        </a:lnRef>
+        <a:fillRef idx="1">
+          <a:scrgbClr r="0" g="0" b="0"/>
+        </a:fillRef>
+        <a:effectRef idx="0">
+          <a:scrgbClr r="0" g="0" b="0"/>
+        </a:effectRef>
+        <a:fontRef idx="minor">
+          <a:schemeClr val="lt1"/>
+        </a:fontRef>
+      </dsp:style>
+      <dsp:txBody>
+        <a:bodyPr spcFirstLastPara="0" vert="horz" wrap="square" lIns="12700" tIns="12700" rIns="12700" bIns="12700" numCol="1" spcCol="1270" anchor="ctr" anchorCtr="0">
+          <a:noAutofit/>
+        </a:bodyPr>
+        <a:lstStyle/>
+        <a:p>
+          <a:pPr marL="0" lvl="0" indent="0" algn="ctr" defTabSz="889000">
+            <a:lnSpc>
+              <a:spcPct val="90000"/>
+            </a:lnSpc>
+            <a:spcBef>
+              <a:spcPct val="0"/>
+            </a:spcBef>
+            <a:spcAft>
+              <a:spcPct val="35000"/>
+            </a:spcAft>
+            <a:buNone/>
+          </a:pPr>
+          <a:r>
+            <a:rPr lang="en-US" sz="2000" kern="1200" dirty="0"/>
+            <a:t>Mortality</a:t>
+          </a:r>
+          <a:br>
+            <a:rPr lang="en-US" sz="1300" kern="1200" dirty="0"/>
+          </a:br>
+          <a:r>
+            <a:rPr lang="en-US" sz="1300" kern="1200" dirty="0" err="1"/>
+            <a:t>muracaninfant</a:t>
+          </a:r>
+          <a:endParaRPr lang="en-US" sz="1300" kern="1200" dirty="0"/>
+        </a:p>
+      </dsp:txBody>
+      <dsp:txXfrm>
+        <a:off x="1538666" y="2211473"/>
+        <a:ext cx="1055289" cy="1055289"/>
+      </dsp:txXfrm>
+    </dsp:sp>
+  </dsp:spTree>
+</dsp:drawing>
+</file>
+
+<file path=ppt/diagrams/layout1.xml><?xml version="1.0" encoding="utf-8"?>
+<dgm:layoutDef xmlns:dgm="http://schemas.openxmlformats.org/drawingml/2006/diagram" xmlns:a="http://schemas.openxmlformats.org/drawingml/2006/main" uniqueId="urn:microsoft.com/office/officeart/2005/8/layout/radial1">
+  <dgm:title val=""/>
+  <dgm:desc val=""/>
+  <dgm:catLst>
+    <dgm:cat type="relationship" pri="22000"/>
+    <dgm:cat type="cycle" pri="10000"/>
+  </dgm:catLst>
+  <dgm:sampData>
+    <dgm:dataModel>
+      <dgm:ptLst>
+        <dgm:pt modelId="0" type="doc"/>
+        <dgm:pt modelId="1">
+          <dgm:prSet phldr="1"/>
+        </dgm:pt>
+        <dgm:pt modelId="11">
+          <dgm:prSet phldr="1"/>
+        </dgm:pt>
+        <dgm:pt modelId="12">
+          <dgm:prSet phldr="1"/>
+        </dgm:pt>
+        <dgm:pt modelId="13">
+          <dgm:prSet phldr="1"/>
+        </dgm:pt>
+        <dgm:pt modelId="14">
+          <dgm:prSet phldr="1"/>
+        </dgm:pt>
+      </dgm:ptLst>
+      <dgm:cxnLst>
+        <dgm:cxn modelId="2" srcId="0" destId="1" srcOrd="0" destOrd="0"/>
+        <dgm:cxn modelId="3" srcId="1" destId="11" srcOrd="0" destOrd="0"/>
+        <dgm:cxn modelId="4" srcId="1" destId="12" srcOrd="1" destOrd="0"/>
+        <dgm:cxn modelId="5" srcId="1" destId="13" srcOrd="2" destOrd="0"/>
+        <dgm:cxn modelId="6" srcId="1" destId="14" srcOrd="3" destOrd="0"/>
+      </dgm:cxnLst>
+      <dgm:bg/>
+      <dgm:whole/>
+    </dgm:dataModel>
+  </dgm:sampData>
+  <dgm:styleData>
+    <dgm:dataModel>
+      <dgm:ptLst>
+        <dgm:pt modelId="0" type="doc"/>
+        <dgm:pt modelId="1"/>
+        <dgm:pt modelId="11"/>
+        <dgm:pt modelId="12"/>
+        <dgm:pt modelId="13"/>
+      </dgm:ptLst>
+      <dgm:cxnLst>
+        <dgm:cxn modelId="2" srcId="0" destId="1" srcOrd="0" destOrd="0"/>
+        <dgm:cxn modelId="15" srcId="1" destId="11" srcOrd="0" destOrd="0"/>
+        <dgm:cxn modelId="16" srcId="1" destId="12" srcOrd="1" destOrd="0"/>
+        <dgm:cxn modelId="17" srcId="1" destId="13" srcOrd="2" destOrd="0"/>
+      </dgm:cxnLst>
+      <dgm:bg/>
+      <dgm:whole/>
+    </dgm:dataModel>
+  </dgm:styleData>
+  <dgm:clrData>
+    <dgm:dataModel>
+      <dgm:ptLst>
+        <dgm:pt modelId="0" type="doc"/>
+        <dgm:pt modelId="1"/>
+        <dgm:pt modelId="11"/>
+        <dgm:pt modelId="12"/>
+        <dgm:pt modelId="13"/>
+        <dgm:pt modelId="14"/>
+        <dgm:pt modelId="15"/>
+        <dgm:pt modelId="16"/>
+      </dgm:ptLst>
+      <dgm:cxnLst>
+        <dgm:cxn modelId="2" srcId="0" destId="1" srcOrd="0" destOrd="0"/>
+        <dgm:cxn modelId="16" srcId="1" destId="11" srcOrd="0" destOrd="0"/>
+        <dgm:cxn modelId="17" srcId="1" destId="12" srcOrd="1" destOrd="0"/>
+        <dgm:cxn modelId="18" srcId="1" destId="13" srcOrd="2" destOrd="0"/>
+        <dgm:cxn modelId="19" srcId="1" destId="14" srcOrd="3" destOrd="0"/>
+        <dgm:cxn modelId="20" srcId="1" destId="15" srcOrd="4" destOrd="0"/>
+        <dgm:cxn modelId="21" srcId="1" destId="16" srcOrd="5" destOrd="0"/>
+      </dgm:cxnLst>
+      <dgm:bg/>
+      <dgm:whole/>
+    </dgm:dataModel>
+  </dgm:clrData>
+  <dgm:layoutNode name="cycle">
+    <dgm:varLst>
+      <dgm:chMax val="1"/>
+      <dgm:dir/>
+      <dgm:animLvl val="ctr"/>
+      <dgm:resizeHandles val="exact"/>
+    </dgm:varLst>
+    <dgm:choose name="Name0">
+      <dgm:if name="Name1" func="var" arg="dir" op="equ" val="norm">
+        <dgm:choose name="Name2">
+          <dgm:if name="Name3" axis="ch ch" ptType="node node" st="1 1" cnt="1 0" func="cnt" op="lte" val="1">
+            <dgm:alg type="cycle">
+              <dgm:param type="stAng" val="90"/>
+              <dgm:param type="spanAng" val="360"/>
+              <dgm:param type="ctrShpMap" val="fNode"/>
+            </dgm:alg>
+          </dgm:if>
+          <dgm:else name="Name4">
+            <dgm:alg type="cycle">
+              <dgm:param type="stAng" val="0"/>
+              <dgm:param type="spanAng" val="360"/>
+              <dgm:param type="ctrShpMap" val="fNode"/>
+            </dgm:alg>
+          </dgm:else>
+        </dgm:choose>
+      </dgm:if>
+      <dgm:else name="Name5">
+        <dgm:alg type="cycle">
+          <dgm:param type="stAng" val="0"/>
+          <dgm:param type="spanAng" val="-360"/>
+          <dgm:param type="ctrShpMap" val="fNode"/>
+        </dgm:alg>
+      </dgm:else>
+    </dgm:choose>
+    <dgm:shape xmlns:r="http://schemas.openxmlformats.org/officeDocument/2006/relationships" r:blip="">
+      <dgm:adjLst/>
+    </dgm:shape>
+    <dgm:presOf/>
+    <dgm:constrLst>
+      <dgm:constr type="w" for="ch" forName="centerShape" refType="w"/>
+      <dgm:constr type="w" for="ch" forName="node" refType="w" refFor="ch" refForName="centerShape" op="equ"/>
+      <dgm:constr type="sp" refType="w" refFor="ch" refForName="node" fact="0.3"/>
+      <dgm:constr type="sibSp" refType="w" refFor="ch" refForName="node" fact="0.3"/>
+      <dgm:constr type="primFontSz" for="ch" forName="centerShape" val="65"/>
+      <dgm:constr type="primFontSz" for="des" forName="node" op="equ" val="65"/>
+      <dgm:constr type="primFontSz" for="des" forName="connTx" val="55"/>
+      <dgm:constr type="primFontSz" for="des" forName="connTx" refType="primFontSz" refFor="ch" refForName="centerShape" op="lte" fact="0.8"/>
+    </dgm:constrLst>
+    <dgm:ruleLst/>
+    <dgm:forEach name="Name6" axis="ch" ptType="node" cnt="1">
+      <dgm:layoutNode name="centerShape" styleLbl="node0">
+        <dgm:alg type="tx"/>
+        <dgm:shape xmlns:r="http://schemas.openxmlformats.org/officeDocument/2006/relationships" type="ellipse" r:blip="">
+          <dgm:adjLst/>
+        </dgm:shape>
+        <dgm:presOf axis="self"/>
+        <dgm:constrLst>
+          <dgm:constr type="h" refType="w"/>
+          <dgm:constr type="tMarg" refType="primFontSz" fact="0.05"/>
+          <dgm:constr type="bMarg" refType="primFontSz" fact="0.05"/>
+          <dgm:constr type="lMarg" refType="primFontSz" fact="0.05"/>
+          <dgm:constr type="rMarg" refType="primFontSz" fact="0.05"/>
+        </dgm:constrLst>
+        <dgm:ruleLst>
+          <dgm:rule type="primFontSz" val="5" fact="NaN" max="NaN"/>
+        </dgm:ruleLst>
+      </dgm:layoutNode>
+      <dgm:forEach name="Name7" axis="ch">
+        <dgm:forEach name="Name8" axis="self" ptType="parTrans">
+          <dgm:layoutNode name="Name9">
+            <dgm:alg type="conn">
+              <dgm:param type="dim" val="1D"/>
+              <dgm:param type="begPts" val="auto"/>
+              <dgm:param type="endPts" val="auto"/>
+              <dgm:param type="begSty" val="noArr"/>
+              <dgm:param type="endSty" val="noArr"/>
+            </dgm:alg>
+            <dgm:shape xmlns:r="http://schemas.openxmlformats.org/officeDocument/2006/relationships" type="conn" r:blip="">
+              <dgm:adjLst/>
+            </dgm:shape>
+            <dgm:presOf axis="self"/>
+            <dgm:constrLst>
+              <dgm:constr type="connDist"/>
+              <dgm:constr type="userA" for="ch" refType="connDist"/>
+              <dgm:constr type="w" val="1"/>
+              <dgm:constr type="h" val="5"/>
+              <dgm:constr type="begPad"/>
+              <dgm:constr type="endPad"/>
+            </dgm:constrLst>
+            <dgm:ruleLst/>
+            <dgm:layoutNode name="connTx">
+              <dgm:alg type="tx">
+                <dgm:param type="autoTxRot" val="grav"/>
+              </dgm:alg>
+              <dgm:shape xmlns:r="http://schemas.openxmlformats.org/officeDocument/2006/relationships" type="rect" r:blip="" hideGeom="1">
+                <dgm:adjLst/>
+              </dgm:shape>
+              <dgm:presOf axis="self"/>
+              <dgm:constrLst>
+                <dgm:constr type="userA"/>
+                <dgm:constr type="w" refType="userA" fact="0.05"/>
+                <dgm:constr type="h" refType="userA" fact="0.05"/>
+                <dgm:constr type="lMarg" val="1"/>
+                <dgm:constr type="rMarg" val="1"/>
+                <dgm:constr type="tMarg"/>
+                <dgm:constr type="bMarg"/>
+              </dgm:constrLst>
+              <dgm:ruleLst>
+                <dgm:rule type="w" val="NaN" fact="0.8" max="NaN"/>
+                <dgm:rule type="h" val="NaN" fact="1" max="NaN"/>
+                <dgm:rule type="primFontSz" val="5" fact="NaN" max="NaN"/>
+              </dgm:ruleLst>
+            </dgm:layoutNode>
+          </dgm:layoutNode>
+        </dgm:forEach>
+        <dgm:forEach name="Name10" axis="self" ptType="node">
+          <dgm:layoutNode name="node" styleLbl="node1">
+            <dgm:varLst>
+              <dgm:bulletEnabled val="1"/>
+            </dgm:varLst>
+            <dgm:alg type="tx">
+              <dgm:param type="txAnchorVertCh" val="mid"/>
+            </dgm:alg>
+            <dgm:shape xmlns:r="http://schemas.openxmlformats.org/officeDocument/2006/relationships" type="ellipse" r:blip="">
+              <dgm:adjLst/>
+            </dgm:shape>
+            <dgm:presOf axis="desOrSelf" ptType="node"/>
+            <dgm:constrLst>
+              <dgm:constr type="h" refType="w"/>
+              <dgm:constr type="tMarg" refType="primFontSz" fact="0.05"/>
+              <dgm:constr type="bMarg" refType="primFontSz" fact="0.05"/>
+              <dgm:constr type="lMarg" refType="primFontSz" fact="0.05"/>
+              <dgm:constr type="rMarg" refType="primFontSz" fact="0.05"/>
+            </dgm:constrLst>
+            <dgm:ruleLst>
+              <dgm:rule type="primFontSz" val="5" fact="NaN" max="NaN"/>
+            </dgm:ruleLst>
+          </dgm:layoutNode>
+        </dgm:forEach>
+      </dgm:forEach>
+    </dgm:forEach>
+  </dgm:layoutNode>
+</dgm:layoutDef>
+</file>
+
+<file path=ppt/diagrams/quickStyle1.xml><?xml version="1.0" encoding="utf-8"?>
+<dgm:styleDef xmlns:dgm="http://schemas.openxmlformats.org/drawingml/2006/diagram" xmlns:a="http://schemas.openxmlformats.org/drawingml/2006/main" uniqueId="urn:microsoft.com/office/officeart/2005/8/quickstyle/simple1">
+  <dgm:title val=""/>
+  <dgm:desc val=""/>
+  <dgm:catLst>
+    <dgm:cat type="simple" pri="10100"/>
+  </dgm:catLst>
+  <dgm:scene3d>
+    <a:camera prst="orthographicFront"/>
+    <a:lightRig rig="threePt" dir="t"/>
+  </dgm:scene3d>
+  <dgm:styleLbl name="node0">
+    <dgm:scene3d>
+      <a:camera prst="orthographicFront"/>
+      <a:lightRig rig="threePt" dir="t"/>
+    </dgm:scene3d>
+    <dgm:sp3d/>
+    <dgm:txPr/>
+    <dgm:style>
+      <a:lnRef idx="2">
+        <a:scrgbClr r="0" g="0" b="0"/>
+      </a:lnRef>
+      <a:fillRef idx="1">
+        <a:scrgbClr r="0" g="0" b="0"/>
+      </a:fillRef>
+      <a:effectRef idx="0">
+        <a:scrgbClr r="0" g="0" b="0"/>
+      </a:effectRef>
+      <a:fontRef idx="minor">
+        <a:schemeClr val="lt1"/>
+      </a:fontRef>
+    </dgm:style>
+  </dgm:styleLbl>
+  <dgm:styleLbl name="lnNode1">
+    <dgm:scene3d>
+      <a:camera prst="orthographicFront"/>
+      <a:lightRig rig="threePt" dir="t"/>
+    </dgm:scene3d>
+    <dgm:sp3d/>
+    <dgm:txPr/>
+    <dgm:style>
+      <a:lnRef idx="2">
+        <a:scrgbClr r="0" g="0" b="0"/>
+      </a:lnRef>
+      <a:fillRef idx="1">
+        <a:scrgbClr r="0" g="0" b="0"/>
+      </a:fillRef>
+      <a:effectRef idx="0">
+        <a:scrgbClr r="0" g="0" b="0"/>
+      </a:effectRef>
+      <a:fontRef idx="minor">
+        <a:schemeClr val="lt1"/>
+      </a:fontRef>
+    </dgm:style>
+  </dgm:styleLbl>
+  <dgm:styleLbl name="vennNode1">
+    <dgm:scene3d>
+      <a:camera prst="orthographicFront"/>
+      <a:lightRig rig="threePt" dir="t"/>
+    </dgm:scene3d>
+    <dgm:sp3d/>
+    <dgm:txPr/>
+    <dgm:style>
+      <a:lnRef idx="2">
+        <a:scrgbClr r="0" g="0" b="0"/>
+      </a:lnRef>
+      <a:fillRef idx="1">
+        <a:scrgbClr r="0" g="0" b="0"/>
+      </a:fillRef>
+      <a:effectRef idx="0">
+        <a:scrgbClr r="0" g="0" b="0"/>
+      </a:effectRef>
+      <a:fontRef idx="minor">
+        <a:schemeClr val="tx1"/>
+      </a:fontRef>
+    </dgm:style>
+  </dgm:styleLbl>
+  <dgm:styleLbl name="alignNode1">
+    <dgm:scene3d>
+      <a:camera prst="orthographicFront"/>
+      <a:lightRig rig="threePt" dir="t"/>
+    </dgm:scene3d>
+    <dgm:sp3d/>
+    <dgm:txPr/>
+    <dgm:style>
+      <a:lnRef idx="2">
+        <a:scrgbClr r="0" g="0" b="0"/>
+      </a:lnRef>
+      <a:fillRef idx="1">
+        <a:scrgbClr r="0" g="0" b="0"/>
+      </a:fillRef>
+      <a:effectRef idx="0">
+        <a:scrgbClr r="0" g="0" b="0"/>
+      </a:effectRef>
+      <a:fontRef idx="minor">
+        <a:schemeClr val="lt1"/>
+      </a:fontRef>
+    </dgm:style>
+  </dgm:styleLbl>
+  <dgm:styleLbl name="node1">
+    <dgm:scene3d>
+      <a:camera prst="orthographicFront"/>
+      <a:lightRig rig="threePt" dir="t"/>
+    </dgm:scene3d>
+    <dgm:sp3d/>
+    <dgm:txPr/>
+    <dgm:style>
+      <a:lnRef idx="2">
+        <a:scrgbClr r="0" g="0" b="0"/>
+      </a:lnRef>
+      <a:fillRef idx="1">
+        <a:scrgbClr r="0" g="0" b="0"/>
+      </a:fillRef>
+      <a:effectRef idx="0">
+        <a:scrgbClr r="0" g="0" b="0"/>
+      </a:effectRef>
+      <a:fontRef idx="minor">
+        <a:schemeClr val="lt1"/>
+      </a:fontRef>
+    </dgm:style>
+  </dgm:styleLbl>
+  <dgm:styleLbl name="node2">
+    <dgm:scene3d>
+      <a:camera prst="orthographicFront"/>
+      <a:lightRig rig="threePt" dir="t"/>
+    </dgm:scene3d>
+    <dgm:sp3d/>
+    <dgm:txPr/>
+    <dgm:style>
+      <a:lnRef idx="2">
+        <a:scrgbClr r="0" g="0" b="0"/>
+      </a:lnRef>
+      <a:fillRef idx="1">
+        <a:scrgbClr r="0" g="0" b="0"/>
+      </a:fillRef>
+      <a:effectRef idx="0">
+        <a:scrgbClr r="0" g="0" b="0"/>
+      </a:effectRef>
+      <a:fontRef idx="minor">
+        <a:schemeClr val="lt1"/>
+      </a:fontRef>
+    </dgm:style>
+  </dgm:styleLbl>
+  <dgm:styleLbl name="node3">
+    <dgm:scene3d>
+      <a:camera prst="orthographicFront"/>
+      <a:lightRig rig="threePt" dir="t"/>
+    </dgm:scene3d>
+    <dgm:sp3d/>
+    <dgm:txPr/>
+    <dgm:style>
+      <a:lnRef idx="2">
+        <a:scrgbClr r="0" g="0" b="0"/>
+      </a:lnRef>
+      <a:fillRef idx="1">
+        <a:scrgbClr r="0" g="0" b="0"/>
+      </a:fillRef>
+      <a:effectRef idx="0">
+        <a:scrgbClr r="0" g="0" b="0"/>
+      </a:effectRef>
+      <a:fontRef idx="minor">
+        <a:schemeClr val="lt1"/>
+      </a:fontRef>
+    </dgm:style>
+  </dgm:styleLbl>
+  <dgm:styleLbl name="node4">
+    <dgm:scene3d>
+      <a:camera prst="orthographicFront"/>
+      <a:lightRig rig="threePt" dir="t"/>
+    </dgm:scene3d>
+    <dgm:sp3d/>
+    <dgm:txPr/>
+    <dgm:style>
+      <a:lnRef idx="2">
+        <a:scrgbClr r="0" g="0" b="0"/>
+      </a:lnRef>
+      <a:fillRef idx="1">
+        <a:scrgbClr r="0" g="0" b="0"/>
+      </a:fillRef>
+      <a:effectRef idx="0">
+        <a:scrgbClr r="0" g="0" b="0"/>
+      </a:effectRef>
+      <a:fontRef idx="minor">
+        <a:schemeClr val="lt1"/>
+      </a:fontRef>
+    </dgm:style>
+  </dgm:styleLbl>
+  <dgm:styleLbl name="fgImgPlace1">
+    <dgm:scene3d>
+      <a:camera prst="orthographicFront"/>
+      <a:lightRig rig="threePt" dir="t"/>
+    </dgm:scene3d>
+    <dgm:sp3d/>
+    <dgm:txPr/>
+    <dgm:style>
+      <a:lnRef idx="2">
+        <a:scrgbClr r="0" g="0" b="0"/>
+      </a:lnRef>
+      <a:fillRef idx="1">
+        <a:scrgbClr r="0" g="0" b="0"/>
+      </a:fillRef>
+      <a:effectRef idx="0">
+        <a:scrgbClr r="0" g="0" b="0"/>
+      </a:effectRef>
+      <a:fontRef idx="minor"/>
+    </dgm:style>
+  </dgm:styleLbl>
+  <dgm:styleLbl name="alignImgPlace1">
+    <dgm:scene3d>
+      <a:camera prst="orthographicFront"/>
+      <a:lightRig rig="threePt" dir="t"/>
+    </dgm:scene3d>
+    <dgm:sp3d/>
+    <dgm:txPr/>
+    <dgm:style>
+      <a:lnRef idx="2">
+        <a:scrgbClr r="0" g="0" b="0"/>
+      </a:lnRef>
+      <a:fillRef idx="1">
+        <a:scrgbClr r="0" g="0" b="0"/>
+      </a:fillRef>
+      <a:effectRef idx="0">
+        <a:scrgbClr r="0" g="0" b="0"/>
+      </a:effectRef>
+      <a:fontRef idx="minor"/>
+    </dgm:style>
+  </dgm:styleLbl>
+  <dgm:styleLbl name="bgImgPlace1">
+    <dgm:scene3d>
+      <a:camera prst="orthographicFront"/>
+      <a:lightRig rig="threePt" dir="t"/>
+    </dgm:scene3d>
+    <dgm:sp3d/>
+    <dgm:txPr/>
+    <dgm:style>
+      <a:lnRef idx="2">
+        <a:scrgbClr r="0" g="0" b="0"/>
+      </a:lnRef>
+      <a:fillRef idx="1">
+        <a:scrgbClr r="0" g="0" b="0"/>
+      </a:fillRef>
+      <a:effectRef idx="0">
+        <a:scrgbClr r="0" g="0" b="0"/>
+      </a:effectRef>
+      <a:fontRef idx="minor"/>
+    </dgm:style>
+  </dgm:styleLbl>
+  <dgm:styleLbl name="sibTrans2D1">
+    <dgm:scene3d>
+      <a:camera prst="orthographicFront"/>
+      <a:lightRig rig="threePt" dir="t"/>
+    </dgm:scene3d>
+    <dgm:sp3d/>
+    <dgm:txPr/>
+    <dgm:style>
+      <a:lnRef idx="0">
+        <a:scrgbClr r="0" g="0" b="0"/>
+      </a:lnRef>
+      <a:fillRef idx="1">
+        <a:scrgbClr r="0" g="0" b="0"/>
+      </a:fillRef>
+      <a:effectRef idx="0">
+        <a:scrgbClr r="0" g="0" b="0"/>
+      </a:effectRef>
+      <a:fontRef idx="minor">
+        <a:schemeClr val="lt1"/>
+      </a:fontRef>
+    </dgm:style>
+  </dgm:styleLbl>
+  <dgm:styleLbl name="fgSibTrans2D1">
+    <dgm:scene3d>
+      <a:camera prst="orthographicFront"/>
+      <a:lightRig rig="threePt" dir="t"/>
+    </dgm:scene3d>
+    <dgm:sp3d/>
+    <dgm:txPr/>
+    <dgm:style>
+      <a:lnRef idx="0">
+        <a:scrgbClr r="0" g="0" b="0"/>
+      </a:lnRef>
+      <a:fillRef idx="1">
+        <a:scrgbClr r="0" g="0" b="0"/>
+      </a:fillRef>
+      <a:effectRef idx="0">
+        <a:scrgbClr r="0" g="0" b="0"/>
+      </a:effectRef>
+      <a:fontRef idx="minor">
+        <a:schemeClr val="lt1"/>
+      </a:fontRef>
+    </dgm:style>
+  </dgm:styleLbl>
+  <dgm:styleLbl name="bgSibTrans2D1">
+    <dgm:scene3d>
+      <a:camera prst="orthographicFront"/>
+      <a:lightRig rig="threePt" dir="t"/>
+    </dgm:scene3d>
+    <dgm:sp3d/>
+    <dgm:txPr/>
+    <dgm:style>
+      <a:lnRef idx="0">
+        <a:scrgbClr r="0" g="0" b="0"/>
+      </a:lnRef>
+      <a:fillRef idx="1">
+        <a:scrgbClr r="0" g="0" b="0"/>
+      </a:fillRef>
+      <a:effectRef idx="0">
+        <a:scrgbClr r="0" g="0" b="0"/>
+      </a:effectRef>
+      <a:fontRef idx="minor">
+        <a:schemeClr val="lt1"/>
+      </a:fontRef>
+    </dgm:style>
+  </dgm:styleLbl>
+  <dgm:styleLbl name="sibTrans1D1">
+    <dgm:scene3d>
+      <a:camera prst="orthographicFront"/>
+      <a:lightRig rig="threePt" dir="t"/>
+    </dgm:scene3d>
+    <dgm:sp3d/>
+    <dgm:txPr/>
+    <dgm:style>
+      <a:lnRef idx="1">
+        <a:scrgbClr r="0" g="0" b="0"/>
+      </a:lnRef>
+      <a:fillRef idx="0">
+        <a:scrgbClr r="0" g="0" b="0"/>
+      </a:fillRef>
+      <a:effectRef idx="0">
+        <a:scrgbClr r="0" g="0" b="0"/>
+      </a:effectRef>
+      <a:fontRef idx="minor"/>
+    </dgm:style>
+  </dgm:styleLbl>
+  <dgm:styleLbl name="callout">
+    <dgm:scene3d>
+      <a:camera prst="orthographicFront"/>
+      <a:lightRig rig="threePt" dir="t"/>
+    </dgm:scene3d>
+    <dgm:sp3d/>
+    <dgm:txPr/>
+    <dgm:style>
+      <a:lnRef idx="2">
+        <a:scrgbClr r="0" g="0" b="0"/>
+      </a:lnRef>
+      <a:fillRef idx="1">
+        <a:scrgbClr r="0" g="0" b="0"/>
+      </a:fillRef>
+      <a:effectRef idx="0">
+        <a:scrgbClr r="0" g="0" b="0"/>
+      </a:effectRef>
+      <a:fontRef idx="minor"/>
+    </dgm:style>
+  </dgm:styleLbl>
+  <dgm:styleLbl name="asst0">
+    <dgm:scene3d>
+      <a:camera prst="orthographicFront"/>
+      <a:lightRig rig="threePt" dir="t"/>
+    </dgm:scene3d>
+    <dgm:sp3d/>
+    <dgm:txPr/>
+    <dgm:style>
+      <a:lnRef idx="2">
+        <a:scrgbClr r="0" g="0" b="0"/>
+      </a:lnRef>
+      <a:fillRef idx="1">
+        <a:scrgbClr r="0" g="0" b="0"/>
+      </a:fillRef>
+      <a:effectRef idx="0">
+        <a:scrgbClr r="0" g="0" b="0"/>
+      </a:effectRef>
+      <a:fontRef idx="minor">
+        <a:schemeClr val="lt1"/>
+      </a:fontRef>
+    </dgm:style>
+  </dgm:styleLbl>
+  <dgm:styleLbl name="asst1">
+    <dgm:scene3d>
+      <a:camera prst="orthographicFront"/>
+      <a:lightRig rig="threePt" dir="t"/>
+    </dgm:scene3d>
+    <dgm:sp3d/>
+    <dgm:txPr/>
+    <dgm:style>
+      <a:lnRef idx="2">
+        <a:scrgbClr r="0" g="0" b="0"/>
+      </a:lnRef>
+      <a:fillRef idx="1">
+        <a:scrgbClr r="0" g="0" b="0"/>
+      </a:fillRef>
+      <a:effectRef idx="0">
+        <a:scrgbClr r="0" g="0" b="0"/>
+      </a:effectRef>
+      <a:fontRef idx="minor">
+        <a:schemeClr val="lt1"/>
+      </a:fontRef>
+    </dgm:style>
+  </dgm:styleLbl>
+  <dgm:styleLbl name="asst2">
+    <dgm:scene3d>
+      <a:camera prst="orthographicFront"/>
+      <a:lightRig rig="threePt" dir="t"/>
+    </dgm:scene3d>
+    <dgm:sp3d/>
+    <dgm:txPr/>
+    <dgm:style>
+      <a:lnRef idx="2">
+        <a:scrgbClr r="0" g="0" b="0"/>
+      </a:lnRef>
+      <a:fillRef idx="1">
+        <a:scrgbClr r="0" g="0" b="0"/>
+      </a:fillRef>
+      <a:effectRef idx="0">
+        <a:scrgbClr r="0" g="0" b="0"/>
+      </a:effectRef>
+      <a:fontRef idx="minor">
+        <a:schemeClr val="lt1"/>
+      </a:fontRef>
+    </dgm:style>
+  </dgm:styleLbl>
+  <dgm:styleLbl name="asst3">
+    <dgm:scene3d>
+      <a:camera prst="orthographicFront"/>
+      <a:lightRig rig="threePt" dir="t"/>
+    </dgm:scene3d>
+    <dgm:sp3d/>
+    <dgm:txPr/>
+    <dgm:style>
+      <a:lnRef idx="2">
+        <a:scrgbClr r="0" g="0" b="0"/>
+      </a:lnRef>
+      <a:fillRef idx="1">
+        <a:scrgbClr r="0" g="0" b="0"/>
+      </a:fillRef>
+      <a:effectRef idx="0">
+        <a:scrgbClr r="0" g="0" b="0"/>
+      </a:effectRef>
+      <a:fontRef idx="minor">
+        <a:schemeClr val="lt1"/>
+      </a:fontRef>
+    </dgm:style>
+  </dgm:styleLbl>
+  <dgm:styleLbl name="asst4">
+    <dgm:scene3d>
+      <a:camera prst="orthographicFront"/>
+      <a:lightRig rig="threePt" dir="t"/>
+    </dgm:scene3d>
+    <dgm:sp3d/>
+    <dgm:txPr/>
+    <dgm:style>
+      <a:lnRef idx="2">
+        <a:scrgbClr r="0" g="0" b="0"/>
+      </a:lnRef>
+      <a:fillRef idx="1">
+        <a:scrgbClr r="0" g="0" b="0"/>
+      </a:fillRef>
+      <a:effectRef idx="0">
+        <a:scrgbClr r="0" g="0" b="0"/>
+      </a:effectRef>
+      <a:fontRef idx="minor">
+        <a:schemeClr val="lt1"/>
+      </a:fontRef>
+    </dgm:style>
+  </dgm:styleLbl>
+  <dgm:styleLbl name="parChTrans2D1">
+    <dgm:scene3d>
+      <a:camera prst="orthographicFront"/>
+      <a:lightRig rig="threePt" dir="t"/>
+    </dgm:scene3d>
+    <dgm:sp3d/>
+    <dgm:txPr/>
+    <dgm:style>
+      <a:lnRef idx="2">
+        <a:scrgbClr r="0" g="0" b="0"/>
+      </a:lnRef>
+      <a:fillRef idx="1">
+        <a:scrgbClr r="0" g="0" b="0"/>
+      </a:fillRef>
+      <a:effectRef idx="0">
+        <a:scrgbClr r="0" g="0" b="0"/>
+      </a:effectRef>
+      <a:fontRef idx="minor">
+        <a:schemeClr val="lt1"/>
+      </a:fontRef>
+    </dgm:style>
+  </dgm:styleLbl>
+  <dgm:styleLbl name="parChTrans2D2">
+    <dgm:scene3d>
+      <a:camera prst="orthographicFront"/>
+      <a:lightRig rig="threePt" dir="t"/>
+    </dgm:scene3d>
+    <dgm:sp3d/>
+    <dgm:txPr/>
+    <dgm:style>
+      <a:lnRef idx="2">
+        <a:scrgbClr r="0" g="0" b="0"/>
+      </a:lnRef>
+      <a:fillRef idx="1">
+        <a:scrgbClr r="0" g="0" b="0"/>
+      </a:fillRef>
+      <a:effectRef idx="0">
+        <a:scrgbClr r="0" g="0" b="0"/>
+      </a:effectRef>
+      <a:fontRef idx="minor">
+        <a:schemeClr val="lt1"/>
+      </a:fontRef>
+    </dgm:style>
+  </dgm:styleLbl>
+  <dgm:styleLbl name="parChTrans2D3">
+    <dgm:scene3d>
+      <a:camera prst="orthographicFront"/>
+      <a:lightRig rig="threePt" dir="t"/>
+    </dgm:scene3d>
+    <dgm:sp3d/>
+    <dgm:txPr/>
+    <dgm:style>
+      <a:lnRef idx="2">
+        <a:scrgbClr r="0" g="0" b="0"/>
+      </a:lnRef>
+      <a:fillRef idx="1">
+        <a:scrgbClr r="0" g="0" b="0"/>
+      </a:fillRef>
+      <a:effectRef idx="0">
+        <a:scrgbClr r="0" g="0" b="0"/>
+      </a:effectRef>
+      <a:fontRef idx="minor">
+        <a:schemeClr val="lt1"/>
+      </a:fontRef>
+    </dgm:style>
+  </dgm:styleLbl>
+  <dgm:styleLbl name="parChTrans2D4">
+    <dgm:scene3d>
+      <a:camera prst="orthographicFront"/>
+      <a:lightRig rig="threePt" dir="t"/>
+    </dgm:scene3d>
+    <dgm:sp3d/>
+    <dgm:txPr/>
+    <dgm:style>
+      <a:lnRef idx="2">
+        <a:scrgbClr r="0" g="0" b="0"/>
+      </a:lnRef>
+      <a:fillRef idx="1">
+        <a:scrgbClr r="0" g="0" b="0"/>
+      </a:fillRef>
+      <a:effectRef idx="0">
+        <a:scrgbClr r="0" g="0" b="0"/>
+      </a:effectRef>
+      <a:fontRef idx="minor">
+        <a:schemeClr val="lt1"/>
+      </a:fontRef>
+    </dgm:style>
+  </dgm:styleLbl>
+  <dgm:styleLbl name="parChTrans1D1">
+    <dgm:scene3d>
+      <a:camera prst="orthographicFront"/>
+      <a:lightRig rig="threePt" dir="t"/>
+    </dgm:scene3d>
+    <dgm:sp3d/>
+    <dgm:txPr/>
+    <dgm:style>
+      <a:lnRef idx="2">
+        <a:scrgbClr r="0" g="0" b="0"/>
+      </a:lnRef>
+      <a:fillRef idx="0">
+        <a:scrgbClr r="0" g="0" b="0"/>
+      </a:fillRef>
+      <a:effectRef idx="0">
+        <a:scrgbClr r="0" g="0" b="0"/>
+      </a:effectRef>
+      <a:fontRef idx="minor"/>
+    </dgm:style>
+  </dgm:styleLbl>
+  <dgm:styleLbl name="parChTrans1D2">
+    <dgm:scene3d>
+      <a:camera prst="orthographicFront"/>
+      <a:lightRig rig="threePt" dir="t"/>
+    </dgm:scene3d>
+    <dgm:sp3d/>
+    <dgm:txPr/>
+    <dgm:style>
+      <a:lnRef idx="2">
+        <a:scrgbClr r="0" g="0" b="0"/>
+      </a:lnRef>
+      <a:fillRef idx="0">
+        <a:scrgbClr r="0" g="0" b="0"/>
+      </a:fillRef>
+      <a:effectRef idx="0">
+        <a:scrgbClr r="0" g="0" b="0"/>
+      </a:effectRef>
+      <a:fontRef idx="minor"/>
+    </dgm:style>
+  </dgm:styleLbl>
+  <dgm:styleLbl name="parChTrans1D3">
+    <dgm:scene3d>
+      <a:camera prst="orthographicFront"/>
+      <a:lightRig rig="threePt" dir="t"/>
+    </dgm:scene3d>
+    <dgm:sp3d/>
+    <dgm:txPr/>
+    <dgm:style>
+      <a:lnRef idx="2">
+        <a:scrgbClr r="0" g="0" b="0"/>
+      </a:lnRef>
+      <a:fillRef idx="0">
+        <a:scrgbClr r="0" g="0" b="0"/>
+      </a:fillRef>
+      <a:effectRef idx="0">
+        <a:scrgbClr r="0" g="0" b="0"/>
+      </a:effectRef>
+      <a:fontRef idx="minor"/>
+    </dgm:style>
+  </dgm:styleLbl>
+  <dgm:styleLbl name="parChTrans1D4">
+    <dgm:scene3d>
+      <a:camera prst="orthographicFront"/>
+      <a:lightRig rig="threePt" dir="t"/>
+    </dgm:scene3d>
+    <dgm:sp3d/>
+    <dgm:txPr/>
+    <dgm:style>
+      <a:lnRef idx="2">
+        <a:scrgbClr r="0" g="0" b="0"/>
+      </a:lnRef>
+      <a:fillRef idx="0">
+        <a:scrgbClr r="0" g="0" b="0"/>
+      </a:fillRef>
+      <a:effectRef idx="0">
+        <a:scrgbClr r="0" g="0" b="0"/>
+      </a:effectRef>
+      <a:fontRef idx="minor"/>
+    </dgm:style>
+  </dgm:styleLbl>
+  <dgm:styleLbl name="fgAcc1">
+    <dgm:scene3d>
+      <a:camera prst="orthographicFront"/>
+      <a:lightRig rig="threePt" dir="t"/>
+    </dgm:scene3d>
+    <dgm:sp3d/>
+    <dgm:txPr/>
+    <dgm:style>
+      <a:lnRef idx="2">
+        <a:scrgbClr r="0" g="0" b="0"/>
+      </a:lnRef>
+      <a:fillRef idx="1">
+        <a:scrgbClr r="0" g="0" b="0"/>
+      </a:fillRef>
+      <a:effectRef idx="0">
+        <a:scrgbClr r="0" g="0" b="0"/>
+      </a:effectRef>
+      <a:fontRef idx="minor"/>
+    </dgm:style>
+  </dgm:styleLbl>
+  <dgm:styleLbl name="conFgAcc1">
+    <dgm:scene3d>
+      <a:camera prst="orthographicFront"/>
+      <a:lightRig rig="threePt" dir="t"/>
+    </dgm:scene3d>
+    <dgm:sp3d/>
+    <dgm:txPr/>
+    <dgm:style>
+      <a:lnRef idx="2">
+        <a:scrgbClr r="0" g="0" b="0"/>
+      </a:lnRef>
+      <a:fillRef idx="1">
+        <a:scrgbClr r="0" g="0" b="0"/>
+      </a:fillRef>
+      <a:effectRef idx="0">
+        <a:scrgbClr r="0" g="0" b="0"/>
+      </a:effectRef>
+      <a:fontRef idx="minor"/>
+    </dgm:style>
+  </dgm:styleLbl>
+  <dgm:styleLbl name="alignAcc1">
+    <dgm:scene3d>
+      <a:camera prst="orthographicFront"/>
+      <a:lightRig rig="threePt" dir="t"/>
+    </dgm:scene3d>
+    <dgm:sp3d/>
+    <dgm:txPr/>
+    <dgm:style>
+      <a:lnRef idx="2">
+        <a:scrgbClr r="0" g="0" b="0"/>
+      </a:lnRef>
+      <a:fillRef idx="1">
+        <a:scrgbClr r="0" g="0" b="0"/>
+      </a:fillRef>
+      <a:effectRef idx="0">
+        <a:scrgbClr r="0" g="0" b="0"/>
+      </a:effectRef>
+      <a:fontRef idx="minor"/>
+    </dgm:style>
+  </dgm:styleLbl>
+  <dgm:styleLbl name="trAlignAcc1">
+    <dgm:scene3d>
+      <a:camera prst="orthographicFront"/>
+      <a:lightRig rig="threePt" dir="t"/>
+    </dgm:scene3d>
+    <dgm:sp3d/>
+    <dgm:txPr/>
+    <dgm:style>
+      <a:lnRef idx="1">
+        <a:scrgbClr r="0" g="0" b="0"/>
+      </a:lnRef>
+      <a:fillRef idx="1">
+        <a:scrgbClr r="0" g="0" b="0"/>
+      </a:fillRef>
+      <a:effectRef idx="0">
+        <a:scrgbClr r="0" g="0" b="0"/>
+      </a:effectRef>
+      <a:fontRef idx="minor"/>
+    </dgm:style>
+  </dgm:styleLbl>
+  <dgm:styleLbl name="bgAcc1">
+    <dgm:scene3d>
+      <a:camera prst="orthographicFront"/>
+      <a:lightRig rig="threePt" dir="t"/>
+    </dgm:scene3d>
+    <dgm:sp3d/>
+    <dgm:txPr/>
+    <dgm:style>
+      <a:lnRef idx="2">
+        <a:scrgbClr r="0" g="0" b="0"/>
+      </a:lnRef>
+      <a:fillRef idx="1">
+        <a:scrgbClr r="0" g="0" b="0"/>
+      </a:fillRef>
+      <a:effectRef idx="0">
+        <a:scrgbClr r="0" g="0" b="0"/>
+      </a:effectRef>
+      <a:fontRef idx="minor"/>
+    </dgm:style>
+  </dgm:styleLbl>
+  <dgm:styleLbl name="solidFgAcc1">
+    <dgm:scene3d>
+      <a:camera prst="orthographicFront"/>
+      <a:lightRig rig="threePt" dir="t"/>
+    </dgm:scene3d>
+    <dgm:sp3d/>
+    <dgm:txPr/>
+    <dgm:style>
+      <a:lnRef idx="2">
+        <a:scrgbClr r="0" g="0" b="0"/>
+      </a:lnRef>
+      <a:fillRef idx="1">
+        <a:scrgbClr r="0" g="0" b="0"/>
+      </a:fillRef>
+      <a:effectRef idx="0">
+        <a:scrgbClr r="0" g="0" b="0"/>
+      </a:effectRef>
+      <a:fontRef idx="minor"/>
+    </dgm:style>
+  </dgm:styleLbl>
+  <dgm:styleLbl name="solidAlignAcc1">
+    <dgm:scene3d>
+      <a:camera prst="orthographicFront"/>
+      <a:lightRig rig="threePt" dir="t"/>
+    </dgm:scene3d>
+    <dgm:sp3d/>
+    <dgm:txPr/>
+    <dgm:style>
+      <a:lnRef idx="2">
+        <a:scrgbClr r="0" g="0" b="0"/>
+      </a:lnRef>
+      <a:fillRef idx="1">
+        <a:scrgbClr r="0" g="0" b="0"/>
+      </a:fillRef>
+      <a:effectRef idx="0">
+        <a:scrgbClr r="0" g="0" b="0"/>
+      </a:effectRef>
+      <a:fontRef idx="minor"/>
+    </dgm:style>
+  </dgm:styleLbl>
+  <dgm:styleLbl name="solidBgAcc1">
+    <dgm:scene3d>
+      <a:camera prst="orthographicFront"/>
+      <a:lightRig rig="threePt" dir="t"/>
+    </dgm:scene3d>
+    <dgm:sp3d/>
+    <dgm:txPr/>
+    <dgm:style>
+      <a:lnRef idx="2">
+        <a:scrgbClr r="0" g="0" b="0"/>
+      </a:lnRef>
+      <a:fillRef idx="1">
+        <a:scrgbClr r="0" g="0" b="0"/>
+      </a:fillRef>
+      <a:effectRef idx="0">
+        <a:scrgbClr r="0" g="0" b="0"/>
+      </a:effectRef>
+      <a:fontRef idx="minor"/>
+    </dgm:style>
+  </dgm:styleLbl>
+  <dgm:styleLbl name="fgAccFollowNode1">
+    <dgm:scene3d>
+      <a:camera prst="orthographicFront"/>
+      <a:lightRig rig="threePt" dir="t"/>
+    </dgm:scene3d>
+    <dgm:sp3d/>
+    <dgm:txPr/>
+    <dgm:style>
+      <a:lnRef idx="2">
+        <a:scrgbClr r="0" g="0" b="0"/>
+      </a:lnRef>
+      <a:fillRef idx="1">
+        <a:scrgbClr r="0" g="0" b="0"/>
+      </a:fillRef>
+      <a:effectRef idx="0">
+        <a:scrgbClr r="0" g="0" b="0"/>
+      </a:effectRef>
+      <a:fontRef idx="minor"/>
+    </dgm:style>
+  </dgm:styleLbl>
+  <dgm:styleLbl name="alignAccFollowNode1">
+    <dgm:scene3d>
+      <a:camera prst="orthographicFront"/>
+      <a:lightRig rig="threePt" dir="t"/>
+    </dgm:scene3d>
+    <dgm:sp3d/>
+    <dgm:txPr/>
+    <dgm:style>
+      <a:lnRef idx="2">
+        <a:scrgbClr r="0" g="0" b="0"/>
+      </a:lnRef>
+      <a:fillRef idx="1">
+        <a:scrgbClr r="0" g="0" b="0"/>
+      </a:fillRef>
+      <a:effectRef idx="0">
+        <a:scrgbClr r="0" g="0" b="0"/>
+      </a:effectRef>
+      <a:fontRef idx="minor"/>
+    </dgm:style>
+  </dgm:styleLbl>
+  <dgm:styleLbl name="bgAccFollowNode1">
+    <dgm:scene3d>
+      <a:camera prst="orthographicFront"/>
+      <a:lightRig rig="threePt" dir="t"/>
+    </dgm:scene3d>
+    <dgm:sp3d/>
+    <dgm:txPr/>
+    <dgm:style>
+      <a:lnRef idx="2">
+        <a:scrgbClr r="0" g="0" b="0"/>
+      </a:lnRef>
+      <a:fillRef idx="1">
+        <a:scrgbClr r="0" g="0" b="0"/>
+      </a:fillRef>
+      <a:effectRef idx="0">
+        <a:scrgbClr r="0" g="0" b="0"/>
+      </a:effectRef>
+      <a:fontRef idx="minor"/>
+    </dgm:style>
+  </dgm:styleLbl>
+  <dgm:styleLbl name="fgAcc0">
+    <dgm:scene3d>
+      <a:camera prst="orthographicFront"/>
+      <a:lightRig rig="threePt" dir="t"/>
+    </dgm:scene3d>
+    <dgm:sp3d/>
+    <dgm:txPr/>
+    <dgm:style>
+      <a:lnRef idx="2">
+        <a:scrgbClr r="0" g="0" b="0"/>
+      </a:lnRef>
+      <a:fillRef idx="1">
+        <a:scrgbClr r="0" g="0" b="0"/>
+      </a:fillRef>
+      <a:effectRef idx="0">
+        <a:scrgbClr r="0" g="0" b="0"/>
+      </a:effectRef>
+      <a:fontRef idx="minor"/>
+    </dgm:style>
+  </dgm:styleLbl>
+  <dgm:styleLbl name="fgAcc2">
+    <dgm:scene3d>
+      <a:camera prst="orthographicFront"/>
+      <a:lightRig rig="threePt" dir="t"/>
+    </dgm:scene3d>
+    <dgm:sp3d/>
+    <dgm:txPr/>
+    <dgm:style>
+      <a:lnRef idx="2">
+        <a:scrgbClr r="0" g="0" b="0"/>
+      </a:lnRef>
+      <a:fillRef idx="1">
+        <a:scrgbClr r="0" g="0" b="0"/>
+      </a:fillRef>
+      <a:effectRef idx="0">
+        <a:scrgbClr r="0" g="0" b="0"/>
+      </a:effectRef>
+      <a:fontRef idx="minor"/>
+    </dgm:style>
+  </dgm:styleLbl>
+  <dgm:styleLbl name="fgAcc3">
+    <dgm:scene3d>
+      <a:camera prst="orthographicFront"/>
+      <a:lightRig rig="threePt" dir="t"/>
+    </dgm:scene3d>
+    <dgm:sp3d/>
+    <dgm:txPr/>
+    <dgm:style>
+      <a:lnRef idx="2">
+        <a:scrgbClr r="0" g="0" b="0"/>
+      </a:lnRef>
+      <a:fillRef idx="1">
+        <a:scrgbClr r="0" g="0" b="0"/>
+      </a:fillRef>
+      <a:effectRef idx="0">
+        <a:scrgbClr r="0" g="0" b="0"/>
+      </a:effectRef>
+      <a:fontRef idx="minor"/>
+    </dgm:style>
+  </dgm:styleLbl>
+  <dgm:styleLbl name="fgAcc4">
+    <dgm:scene3d>
+      <a:camera prst="orthographicFront"/>
+      <a:lightRig rig="threePt" dir="t"/>
+    </dgm:scene3d>
+    <dgm:sp3d/>
+    <dgm:txPr/>
+    <dgm:style>
+      <a:lnRef idx="2">
+        <a:scrgbClr r="0" g="0" b="0"/>
+      </a:lnRef>
+      <a:fillRef idx="1">
+        <a:scrgbClr r="0" g="0" b="0"/>
+      </a:fillRef>
+      <a:effectRef idx="0">
+        <a:scrgbClr r="0" g="0" b="0"/>
+      </a:effectRef>
+      <a:fontRef idx="minor"/>
+    </dgm:style>
+  </dgm:styleLbl>
+  <dgm:styleLbl name="bgShp">
+    <dgm:scene3d>
+      <a:camera prst="orthographicFront"/>
+      <a:lightRig rig="threePt" dir="t"/>
+    </dgm:scene3d>
+    <dgm:sp3d/>
+    <dgm:txPr/>
+    <dgm:style>
+      <a:lnRef idx="0">
+        <a:scrgbClr r="0" g="0" b="0"/>
+      </a:lnRef>
+      <a:fillRef idx="1">
+        <a:scrgbClr r="0" g="0" b="0"/>
+      </a:fillRef>
+      <a:effectRef idx="0">
+        <a:scrgbClr r="0" g="0" b="0"/>
+      </a:effectRef>
+      <a:fontRef idx="minor"/>
+    </dgm:style>
+  </dgm:styleLbl>
+  <dgm:styleLbl name="dkBgShp">
+    <dgm:scene3d>
+      <a:camera prst="orthographicFront"/>
+      <a:lightRig rig="threePt" dir="t"/>
+    </dgm:scene3d>
+    <dgm:sp3d/>
+    <dgm:txPr/>
+    <dgm:style>
+      <a:lnRef idx="0">
+        <a:scrgbClr r="0" g="0" b="0"/>
+      </a:lnRef>
+      <a:fillRef idx="1">
+        <a:scrgbClr r="0" g="0" b="0"/>
+      </a:fillRef>
+      <a:effectRef idx="0">
+        <a:scrgbClr r="0" g="0" b="0"/>
+      </a:effectRef>
+      <a:fontRef idx="minor"/>
+    </dgm:style>
+  </dgm:styleLbl>
+  <dgm:styleLbl name="trBgShp">
+    <dgm:scene3d>
+      <a:camera prst="orthographicFront"/>
+      <a:lightRig rig="threePt" dir="t"/>
+    </dgm:scene3d>
+    <dgm:sp3d/>
+    <dgm:txPr/>
+    <dgm:style>
+      <a:lnRef idx="0">
+        <a:scrgbClr r="0" g="0" b="0"/>
+      </a:lnRef>
+      <a:fillRef idx="1">
+        <a:scrgbClr r="0" g="0" b="0"/>
+      </a:fillRef>
+      <a:effectRef idx="0">
+        <a:scrgbClr r="0" g="0" b="0"/>
+      </a:effectRef>
+      <a:fontRef idx="minor"/>
+    </dgm:style>
+  </dgm:styleLbl>
+  <dgm:styleLbl name="fgShp">
+    <dgm:scene3d>
+      <a:camera prst="orthographicFront"/>
+      <a:lightRig rig="threePt" dir="t"/>
+    </dgm:scene3d>
+    <dgm:sp3d/>
+    <dgm:txPr/>
+    <dgm:style>
+      <a:lnRef idx="2">
+        <a:scrgbClr r="0" g="0" b="0"/>
+      </a:lnRef>
+      <a:fillRef idx="1">
+        <a:scrgbClr r="0" g="0" b="0"/>
+      </a:fillRef>
+      <a:effectRef idx="0">
+        <a:scrgbClr r="0" g="0" b="0"/>
+      </a:effectRef>
+      <a:fontRef idx="minor"/>
+    </dgm:style>
+  </dgm:styleLbl>
+  <dgm:styleLbl name="revTx">
+    <dgm:scene3d>
+      <a:camera prst="orthographicFront"/>
+      <a:lightRig rig="threePt" dir="t"/>
+    </dgm:scene3d>
+    <dgm:sp3d/>
+    <dgm:txPr/>
+    <dgm:style>
+      <a:lnRef idx="0">
+        <a:scrgbClr r="0" g="0" b="0"/>
+      </a:lnRef>
+      <a:fillRef idx="0">
+        <a:scrgbClr r="0" g="0" b="0"/>
+      </a:fillRef>
+      <a:effectRef idx="0">
+        <a:scrgbClr r="0" g="0" b="0"/>
+      </a:effectRef>
+      <a:fontRef idx="minor"/>
+    </dgm:style>
+  </dgm:styleLbl>
+</dgm:styleDef>
+</file>
+
 <file path=ppt/slideLayouts/slideLayout1.xml><?xml version="1.0" encoding="utf-8"?>
 <p:sldLayout xmlns:a="http://schemas.openxmlformats.org/drawingml/2006/main" xmlns:r="http://schemas.openxmlformats.org/officeDocument/2006/relationships" xmlns:p="http://schemas.openxmlformats.org/presentationml/2006/main" type="title" preserve="1">
   <p:cSld name="Title Slide">
@@ -311,7 +3435,7 @@
           <a:p>
             <a:fld id="{69E2073D-559E-4C97-893B-9D1250CE6400}" type="datetimeFigureOut">
               <a:rPr lang="en-US" smtClean="0"/>
-              <a:t>10/19/2019</a:t>
+              <a:t>10/19/19</a:t>
             </a:fld>
             <a:endParaRPr lang="en-US"/>
           </a:p>
@@ -586,7 +3710,7 @@
           <a:p>
             <a:fld id="{69E2073D-559E-4C97-893B-9D1250CE6400}" type="datetimeFigureOut">
               <a:rPr lang="en-US" smtClean="0"/>
-              <a:t>10/19/2019</a:t>
+              <a:t>10/19/19</a:t>
             </a:fld>
             <a:endParaRPr lang="en-US"/>
           </a:p>
@@ -780,7 +3904,7 @@
           <a:p>
             <a:fld id="{69E2073D-559E-4C97-893B-9D1250CE6400}" type="datetimeFigureOut">
               <a:rPr lang="en-US" smtClean="0"/>
-              <a:t>10/19/2019</a:t>
+              <a:t>10/19/19</a:t>
             </a:fld>
             <a:endParaRPr lang="en-US"/>
           </a:p>
@@ -1053,7 +4177,7 @@
           <a:p>
             <a:fld id="{69E2073D-559E-4C97-893B-9D1250CE6400}" type="datetimeFigureOut">
               <a:rPr lang="en-US" smtClean="0"/>
-              <a:t>10/19/2019</a:t>
+              <a:t>10/19/19</a:t>
             </a:fld>
             <a:endParaRPr lang="en-US"/>
           </a:p>
@@ -1394,7 +4518,7 @@
           <a:p>
             <a:fld id="{69E2073D-559E-4C97-893B-9D1250CE6400}" type="datetimeFigureOut">
               <a:rPr lang="en-US" smtClean="0"/>
-              <a:t>10/19/2019</a:t>
+              <a:t>10/19/19</a:t>
             </a:fld>
             <a:endParaRPr lang="en-US"/>
           </a:p>
@@ -2017,7 +5141,7 @@
           <a:p>
             <a:fld id="{69E2073D-559E-4C97-893B-9D1250CE6400}" type="datetimeFigureOut">
               <a:rPr lang="en-US" smtClean="0"/>
-              <a:t>10/19/2019</a:t>
+              <a:t>10/19/19</a:t>
             </a:fld>
             <a:endParaRPr lang="en-US"/>
           </a:p>
@@ -2877,7 +6001,7 @@
           <a:p>
             <a:fld id="{69E2073D-559E-4C97-893B-9D1250CE6400}" type="datetimeFigureOut">
               <a:rPr lang="en-US" smtClean="0"/>
-              <a:t>10/19/2019</a:t>
+              <a:t>10/19/19</a:t>
             </a:fld>
             <a:endParaRPr lang="en-US"/>
           </a:p>
@@ -3047,7 +6171,7 @@
           <a:p>
             <a:fld id="{69E2073D-559E-4C97-893B-9D1250CE6400}" type="datetimeFigureOut">
               <a:rPr lang="en-US" smtClean="0"/>
-              <a:t>10/19/2019</a:t>
+              <a:t>10/19/19</a:t>
             </a:fld>
             <a:endParaRPr lang="en-US"/>
           </a:p>
@@ -3227,7 +6351,7 @@
           <a:p>
             <a:fld id="{69E2073D-559E-4C97-893B-9D1250CE6400}" type="datetimeFigureOut">
               <a:rPr lang="en-US" smtClean="0"/>
-              <a:t>10/19/2019</a:t>
+              <a:t>10/19/19</a:t>
             </a:fld>
             <a:endParaRPr lang="en-US"/>
           </a:p>
@@ -3397,7 +6521,7 @@
           <a:p>
             <a:fld id="{69E2073D-559E-4C97-893B-9D1250CE6400}" type="datetimeFigureOut">
               <a:rPr lang="en-US" smtClean="0"/>
-              <a:t>10/19/2019</a:t>
+              <a:t>10/19/19</a:t>
             </a:fld>
             <a:endParaRPr lang="en-US"/>
           </a:p>
@@ -3644,7 +6768,7 @@
           <a:p>
             <a:fld id="{69E2073D-559E-4C97-893B-9D1250CE6400}" type="datetimeFigureOut">
               <a:rPr lang="en-US" smtClean="0"/>
-              <a:t>10/19/2019</a:t>
+              <a:t>10/19/19</a:t>
             </a:fld>
             <a:endParaRPr lang="en-US"/>
           </a:p>
@@ -3936,7 +7060,7 @@
           <a:p>
             <a:fld id="{69E2073D-559E-4C97-893B-9D1250CE6400}" type="datetimeFigureOut">
               <a:rPr lang="en-US" smtClean="0"/>
-              <a:t>10/19/2019</a:t>
+              <a:t>10/19/19</a:t>
             </a:fld>
             <a:endParaRPr lang="en-US"/>
           </a:p>
@@ -4380,7 +7504,7 @@
           <a:p>
             <a:fld id="{69E2073D-559E-4C97-893B-9D1250CE6400}" type="datetimeFigureOut">
               <a:rPr lang="en-US" smtClean="0"/>
-              <a:t>10/19/2019</a:t>
+              <a:t>10/19/19</a:t>
             </a:fld>
             <a:endParaRPr lang="en-US"/>
           </a:p>
@@ -4498,7 +7622,7 @@
           <a:p>
             <a:fld id="{69E2073D-559E-4C97-893B-9D1250CE6400}" type="datetimeFigureOut">
               <a:rPr lang="en-US" smtClean="0"/>
-              <a:t>10/19/2019</a:t>
+              <a:t>10/19/19</a:t>
             </a:fld>
             <a:endParaRPr lang="en-US"/>
           </a:p>
@@ -4593,7 +7717,7 @@
           <a:p>
             <a:fld id="{69E2073D-559E-4C97-893B-9D1250CE6400}" type="datetimeFigureOut">
               <a:rPr lang="en-US" smtClean="0"/>
-              <a:t>10/19/2019</a:t>
+              <a:t>10/19/19</a:t>
             </a:fld>
             <a:endParaRPr lang="en-US"/>
           </a:p>
@@ -4872,7 +7996,7 @@
           <a:p>
             <a:fld id="{69E2073D-559E-4C97-893B-9D1250CE6400}" type="datetimeFigureOut">
               <a:rPr lang="en-US" smtClean="0"/>
-              <a:t>10/19/2019</a:t>
+              <a:t>10/19/19</a:t>
             </a:fld>
             <a:endParaRPr lang="en-US"/>
           </a:p>
@@ -5147,7 +8271,7 @@
           <a:p>
             <a:fld id="{69E2073D-559E-4C97-893B-9D1250CE6400}" type="datetimeFigureOut">
               <a:rPr lang="en-US" smtClean="0"/>
-              <a:t>10/19/2019</a:t>
+              <a:t>10/19/19</a:t>
             </a:fld>
             <a:endParaRPr lang="en-US"/>
           </a:p>
@@ -5576,7 +8700,7 @@
           <a:p>
             <a:fld id="{69E2073D-559E-4C97-893B-9D1250CE6400}" type="datetimeFigureOut">
               <a:rPr lang="en-US" smtClean="0"/>
-              <a:t>10/19/2019</a:t>
+              <a:t>10/19/19</a:t>
             </a:fld>
             <a:endParaRPr lang="en-US"/>
           </a:p>
@@ -6200,10 +9324,10 @@
       </p:grpSpPr>
       <p:sp>
         <p:nvSpPr>
-          <p:cNvPr id="2" name="Title 1">
+          <p:cNvPr id="3" name="Content Placeholder 2">
             <a:extLst>
               <a:ext uri="{FF2B5EF4-FFF2-40B4-BE49-F238E27FC236}">
-                <a16:creationId xmlns:a16="http://schemas.microsoft.com/office/drawing/2014/main" id="{13B3C2DE-4D4B-4B36-9941-2CE6427CAB13}"/>
+                <a16:creationId xmlns:a16="http://schemas.microsoft.com/office/drawing/2014/main" id="{50F32E84-EEF6-48E1-B361-F4204ECC28DD}"/>
               </a:ext>
             </a:extLst>
           </p:cNvPr>
@@ -6211,510 +9335,86 @@
             <a:spLocks noGrp="1"/>
           </p:cNvSpPr>
           <p:nvPr>
-            <p:ph type="title"/>
-          </p:nvPr>
-        </p:nvSpPr>
-        <p:spPr/>
-        <p:txBody>
-          <a:bodyPr/>
+            <p:ph idx="1"/>
+          </p:nvPr>
+        </p:nvSpPr>
+        <p:spPr>
+          <a:xfrm>
+            <a:off x="1103312" y="1973406"/>
+            <a:ext cx="8946541" cy="4195481"/>
+          </a:xfrm>
+        </p:spPr>
+        <p:txBody>
+          <a:bodyPr>
+            <a:normAutofit/>
+          </a:bodyPr>
           <a:lstStyle/>
           <a:p>
+            <a:endParaRPr lang="en-US" dirty="0"/>
+          </a:p>
+          <a:p>
             <a:r>
               <a:rPr lang="en-US" dirty="0"/>
-              <a:t>Analysis</a:t>
-            </a:r>
-          </a:p>
-        </p:txBody>
-      </p:sp>
-      <p:sp>
-        <p:nvSpPr>
-          <p:cNvPr id="3" name="Content Placeholder 2">
+              <a:t>Collective trend towards complete vaccination </a:t>
+            </a:r>
+          </a:p>
+          <a:p>
+            <a:endParaRPr lang="en-US" dirty="0"/>
+          </a:p>
+          <a:p>
+            <a:r>
+              <a:rPr lang="en-US" dirty="0"/>
+              <a:t>Global success will be achieved when at least some frictions are removed:</a:t>
+            </a:r>
+          </a:p>
+          <a:p>
+            <a:pPr lvl="1"/>
+            <a:r>
+              <a:rPr lang="en-US" dirty="0"/>
+              <a:t>Economic and Political instability</a:t>
+            </a:r>
+          </a:p>
+          <a:p>
+            <a:pPr lvl="1"/>
+            <a:r>
+              <a:rPr lang="en-US" dirty="0"/>
+              <a:t>Infrastructure</a:t>
+            </a:r>
+          </a:p>
+          <a:p>
+            <a:pPr lvl="1"/>
+            <a:r>
+              <a:rPr lang="en-US" dirty="0"/>
+              <a:t>Removal of poverty </a:t>
+            </a:r>
+          </a:p>
+          <a:p>
+            <a:pPr lvl="1"/>
+            <a:r>
+              <a:rPr lang="en-US" dirty="0"/>
+              <a:t>Mis-information</a:t>
+            </a:r>
+          </a:p>
+          <a:p>
+            <a:pPr marL="0" indent="0">
+              <a:buNone/>
+            </a:pPr>
+            <a:endParaRPr lang="en-US" dirty="0"/>
+          </a:p>
+          <a:p>
+            <a:pPr marL="0" indent="0">
+              <a:buNone/>
+            </a:pPr>
+            <a:endParaRPr lang="en-US" dirty="0"/>
+          </a:p>
+        </p:txBody>
+      </p:sp>
+      <p:sp>
+        <p:nvSpPr>
+          <p:cNvPr id="4" name="Title 1">
             <a:extLst>
               <a:ext uri="{FF2B5EF4-FFF2-40B4-BE49-F238E27FC236}">
-                <a16:creationId xmlns:a16="http://schemas.microsoft.com/office/drawing/2014/main" id="{52104654-F0BC-499B-87DE-44F6238EE666}"/>
-              </a:ext>
-            </a:extLst>
-          </p:cNvPr>
-          <p:cNvSpPr>
-            <a:spLocks noGrp="1"/>
-          </p:cNvSpPr>
-          <p:nvPr>
-            <p:ph idx="1"/>
-          </p:nvPr>
-        </p:nvSpPr>
-        <p:spPr/>
-        <p:txBody>
-          <a:bodyPr/>
-          <a:lstStyle/>
-          <a:p>
-            <a:r>
-              <a:rPr lang="en-US" dirty="0"/>
-              <a:t>Let’s check out our website!</a:t>
-            </a:r>
-          </a:p>
-          <a:p>
-            <a:r>
-              <a:rPr lang="en-US" dirty="0">
-                <a:hlinkClick r:id="rId2"/>
-              </a:rPr>
-              <a:t>https://muracan2.herokuapp.com/</a:t>
-            </a:r>
-            <a:endParaRPr lang="en-US" dirty="0"/>
-          </a:p>
-        </p:txBody>
-      </p:sp>
-    </p:spTree>
-    <p:extLst>
-      <p:ext uri="{BB962C8B-B14F-4D97-AF65-F5344CB8AC3E}">
-        <p14:creationId xmlns:p14="http://schemas.microsoft.com/office/powerpoint/2010/main" val="2683219453"/>
-      </p:ext>
-    </p:extLst>
-  </p:cSld>
-  <p:clrMapOvr>
-    <a:masterClrMapping/>
-  </p:clrMapOvr>
-</p:sld>
-</file>
-
-<file path=ppt/slides/slide11.xml><?xml version="1.0" encoding="utf-8"?>
-<p:sld xmlns:a="http://schemas.openxmlformats.org/drawingml/2006/main" xmlns:r="http://schemas.openxmlformats.org/officeDocument/2006/relationships" xmlns:p="http://schemas.openxmlformats.org/presentationml/2006/main">
-  <p:cSld>
-    <p:spTree>
-      <p:nvGrpSpPr>
-        <p:cNvPr id="1" name=""/>
-        <p:cNvGrpSpPr/>
-        <p:nvPr/>
-      </p:nvGrpSpPr>
-      <p:grpSpPr>
-        <a:xfrm>
-          <a:off x="0" y="0"/>
-          <a:ext cx="0" cy="0"/>
-          <a:chOff x="0" y="0"/>
-          <a:chExt cx="0" cy="0"/>
-        </a:xfrm>
-      </p:grpSpPr>
-      <p:sp>
-        <p:nvSpPr>
-          <p:cNvPr id="2" name="Title 1">
-            <a:extLst>
-              <a:ext uri="{FF2B5EF4-FFF2-40B4-BE49-F238E27FC236}">
-                <a16:creationId xmlns:a16="http://schemas.microsoft.com/office/drawing/2014/main" id="{8B314954-8A04-4157-A696-14656792B11C}"/>
-              </a:ext>
-            </a:extLst>
-          </p:cNvPr>
-          <p:cNvSpPr>
-            <a:spLocks noGrp="1"/>
-          </p:cNvSpPr>
-          <p:nvPr>
-            <p:ph type="title"/>
-          </p:nvPr>
-        </p:nvSpPr>
-        <p:spPr/>
-        <p:txBody>
-          <a:bodyPr/>
-          <a:lstStyle/>
-          <a:p>
-            <a:r>
-              <a:rPr lang="en-US" dirty="0"/>
-              <a:t>Conclusion</a:t>
-            </a:r>
-          </a:p>
-        </p:txBody>
-      </p:sp>
-      <p:sp>
-        <p:nvSpPr>
-          <p:cNvPr id="3" name="Content Placeholder 2">
-            <a:extLst>
-              <a:ext uri="{FF2B5EF4-FFF2-40B4-BE49-F238E27FC236}">
-                <a16:creationId xmlns:a16="http://schemas.microsoft.com/office/drawing/2014/main" id="{4CACA4EC-3D3F-45D3-93B4-6E09C43C707A}"/>
-              </a:ext>
-            </a:extLst>
-          </p:cNvPr>
-          <p:cNvSpPr>
-            <a:spLocks noGrp="1"/>
-          </p:cNvSpPr>
-          <p:nvPr>
-            <p:ph idx="1"/>
-          </p:nvPr>
-        </p:nvSpPr>
-        <p:spPr/>
-        <p:txBody>
-          <a:bodyPr/>
-          <a:lstStyle/>
-          <a:p>
-            <a:r>
-              <a:rPr lang="en-US" dirty="0"/>
-              <a:t>In general, a give vaccination has a positive relationship with life expectancy and a negative relationship with infant mortality.</a:t>
-            </a:r>
-          </a:p>
-          <a:p>
-            <a:r>
-              <a:rPr lang="en-US" dirty="0"/>
-              <a:t>When data is complete, linear regression fits look promising but the assumption of equal variance is violated.</a:t>
-            </a:r>
-          </a:p>
-          <a:p>
-            <a:r>
-              <a:rPr lang="en-US" dirty="0"/>
-              <a:t>More questions are raised… More analysis is needed.</a:t>
-            </a:r>
-          </a:p>
-        </p:txBody>
-      </p:sp>
-    </p:spTree>
-    <p:extLst>
-      <p:ext uri="{BB962C8B-B14F-4D97-AF65-F5344CB8AC3E}">
-        <p14:creationId xmlns:p14="http://schemas.microsoft.com/office/powerpoint/2010/main" val="1248388706"/>
-      </p:ext>
-    </p:extLst>
-  </p:cSld>
-  <p:clrMapOvr>
-    <a:masterClrMapping/>
-  </p:clrMapOvr>
-</p:sld>
-</file>
-
-<file path=ppt/slides/slide12.xml><?xml version="1.0" encoding="utf-8"?>
-<p:sld xmlns:a="http://schemas.openxmlformats.org/drawingml/2006/main" xmlns:r="http://schemas.openxmlformats.org/officeDocument/2006/relationships" xmlns:p="http://schemas.openxmlformats.org/presentationml/2006/main">
-  <p:cSld>
-    <p:spTree>
-      <p:nvGrpSpPr>
-        <p:cNvPr id="1" name=""/>
-        <p:cNvGrpSpPr/>
-        <p:nvPr/>
-      </p:nvGrpSpPr>
-      <p:grpSpPr>
-        <a:xfrm>
-          <a:off x="0" y="0"/>
-          <a:ext cx="0" cy="0"/>
-          <a:chOff x="0" y="0"/>
-          <a:chExt cx="0" cy="0"/>
-        </a:xfrm>
-      </p:grpSpPr>
-      <p:sp>
-        <p:nvSpPr>
-          <p:cNvPr id="2" name="Title 1">
-            <a:extLst>
-              <a:ext uri="{FF2B5EF4-FFF2-40B4-BE49-F238E27FC236}">
-                <a16:creationId xmlns:a16="http://schemas.microsoft.com/office/drawing/2014/main" id="{8B314954-8A04-4157-A696-14656792B11C}"/>
-              </a:ext>
-            </a:extLst>
-          </p:cNvPr>
-          <p:cNvSpPr>
-            <a:spLocks noGrp="1"/>
-          </p:cNvSpPr>
-          <p:nvPr>
-            <p:ph type="title"/>
-          </p:nvPr>
-        </p:nvSpPr>
-        <p:spPr/>
-        <p:txBody>
-          <a:bodyPr/>
-          <a:lstStyle/>
-          <a:p>
-            <a:r>
-              <a:rPr lang="en-US" dirty="0"/>
-              <a:t>What’s next for analysis?</a:t>
-            </a:r>
-          </a:p>
-        </p:txBody>
-      </p:sp>
-      <p:sp>
-        <p:nvSpPr>
-          <p:cNvPr id="3" name="Content Placeholder 2">
-            <a:extLst>
-              <a:ext uri="{FF2B5EF4-FFF2-40B4-BE49-F238E27FC236}">
-                <a16:creationId xmlns:a16="http://schemas.microsoft.com/office/drawing/2014/main" id="{4CACA4EC-3D3F-45D3-93B4-6E09C43C707A}"/>
-              </a:ext>
-            </a:extLst>
-          </p:cNvPr>
-          <p:cNvSpPr>
-            <a:spLocks noGrp="1"/>
-          </p:cNvSpPr>
-          <p:nvPr>
-            <p:ph idx="1"/>
-          </p:nvPr>
-        </p:nvSpPr>
-        <p:spPr/>
-        <p:txBody>
-          <a:bodyPr/>
-          <a:lstStyle/>
-          <a:p>
-            <a:r>
-              <a:rPr lang="en-US" dirty="0"/>
-              <a:t>Compare vaccination coverage geographically to see if regional trends exist.</a:t>
-            </a:r>
-          </a:p>
-          <a:p>
-            <a:r>
-              <a:rPr lang="en-US" dirty="0"/>
-              <a:t>Regression analysis: Automate the process of determining a variance stabilizing transformation when needed.</a:t>
-            </a:r>
-          </a:p>
-          <a:p>
-            <a:r>
-              <a:rPr lang="en-US" dirty="0"/>
-              <a:t>Regression analysis: Automate outlier detection.</a:t>
-            </a:r>
-          </a:p>
-          <a:p>
-            <a:r>
-              <a:rPr lang="en-US" dirty="0"/>
-              <a:t>Look at other measures of health and wellbeing.</a:t>
-            </a:r>
-          </a:p>
-          <a:p>
-            <a:r>
-              <a:rPr lang="en-US" dirty="0"/>
-              <a:t>Incorporate other factors that influence health and conduct a multiple linear regression analysis.</a:t>
-            </a:r>
-          </a:p>
-        </p:txBody>
-      </p:sp>
-    </p:spTree>
-    <p:extLst>
-      <p:ext uri="{BB962C8B-B14F-4D97-AF65-F5344CB8AC3E}">
-        <p14:creationId xmlns:p14="http://schemas.microsoft.com/office/powerpoint/2010/main" val="377437885"/>
-      </p:ext>
-    </p:extLst>
-  </p:cSld>
-  <p:clrMapOvr>
-    <a:masterClrMapping/>
-  </p:clrMapOvr>
-</p:sld>
-</file>
-
-<file path=ppt/slides/slide13.xml><?xml version="1.0" encoding="utf-8"?>
-<p:sld xmlns:a="http://schemas.openxmlformats.org/drawingml/2006/main" xmlns:r="http://schemas.openxmlformats.org/officeDocument/2006/relationships" xmlns:p="http://schemas.openxmlformats.org/presentationml/2006/main">
-  <p:cSld>
-    <p:spTree>
-      <p:nvGrpSpPr>
-        <p:cNvPr id="1" name=""/>
-        <p:cNvGrpSpPr/>
-        <p:nvPr/>
-      </p:nvGrpSpPr>
-      <p:grpSpPr>
-        <a:xfrm>
-          <a:off x="0" y="0"/>
-          <a:ext cx="0" cy="0"/>
-          <a:chOff x="0" y="0"/>
-          <a:chExt cx="0" cy="0"/>
-        </a:xfrm>
-      </p:grpSpPr>
-      <p:sp>
-        <p:nvSpPr>
-          <p:cNvPr id="2" name="Title 1">
-            <a:extLst>
-              <a:ext uri="{FF2B5EF4-FFF2-40B4-BE49-F238E27FC236}">
-                <a16:creationId xmlns:a16="http://schemas.microsoft.com/office/drawing/2014/main" id="{FD978D26-D547-46CE-88DD-572BEA0523D3}"/>
-              </a:ext>
-            </a:extLst>
-          </p:cNvPr>
-          <p:cNvSpPr>
-            <a:spLocks noGrp="1"/>
-          </p:cNvSpPr>
-          <p:nvPr>
-            <p:ph type="title"/>
-          </p:nvPr>
-        </p:nvSpPr>
-        <p:spPr/>
-        <p:txBody>
-          <a:bodyPr/>
-          <a:lstStyle/>
-          <a:p>
-            <a:r>
-              <a:rPr lang="en-US" dirty="0"/>
-              <a:t>That’s not all!</a:t>
-            </a:r>
-          </a:p>
-        </p:txBody>
-      </p:sp>
-      <p:sp>
-        <p:nvSpPr>
-          <p:cNvPr id="3" name="Content Placeholder 2">
-            <a:extLst>
-              <a:ext uri="{FF2B5EF4-FFF2-40B4-BE49-F238E27FC236}">
-                <a16:creationId xmlns:a16="http://schemas.microsoft.com/office/drawing/2014/main" id="{28916CDD-3ECD-425F-855D-CF72A7ECF557}"/>
-              </a:ext>
-            </a:extLst>
-          </p:cNvPr>
-          <p:cNvSpPr>
-            <a:spLocks noGrp="1"/>
-          </p:cNvSpPr>
-          <p:nvPr>
-            <p:ph idx="1"/>
-          </p:nvPr>
-        </p:nvSpPr>
-        <p:spPr/>
-        <p:txBody>
-          <a:bodyPr/>
-          <a:lstStyle/>
-          <a:p>
-            <a:r>
-              <a:rPr lang="en-US" dirty="0"/>
-              <a:t>Back to the website</a:t>
-            </a:r>
-          </a:p>
-          <a:p>
-            <a:r>
-              <a:rPr lang="en-US" dirty="0">
-                <a:hlinkClick r:id="rId2"/>
-              </a:rPr>
-              <a:t>https://muracan2.herokuapp.com/</a:t>
-            </a:r>
-            <a:endParaRPr lang="en-US" dirty="0"/>
-          </a:p>
-          <a:p>
-            <a:endParaRPr lang="en-US" dirty="0"/>
-          </a:p>
-        </p:txBody>
-      </p:sp>
-    </p:spTree>
-    <p:extLst>
-      <p:ext uri="{BB962C8B-B14F-4D97-AF65-F5344CB8AC3E}">
-        <p14:creationId xmlns:p14="http://schemas.microsoft.com/office/powerpoint/2010/main" val="2716516425"/>
-      </p:ext>
-    </p:extLst>
-  </p:cSld>
-  <p:clrMapOvr>
-    <a:masterClrMapping/>
-  </p:clrMapOvr>
-</p:sld>
-</file>
-
-<file path=ppt/slides/slide14.xml><?xml version="1.0" encoding="utf-8"?>
-<p:sld xmlns:a="http://schemas.openxmlformats.org/drawingml/2006/main" xmlns:r="http://schemas.openxmlformats.org/officeDocument/2006/relationships" xmlns:p="http://schemas.openxmlformats.org/presentationml/2006/main">
-  <p:cSld>
-    <p:spTree>
-      <p:nvGrpSpPr>
-        <p:cNvPr id="1" name=""/>
-        <p:cNvGrpSpPr/>
-        <p:nvPr/>
-      </p:nvGrpSpPr>
-      <p:grpSpPr>
-        <a:xfrm>
-          <a:off x="0" y="0"/>
-          <a:ext cx="0" cy="0"/>
-          <a:chOff x="0" y="0"/>
-          <a:chExt cx="0" cy="0"/>
-        </a:xfrm>
-      </p:grpSpPr>
-      <p:sp>
-        <p:nvSpPr>
-          <p:cNvPr id="2" name="Title 1">
-            <a:extLst>
-              <a:ext uri="{FF2B5EF4-FFF2-40B4-BE49-F238E27FC236}">
-                <a16:creationId xmlns:a16="http://schemas.microsoft.com/office/drawing/2014/main" id="{FD978D26-D547-46CE-88DD-572BEA0523D3}"/>
-              </a:ext>
-            </a:extLst>
-          </p:cNvPr>
-          <p:cNvSpPr>
-            <a:spLocks noGrp="1"/>
-          </p:cNvSpPr>
-          <p:nvPr>
-            <p:ph type="title"/>
-          </p:nvPr>
-        </p:nvSpPr>
-        <p:spPr>
-          <a:xfrm>
-            <a:off x="791885" y="2728735"/>
-            <a:ext cx="9404723" cy="1400530"/>
-          </a:xfrm>
-        </p:spPr>
-        <p:txBody>
-          <a:bodyPr/>
-          <a:lstStyle/>
-          <a:p>
-            <a:pPr algn="ctr"/>
-            <a:r>
-              <a:rPr lang="en-US" dirty="0"/>
-              <a:t>Questions?</a:t>
-            </a:r>
-          </a:p>
-        </p:txBody>
-      </p:sp>
-    </p:spTree>
-    <p:extLst>
-      <p:ext uri="{BB962C8B-B14F-4D97-AF65-F5344CB8AC3E}">
-        <p14:creationId xmlns:p14="http://schemas.microsoft.com/office/powerpoint/2010/main" val="3071808042"/>
-      </p:ext>
-    </p:extLst>
-  </p:cSld>
-  <p:clrMapOvr>
-    <a:masterClrMapping/>
-  </p:clrMapOvr>
-</p:sld>
-</file>
-
-<file path=ppt/slides/slide2.xml><?xml version="1.0" encoding="utf-8"?>
-<p:sld xmlns:a="http://schemas.openxmlformats.org/drawingml/2006/main" xmlns:r="http://schemas.openxmlformats.org/officeDocument/2006/relationships" xmlns:p="http://schemas.openxmlformats.org/presentationml/2006/main">
-  <p:cSld>
-    <p:spTree>
-      <p:nvGrpSpPr>
-        <p:cNvPr id="1" name=""/>
-        <p:cNvGrpSpPr/>
-        <p:nvPr/>
-      </p:nvGrpSpPr>
-      <p:grpSpPr>
-        <a:xfrm>
-          <a:off x="0" y="0"/>
-          <a:ext cx="0" cy="0"/>
-          <a:chOff x="0" y="0"/>
-          <a:chExt cx="0" cy="0"/>
-        </a:xfrm>
-      </p:grpSpPr>
-      <p:sp>
-        <p:nvSpPr>
-          <p:cNvPr id="3" name="Content Placeholder 2">
-            <a:extLst>
-              <a:ext uri="{FF2B5EF4-FFF2-40B4-BE49-F238E27FC236}">
-                <a16:creationId xmlns:a16="http://schemas.microsoft.com/office/drawing/2014/main" id="{2E45E009-4FFD-44D0-92F3-508F980A0454}"/>
-              </a:ext>
-            </a:extLst>
-          </p:cNvPr>
-          <p:cNvSpPr>
-            <a:spLocks noGrp="1"/>
-          </p:cNvSpPr>
-          <p:nvPr>
-            <p:ph idx="1"/>
-          </p:nvPr>
-        </p:nvSpPr>
-        <p:spPr/>
-        <p:txBody>
-          <a:bodyPr/>
-          <a:lstStyle/>
-          <a:p>
-            <a:r>
-              <a:rPr lang="en-US" dirty="0"/>
-              <a:t>What is vaccination?</a:t>
-            </a:r>
-          </a:p>
-          <a:p>
-            <a:endParaRPr lang="en-US" dirty="0"/>
-          </a:p>
-          <a:p>
-            <a:r>
-              <a:rPr lang="en-US" dirty="0"/>
-              <a:t>What does it do?</a:t>
-            </a:r>
-          </a:p>
-          <a:p>
-            <a:endParaRPr lang="en-US" dirty="0"/>
-          </a:p>
-          <a:p>
-            <a:r>
-              <a:rPr lang="en-US" dirty="0"/>
-              <a:t>Why is it important?</a:t>
-            </a:r>
-          </a:p>
-        </p:txBody>
-      </p:sp>
-      <p:sp>
-        <p:nvSpPr>
-          <p:cNvPr id="6" name="Title 1">
-            <a:extLst>
-              <a:ext uri="{FF2B5EF4-FFF2-40B4-BE49-F238E27FC236}">
-                <a16:creationId xmlns:a16="http://schemas.microsoft.com/office/drawing/2014/main" id="{E946F163-CFE5-4941-B923-0EC44A0B0B36}"/>
+                <a16:creationId xmlns:a16="http://schemas.microsoft.com/office/drawing/2014/main" id="{A66406C7-12AF-7F4C-BE90-62DCFF515363}"/>
               </a:ext>
             </a:extLst>
           </p:cNvPr>
@@ -6812,7 +9512,7 @@
             <a:pPr algn="ctr"/>
             <a:r>
               <a:rPr lang="en-US" dirty="0"/>
-              <a:t>Introduction</a:t>
+              <a:t>Insights</a:t>
             </a:r>
           </a:p>
         </p:txBody>
@@ -6820,7 +9520,7 @@
     </p:spTree>
     <p:extLst>
       <p:ext uri="{BB962C8B-B14F-4D97-AF65-F5344CB8AC3E}">
-        <p14:creationId xmlns:p14="http://schemas.microsoft.com/office/powerpoint/2010/main" val="3574037768"/>
+        <p14:creationId xmlns:p14="http://schemas.microsoft.com/office/powerpoint/2010/main" val="2785180105"/>
       </p:ext>
     </p:extLst>
   </p:cSld>
@@ -6830,7 +9530,7 @@
 </p:sld>
 </file>
 
-<file path=ppt/slides/slide3.xml><?xml version="1.0" encoding="utf-8"?>
+<file path=ppt/slides/slide11.xml><?xml version="1.0" encoding="utf-8"?>
 <p:sld xmlns:a="http://schemas.openxmlformats.org/drawingml/2006/main" xmlns:r="http://schemas.openxmlformats.org/officeDocument/2006/relationships" xmlns:p="http://schemas.openxmlformats.org/presentationml/2006/main">
   <p:cSld>
     <p:spTree>
@@ -6849,10 +9549,38 @@
       </p:grpSpPr>
       <p:sp>
         <p:nvSpPr>
+          <p:cNvPr id="2" name="Title 1">
+            <a:extLst>
+              <a:ext uri="{FF2B5EF4-FFF2-40B4-BE49-F238E27FC236}">
+                <a16:creationId xmlns:a16="http://schemas.microsoft.com/office/drawing/2014/main" id="{13B3C2DE-4D4B-4B36-9941-2CE6427CAB13}"/>
+              </a:ext>
+            </a:extLst>
+          </p:cNvPr>
+          <p:cNvSpPr>
+            <a:spLocks noGrp="1"/>
+          </p:cNvSpPr>
+          <p:nvPr>
+            <p:ph type="title"/>
+          </p:nvPr>
+        </p:nvSpPr>
+        <p:spPr/>
+        <p:txBody>
+          <a:bodyPr/>
+          <a:lstStyle/>
+          <a:p>
+            <a:r>
+              <a:rPr lang="en-US" dirty="0"/>
+              <a:t>Analysis</a:t>
+            </a:r>
+          </a:p>
+        </p:txBody>
+      </p:sp>
+      <p:sp>
+        <p:nvSpPr>
           <p:cNvPr id="3" name="Content Placeholder 2">
             <a:extLst>
               <a:ext uri="{FF2B5EF4-FFF2-40B4-BE49-F238E27FC236}">
-                <a16:creationId xmlns:a16="http://schemas.microsoft.com/office/drawing/2014/main" id="{D39877A2-4484-4150-AE81-F554E18CCBBC}"/>
+                <a16:creationId xmlns:a16="http://schemas.microsoft.com/office/drawing/2014/main" id="{52104654-F0BC-499B-87DE-44F6238EE666}"/>
               </a:ext>
             </a:extLst>
           </p:cNvPr>
@@ -6870,72 +9598,590 @@
           <a:p>
             <a:r>
               <a:rPr lang="en-US" dirty="0"/>
-              <a:t>My background in vaccine research</a:t>
-            </a:r>
-          </a:p>
-          <a:p>
+              <a:t>Let’s check out our website!</a:t>
+            </a:r>
+          </a:p>
+          <a:p>
+            <a:r>
+              <a:rPr lang="en-US" dirty="0">
+                <a:hlinkClick r:id="rId2"/>
+              </a:rPr>
+              <a:t>https://muracan2.herokuapp.com/</a:t>
+            </a:r>
             <a:endParaRPr lang="en-US" dirty="0"/>
           </a:p>
-          <a:p>
-            <a:r>
-              <a:rPr lang="en-US" dirty="0"/>
-              <a:t>Availability of datasets for our analyses that are:</a:t>
-            </a:r>
-          </a:p>
-          <a:p>
-            <a:pPr lvl="1"/>
-            <a:r>
-              <a:rPr lang="en-US" dirty="0"/>
-              <a:t>Large</a:t>
-            </a:r>
-          </a:p>
-          <a:p>
-            <a:pPr lvl="1"/>
-            <a:r>
-              <a:rPr lang="en-US" dirty="0"/>
-              <a:t>Reliable</a:t>
-            </a:r>
-          </a:p>
-          <a:p>
-            <a:pPr lvl="1"/>
-            <a:r>
-              <a:rPr lang="en-US" dirty="0"/>
-              <a:t>Clean</a:t>
-            </a:r>
-          </a:p>
-          <a:p>
-            <a:pPr lvl="1"/>
-            <a:endParaRPr lang="en-US" dirty="0"/>
-          </a:p>
-          <a:p>
-            <a:pPr marL="457200" lvl="1" indent="0">
-              <a:buNone/>
-            </a:pPr>
-            <a:endParaRPr lang="en-US" dirty="0"/>
-          </a:p>
-          <a:p>
-            <a:endParaRPr lang="en-US" dirty="0"/>
-          </a:p>
-          <a:p>
-            <a:endParaRPr lang="en-US" dirty="0"/>
-          </a:p>
-          <a:p>
-            <a:endParaRPr lang="en-US" dirty="0"/>
-          </a:p>
-          <a:p>
-            <a:endParaRPr lang="en-US" dirty="0"/>
-          </a:p>
-          <a:p>
-            <a:endParaRPr lang="en-US" dirty="0"/>
-          </a:p>
-        </p:txBody>
-      </p:sp>
-      <p:sp>
-        <p:nvSpPr>
-          <p:cNvPr id="4" name="Title 1">
+        </p:txBody>
+      </p:sp>
+    </p:spTree>
+    <p:extLst>
+      <p:ext uri="{BB962C8B-B14F-4D97-AF65-F5344CB8AC3E}">
+        <p14:creationId xmlns:p14="http://schemas.microsoft.com/office/powerpoint/2010/main" val="2683219453"/>
+      </p:ext>
+    </p:extLst>
+  </p:cSld>
+  <p:clrMapOvr>
+    <a:masterClrMapping/>
+  </p:clrMapOvr>
+</p:sld>
+</file>
+
+<file path=ppt/slides/slide12.xml><?xml version="1.0" encoding="utf-8"?>
+<p:sld xmlns:a="http://schemas.openxmlformats.org/drawingml/2006/main" xmlns:r="http://schemas.openxmlformats.org/officeDocument/2006/relationships" xmlns:p="http://schemas.openxmlformats.org/presentationml/2006/main">
+  <p:cSld>
+    <p:spTree>
+      <p:nvGrpSpPr>
+        <p:cNvPr id="1" name=""/>
+        <p:cNvGrpSpPr/>
+        <p:nvPr/>
+      </p:nvGrpSpPr>
+      <p:grpSpPr>
+        <a:xfrm>
+          <a:off x="0" y="0"/>
+          <a:ext cx="0" cy="0"/>
+          <a:chOff x="0" y="0"/>
+          <a:chExt cx="0" cy="0"/>
+        </a:xfrm>
+      </p:grpSpPr>
+      <p:sp>
+        <p:nvSpPr>
+          <p:cNvPr id="2" name="Title 1">
             <a:extLst>
               <a:ext uri="{FF2B5EF4-FFF2-40B4-BE49-F238E27FC236}">
-                <a16:creationId xmlns:a16="http://schemas.microsoft.com/office/drawing/2014/main" id="{051E9129-A82C-4442-86FA-63401F0D721D}"/>
+                <a16:creationId xmlns:a16="http://schemas.microsoft.com/office/drawing/2014/main" id="{8B314954-8A04-4157-A696-14656792B11C}"/>
+              </a:ext>
+            </a:extLst>
+          </p:cNvPr>
+          <p:cNvSpPr>
+            <a:spLocks noGrp="1"/>
+          </p:cNvSpPr>
+          <p:nvPr>
+            <p:ph type="title"/>
+          </p:nvPr>
+        </p:nvSpPr>
+        <p:spPr/>
+        <p:txBody>
+          <a:bodyPr/>
+          <a:lstStyle/>
+          <a:p>
+            <a:r>
+              <a:rPr lang="en-US" dirty="0"/>
+              <a:t>Conclusion</a:t>
+            </a:r>
+          </a:p>
+        </p:txBody>
+      </p:sp>
+      <p:sp>
+        <p:nvSpPr>
+          <p:cNvPr id="3" name="Content Placeholder 2">
+            <a:extLst>
+              <a:ext uri="{FF2B5EF4-FFF2-40B4-BE49-F238E27FC236}">
+                <a16:creationId xmlns:a16="http://schemas.microsoft.com/office/drawing/2014/main" id="{4CACA4EC-3D3F-45D3-93B4-6E09C43C707A}"/>
+              </a:ext>
+            </a:extLst>
+          </p:cNvPr>
+          <p:cNvSpPr>
+            <a:spLocks noGrp="1"/>
+          </p:cNvSpPr>
+          <p:nvPr>
+            <p:ph idx="1"/>
+          </p:nvPr>
+        </p:nvSpPr>
+        <p:spPr/>
+        <p:txBody>
+          <a:bodyPr/>
+          <a:lstStyle/>
+          <a:p>
+            <a:r>
+              <a:rPr lang="en-US" dirty="0"/>
+              <a:t>In general, a give vaccination has a positive relationship with life expectancy and a negative relationship with infant mortality.</a:t>
+            </a:r>
+          </a:p>
+          <a:p>
+            <a:r>
+              <a:rPr lang="en-US" dirty="0"/>
+              <a:t>When data is complete, linear regression fits look promising but the assumption of equal variance is violated.</a:t>
+            </a:r>
+          </a:p>
+          <a:p>
+            <a:r>
+              <a:rPr lang="en-US" dirty="0"/>
+              <a:t>More questions are raised… More analysis is needed.</a:t>
+            </a:r>
+          </a:p>
+        </p:txBody>
+      </p:sp>
+    </p:spTree>
+    <p:extLst>
+      <p:ext uri="{BB962C8B-B14F-4D97-AF65-F5344CB8AC3E}">
+        <p14:creationId xmlns:p14="http://schemas.microsoft.com/office/powerpoint/2010/main" val="1248388706"/>
+      </p:ext>
+    </p:extLst>
+  </p:cSld>
+  <p:clrMapOvr>
+    <a:masterClrMapping/>
+  </p:clrMapOvr>
+</p:sld>
+</file>
+
+<file path=ppt/slides/slide13.xml><?xml version="1.0" encoding="utf-8"?>
+<p:sld xmlns:a="http://schemas.openxmlformats.org/drawingml/2006/main" xmlns:r="http://schemas.openxmlformats.org/officeDocument/2006/relationships" xmlns:p="http://schemas.openxmlformats.org/presentationml/2006/main">
+  <p:cSld>
+    <p:spTree>
+      <p:nvGrpSpPr>
+        <p:cNvPr id="1" name=""/>
+        <p:cNvGrpSpPr/>
+        <p:nvPr/>
+      </p:nvGrpSpPr>
+      <p:grpSpPr>
+        <a:xfrm>
+          <a:off x="0" y="0"/>
+          <a:ext cx="0" cy="0"/>
+          <a:chOff x="0" y="0"/>
+          <a:chExt cx="0" cy="0"/>
+        </a:xfrm>
+      </p:grpSpPr>
+      <p:sp>
+        <p:nvSpPr>
+          <p:cNvPr id="2" name="Title 1">
+            <a:extLst>
+              <a:ext uri="{FF2B5EF4-FFF2-40B4-BE49-F238E27FC236}">
+                <a16:creationId xmlns:a16="http://schemas.microsoft.com/office/drawing/2014/main" id="{8B314954-8A04-4157-A696-14656792B11C}"/>
+              </a:ext>
+            </a:extLst>
+          </p:cNvPr>
+          <p:cNvSpPr>
+            <a:spLocks noGrp="1"/>
+          </p:cNvSpPr>
+          <p:nvPr>
+            <p:ph type="title"/>
+          </p:nvPr>
+        </p:nvSpPr>
+        <p:spPr/>
+        <p:txBody>
+          <a:bodyPr/>
+          <a:lstStyle/>
+          <a:p>
+            <a:r>
+              <a:rPr lang="en-US" dirty="0"/>
+              <a:t>What’s next for analysis?</a:t>
+            </a:r>
+          </a:p>
+        </p:txBody>
+      </p:sp>
+      <p:sp>
+        <p:nvSpPr>
+          <p:cNvPr id="3" name="Content Placeholder 2">
+            <a:extLst>
+              <a:ext uri="{FF2B5EF4-FFF2-40B4-BE49-F238E27FC236}">
+                <a16:creationId xmlns:a16="http://schemas.microsoft.com/office/drawing/2014/main" id="{4CACA4EC-3D3F-45D3-93B4-6E09C43C707A}"/>
+              </a:ext>
+            </a:extLst>
+          </p:cNvPr>
+          <p:cNvSpPr>
+            <a:spLocks noGrp="1"/>
+          </p:cNvSpPr>
+          <p:nvPr>
+            <p:ph idx="1"/>
+          </p:nvPr>
+        </p:nvSpPr>
+        <p:spPr/>
+        <p:txBody>
+          <a:bodyPr/>
+          <a:lstStyle/>
+          <a:p>
+            <a:r>
+              <a:rPr lang="en-US" dirty="0"/>
+              <a:t>Compare vaccination coverage geographically to see if regional trends exist.</a:t>
+            </a:r>
+          </a:p>
+          <a:p>
+            <a:r>
+              <a:rPr lang="en-US" dirty="0"/>
+              <a:t>Regression analysis: Automate the process of determining a variance stabilizing transformation when needed.</a:t>
+            </a:r>
+          </a:p>
+          <a:p>
+            <a:r>
+              <a:rPr lang="en-US" dirty="0"/>
+              <a:t>Regression analysis: Automate outlier detection.</a:t>
+            </a:r>
+          </a:p>
+          <a:p>
+            <a:r>
+              <a:rPr lang="en-US" dirty="0"/>
+              <a:t>Look at other measures of health and wellbeing.</a:t>
+            </a:r>
+          </a:p>
+          <a:p>
+            <a:r>
+              <a:rPr lang="en-US" dirty="0"/>
+              <a:t>Incorporate other factors that influence health and conduct a multiple linear regression analysis.</a:t>
+            </a:r>
+          </a:p>
+        </p:txBody>
+      </p:sp>
+    </p:spTree>
+    <p:extLst>
+      <p:ext uri="{BB962C8B-B14F-4D97-AF65-F5344CB8AC3E}">
+        <p14:creationId xmlns:p14="http://schemas.microsoft.com/office/powerpoint/2010/main" val="377437885"/>
+      </p:ext>
+    </p:extLst>
+  </p:cSld>
+  <p:clrMapOvr>
+    <a:masterClrMapping/>
+  </p:clrMapOvr>
+</p:sld>
+</file>
+
+<file path=ppt/slides/slide14.xml><?xml version="1.0" encoding="utf-8"?>
+<p:sld xmlns:a="http://schemas.openxmlformats.org/drawingml/2006/main" xmlns:r="http://schemas.openxmlformats.org/officeDocument/2006/relationships" xmlns:p="http://schemas.openxmlformats.org/presentationml/2006/main">
+  <p:cSld>
+    <p:spTree>
+      <p:nvGrpSpPr>
+        <p:cNvPr id="1" name=""/>
+        <p:cNvGrpSpPr/>
+        <p:nvPr/>
+      </p:nvGrpSpPr>
+      <p:grpSpPr>
+        <a:xfrm>
+          <a:off x="0" y="0"/>
+          <a:ext cx="0" cy="0"/>
+          <a:chOff x="0" y="0"/>
+          <a:chExt cx="0" cy="0"/>
+        </a:xfrm>
+      </p:grpSpPr>
+      <p:sp>
+        <p:nvSpPr>
+          <p:cNvPr id="2" name="Title 1">
+            <a:extLst>
+              <a:ext uri="{FF2B5EF4-FFF2-40B4-BE49-F238E27FC236}">
+                <a16:creationId xmlns:a16="http://schemas.microsoft.com/office/drawing/2014/main" id="{FD978D26-D547-46CE-88DD-572BEA0523D3}"/>
+              </a:ext>
+            </a:extLst>
+          </p:cNvPr>
+          <p:cNvSpPr>
+            <a:spLocks noGrp="1"/>
+          </p:cNvSpPr>
+          <p:nvPr>
+            <p:ph type="title"/>
+          </p:nvPr>
+        </p:nvSpPr>
+        <p:spPr/>
+        <p:txBody>
+          <a:bodyPr/>
+          <a:lstStyle/>
+          <a:p>
+            <a:r>
+              <a:rPr lang="en-US" dirty="0"/>
+              <a:t>That’s not all!</a:t>
+            </a:r>
+          </a:p>
+        </p:txBody>
+      </p:sp>
+      <p:sp>
+        <p:nvSpPr>
+          <p:cNvPr id="3" name="Content Placeholder 2">
+            <a:extLst>
+              <a:ext uri="{FF2B5EF4-FFF2-40B4-BE49-F238E27FC236}">
+                <a16:creationId xmlns:a16="http://schemas.microsoft.com/office/drawing/2014/main" id="{28916CDD-3ECD-425F-855D-CF72A7ECF557}"/>
+              </a:ext>
+            </a:extLst>
+          </p:cNvPr>
+          <p:cNvSpPr>
+            <a:spLocks noGrp="1"/>
+          </p:cNvSpPr>
+          <p:nvPr>
+            <p:ph idx="1"/>
+          </p:nvPr>
+        </p:nvSpPr>
+        <p:spPr/>
+        <p:txBody>
+          <a:bodyPr/>
+          <a:lstStyle/>
+          <a:p>
+            <a:r>
+              <a:rPr lang="en-US" dirty="0"/>
+              <a:t>Back to the website</a:t>
+            </a:r>
+          </a:p>
+          <a:p>
+            <a:r>
+              <a:rPr lang="en-US" dirty="0">
+                <a:hlinkClick r:id="rId2"/>
+              </a:rPr>
+              <a:t>https://muracan2.herokuapp.com/</a:t>
+            </a:r>
+            <a:endParaRPr lang="en-US" dirty="0"/>
+          </a:p>
+          <a:p>
+            <a:endParaRPr lang="en-US" dirty="0"/>
+          </a:p>
+        </p:txBody>
+      </p:sp>
+    </p:spTree>
+    <p:extLst>
+      <p:ext uri="{BB962C8B-B14F-4D97-AF65-F5344CB8AC3E}">
+        <p14:creationId xmlns:p14="http://schemas.microsoft.com/office/powerpoint/2010/main" val="2716516425"/>
+      </p:ext>
+    </p:extLst>
+  </p:cSld>
+  <p:clrMapOvr>
+    <a:masterClrMapping/>
+  </p:clrMapOvr>
+</p:sld>
+</file>
+
+<file path=ppt/slides/slide15.xml><?xml version="1.0" encoding="utf-8"?>
+<p:sld xmlns:a="http://schemas.openxmlformats.org/drawingml/2006/main" xmlns:r="http://schemas.openxmlformats.org/officeDocument/2006/relationships" xmlns:p="http://schemas.openxmlformats.org/presentationml/2006/main">
+  <p:cSld>
+    <p:spTree>
+      <p:nvGrpSpPr>
+        <p:cNvPr id="1" name=""/>
+        <p:cNvGrpSpPr/>
+        <p:nvPr/>
+      </p:nvGrpSpPr>
+      <p:grpSpPr>
+        <a:xfrm>
+          <a:off x="0" y="0"/>
+          <a:ext cx="0" cy="0"/>
+          <a:chOff x="0" y="0"/>
+          <a:chExt cx="0" cy="0"/>
+        </a:xfrm>
+      </p:grpSpPr>
+      <p:graphicFrame>
+        <p:nvGraphicFramePr>
+          <p:cNvPr id="9" name="Diagram 8">
+            <a:extLst>
+              <a:ext uri="{FF2B5EF4-FFF2-40B4-BE49-F238E27FC236}">
+                <a16:creationId xmlns:a16="http://schemas.microsoft.com/office/drawing/2014/main" id="{4350BB2A-87CC-40D9-A96F-975787F10BE1}"/>
+              </a:ext>
+            </a:extLst>
+          </p:cNvPr>
+          <p:cNvGraphicFramePr/>
+          <p:nvPr/>
+        </p:nvGraphicFramePr>
+        <p:xfrm>
+          <a:off x="2032000" y="719666"/>
+          <a:ext cx="8128000" cy="5418667"/>
+        </p:xfrm>
+        <a:graphic>
+          <a:graphicData uri="http://schemas.openxmlformats.org/drawingml/2006/diagram">
+            <dgm:relIds xmlns:dgm="http://schemas.openxmlformats.org/drawingml/2006/diagram" xmlns:r="http://schemas.openxmlformats.org/officeDocument/2006/relationships" r:dm="rId2" r:lo="rId3" r:qs="rId4" r:cs="rId5"/>
+          </a:graphicData>
+        </a:graphic>
+      </p:graphicFrame>
+      <p:pic>
+        <p:nvPicPr>
+          <p:cNvPr id="10" name="Picture 9">
+            <a:extLst>
+              <a:ext uri="{FF2B5EF4-FFF2-40B4-BE49-F238E27FC236}">
+                <a16:creationId xmlns:a16="http://schemas.microsoft.com/office/drawing/2014/main" id="{D1854F32-BA2F-4F50-BDB9-9266FC9B0B78}"/>
+              </a:ext>
+            </a:extLst>
+          </p:cNvPr>
+          <p:cNvPicPr>
+            <a:picLocks noChangeAspect="1"/>
+          </p:cNvPicPr>
+          <p:nvPr/>
+        </p:nvPicPr>
+        <p:blipFill>
+          <a:blip r:embed="rId7"/>
+          <a:stretch>
+            <a:fillRect/>
+          </a:stretch>
+        </p:blipFill>
+        <p:spPr>
+          <a:xfrm>
+            <a:off x="388892" y="244575"/>
+            <a:ext cx="1602899" cy="2062397"/>
+          </a:xfrm>
+          <a:prstGeom prst="rect">
+            <a:avLst/>
+          </a:prstGeom>
+        </p:spPr>
+      </p:pic>
+      <p:pic>
+        <p:nvPicPr>
+          <p:cNvPr id="13" name="Picture 12">
+            <a:extLst>
+              <a:ext uri="{FF2B5EF4-FFF2-40B4-BE49-F238E27FC236}">
+                <a16:creationId xmlns:a16="http://schemas.microsoft.com/office/drawing/2014/main" id="{6D2AB102-E2ED-4FF7-BE88-E702D7E332F5}"/>
+              </a:ext>
+            </a:extLst>
+          </p:cNvPr>
+          <p:cNvPicPr>
+            <a:picLocks noChangeAspect="1"/>
+          </p:cNvPicPr>
+          <p:nvPr/>
+        </p:nvPicPr>
+        <p:blipFill>
+          <a:blip r:embed="rId8">
+            <a:extLst>
+              <a:ext uri="{28A0092B-C50C-407E-A947-70E740481C1C}">
+                <a14:useLocalDpi xmlns:a14="http://schemas.microsoft.com/office/drawing/2010/main" val="0"/>
+              </a:ext>
+            </a:extLst>
+          </a:blip>
+          <a:stretch>
+            <a:fillRect/>
+          </a:stretch>
+        </p:blipFill>
+        <p:spPr>
+          <a:xfrm>
+            <a:off x="615394" y="803065"/>
+            <a:ext cx="4345576" cy="748898"/>
+          </a:xfrm>
+          <a:prstGeom prst="rect">
+            <a:avLst/>
+          </a:prstGeom>
+        </p:spPr>
+      </p:pic>
+    </p:spTree>
+    <p:extLst>
+      <p:ext uri="{BB962C8B-B14F-4D97-AF65-F5344CB8AC3E}">
+        <p14:creationId xmlns:p14="http://schemas.microsoft.com/office/powerpoint/2010/main" val="2094145093"/>
+      </p:ext>
+    </p:extLst>
+  </p:cSld>
+  <p:clrMapOvr>
+    <a:masterClrMapping/>
+  </p:clrMapOvr>
+</p:sld>
+</file>
+
+<file path=ppt/slides/slide16.xml><?xml version="1.0" encoding="utf-8"?>
+<p:sld xmlns:a="http://schemas.openxmlformats.org/drawingml/2006/main" xmlns:r="http://schemas.openxmlformats.org/officeDocument/2006/relationships" xmlns:p="http://schemas.openxmlformats.org/presentationml/2006/main">
+  <p:cSld>
+    <p:spTree>
+      <p:nvGrpSpPr>
+        <p:cNvPr id="1" name=""/>
+        <p:cNvGrpSpPr/>
+        <p:nvPr/>
+      </p:nvGrpSpPr>
+      <p:grpSpPr>
+        <a:xfrm>
+          <a:off x="0" y="0"/>
+          <a:ext cx="0" cy="0"/>
+          <a:chOff x="0" y="0"/>
+          <a:chExt cx="0" cy="0"/>
+        </a:xfrm>
+      </p:grpSpPr>
+      <p:sp>
+        <p:nvSpPr>
+          <p:cNvPr id="2" name="Title 1">
+            <a:extLst>
+              <a:ext uri="{FF2B5EF4-FFF2-40B4-BE49-F238E27FC236}">
+                <a16:creationId xmlns:a16="http://schemas.microsoft.com/office/drawing/2014/main" id="{FD978D26-D547-46CE-88DD-572BEA0523D3}"/>
+              </a:ext>
+            </a:extLst>
+          </p:cNvPr>
+          <p:cNvSpPr>
+            <a:spLocks noGrp="1"/>
+          </p:cNvSpPr>
+          <p:nvPr>
+            <p:ph type="title"/>
+          </p:nvPr>
+        </p:nvSpPr>
+        <p:spPr>
+          <a:xfrm>
+            <a:off x="791885" y="2728735"/>
+            <a:ext cx="9404723" cy="1400530"/>
+          </a:xfrm>
+        </p:spPr>
+        <p:txBody>
+          <a:bodyPr/>
+          <a:lstStyle/>
+          <a:p>
+            <a:pPr algn="ctr"/>
+            <a:r>
+              <a:rPr lang="en-US" dirty="0"/>
+              <a:t>Questions?</a:t>
+            </a:r>
+          </a:p>
+        </p:txBody>
+      </p:sp>
+    </p:spTree>
+    <p:extLst>
+      <p:ext uri="{BB962C8B-B14F-4D97-AF65-F5344CB8AC3E}">
+        <p14:creationId xmlns:p14="http://schemas.microsoft.com/office/powerpoint/2010/main" val="3071808042"/>
+      </p:ext>
+    </p:extLst>
+  </p:cSld>
+  <p:clrMapOvr>
+    <a:masterClrMapping/>
+  </p:clrMapOvr>
+</p:sld>
+</file>
+
+<file path=ppt/slides/slide2.xml><?xml version="1.0" encoding="utf-8"?>
+<p:sld xmlns:a="http://schemas.openxmlformats.org/drawingml/2006/main" xmlns:r="http://schemas.openxmlformats.org/officeDocument/2006/relationships" xmlns:p="http://schemas.openxmlformats.org/presentationml/2006/main">
+  <p:cSld>
+    <p:spTree>
+      <p:nvGrpSpPr>
+        <p:cNvPr id="1" name=""/>
+        <p:cNvGrpSpPr/>
+        <p:nvPr/>
+      </p:nvGrpSpPr>
+      <p:grpSpPr>
+        <a:xfrm>
+          <a:off x="0" y="0"/>
+          <a:ext cx="0" cy="0"/>
+          <a:chOff x="0" y="0"/>
+          <a:chExt cx="0" cy="0"/>
+        </a:xfrm>
+      </p:grpSpPr>
+      <p:sp>
+        <p:nvSpPr>
+          <p:cNvPr id="3" name="Content Placeholder 2">
+            <a:extLst>
+              <a:ext uri="{FF2B5EF4-FFF2-40B4-BE49-F238E27FC236}">
+                <a16:creationId xmlns:a16="http://schemas.microsoft.com/office/drawing/2014/main" id="{2E45E009-4FFD-44D0-92F3-508F980A0454}"/>
+              </a:ext>
+            </a:extLst>
+          </p:cNvPr>
+          <p:cNvSpPr>
+            <a:spLocks noGrp="1"/>
+          </p:cNvSpPr>
+          <p:nvPr>
+            <p:ph idx="1"/>
+          </p:nvPr>
+        </p:nvSpPr>
+        <p:spPr/>
+        <p:txBody>
+          <a:bodyPr/>
+          <a:lstStyle/>
+          <a:p>
+            <a:r>
+              <a:rPr lang="en-US" dirty="0"/>
+              <a:t>What is vaccination?</a:t>
+            </a:r>
+          </a:p>
+          <a:p>
+            <a:endParaRPr lang="en-US" dirty="0"/>
+          </a:p>
+          <a:p>
+            <a:r>
+              <a:rPr lang="en-US" dirty="0"/>
+              <a:t>What does it do?</a:t>
+            </a:r>
+          </a:p>
+          <a:p>
+            <a:endParaRPr lang="en-US" dirty="0"/>
+          </a:p>
+          <a:p>
+            <a:r>
+              <a:rPr lang="en-US" dirty="0"/>
+              <a:t>Why is it important?</a:t>
+            </a:r>
+          </a:p>
+        </p:txBody>
+      </p:sp>
+      <p:sp>
+        <p:nvSpPr>
+          <p:cNvPr id="6" name="Title 1">
+            <a:extLst>
+              <a:ext uri="{FF2B5EF4-FFF2-40B4-BE49-F238E27FC236}">
+                <a16:creationId xmlns:a16="http://schemas.microsoft.com/office/drawing/2014/main" id="{E946F163-CFE5-4941-B923-0EC44A0B0B36}"/>
               </a:ext>
             </a:extLst>
           </p:cNvPr>
@@ -7033,7 +10279,7 @@
             <a:pPr algn="ctr"/>
             <a:r>
               <a:rPr lang="en-US" dirty="0"/>
-              <a:t>Motivation</a:t>
+              <a:t>Introduction</a:t>
             </a:r>
           </a:p>
         </p:txBody>
@@ -7041,7 +10287,7 @@
     </p:spTree>
     <p:extLst>
       <p:ext uri="{BB962C8B-B14F-4D97-AF65-F5344CB8AC3E}">
-        <p14:creationId xmlns:p14="http://schemas.microsoft.com/office/powerpoint/2010/main" val="2172760159"/>
+        <p14:creationId xmlns:p14="http://schemas.microsoft.com/office/powerpoint/2010/main" val="3574037768"/>
       </p:ext>
     </p:extLst>
   </p:cSld>
@@ -7051,7 +10297,7 @@
 </p:sld>
 </file>
 
-<file path=ppt/slides/slide4.xml><?xml version="1.0" encoding="utf-8"?>
+<file path=ppt/slides/slide3.xml><?xml version="1.0" encoding="utf-8"?>
 <p:sld xmlns:a="http://schemas.openxmlformats.org/drawingml/2006/main" xmlns:r="http://schemas.openxmlformats.org/officeDocument/2006/relationships" xmlns:p="http://schemas.openxmlformats.org/presentationml/2006/main">
   <p:cSld>
     <p:spTree>
@@ -7073,7 +10319,7 @@
           <p:cNvPr id="3" name="Content Placeholder 2">
             <a:extLst>
               <a:ext uri="{FF2B5EF4-FFF2-40B4-BE49-F238E27FC236}">
-                <a16:creationId xmlns:a16="http://schemas.microsoft.com/office/drawing/2014/main" id="{B655BFF1-EDCC-421B-8657-0A9C150180DE}"/>
+                <a16:creationId xmlns:a16="http://schemas.microsoft.com/office/drawing/2014/main" id="{D39877A2-4484-4150-AE81-F554E18CCBBC}"/>
               </a:ext>
             </a:extLst>
           </p:cNvPr>
@@ -7084,270 +10330,79 @@
             <p:ph idx="1"/>
           </p:nvPr>
         </p:nvSpPr>
-        <p:spPr>
-          <a:xfrm>
-            <a:off x="1103312" y="1630017"/>
-            <a:ext cx="8946541" cy="3944579"/>
-          </a:xfrm>
-        </p:spPr>
-        <p:txBody>
-          <a:bodyPr>
-            <a:noAutofit/>
-          </a:bodyPr>
+        <p:spPr/>
+        <p:txBody>
+          <a:bodyPr/>
           <a:lstStyle/>
           <a:p>
             <a:r>
-              <a:rPr lang="en-US" sz="1800" dirty="0"/>
-              <a:t>Vaccine 14 vaccines data from UNICEF</a:t>
+              <a:rPr lang="en-US" dirty="0"/>
+              <a:t>My background in vaccine research</a:t>
+            </a:r>
+          </a:p>
+          <a:p>
+            <a:endParaRPr lang="en-US" dirty="0"/>
+          </a:p>
+          <a:p>
+            <a:r>
+              <a:rPr lang="en-US" dirty="0"/>
+              <a:t>Availability of datasets for our analyses that are:</a:t>
             </a:r>
           </a:p>
           <a:p>
             <a:pPr lvl="1"/>
             <a:r>
               <a:rPr lang="en-US" dirty="0"/>
-              <a:t>BCG, RCV, MCV1, 2, PCV, DTP1, 3 -prevents Tuberculosis, Rubella, Measles, Pneumonia, </a:t>
-            </a:r>
-            <a:r>
-              <a:rPr lang="en-US" dirty="0" err="1"/>
-              <a:t>Diptheria</a:t>
-            </a:r>
+              <a:t>Large</a:t>
+            </a:r>
+          </a:p>
+          <a:p>
+            <a:pPr lvl="1"/>
+            <a:r>
+              <a:rPr lang="en-US" dirty="0"/>
+              <a:t>Reliable</a:t>
+            </a:r>
+          </a:p>
+          <a:p>
+            <a:pPr lvl="1"/>
+            <a:r>
+              <a:rPr lang="en-US" dirty="0"/>
+              <a:t>Clean</a:t>
+            </a:r>
+          </a:p>
+          <a:p>
+            <a:pPr lvl="1"/>
             <a:endParaRPr lang="en-US" dirty="0"/>
           </a:p>
           <a:p>
-            <a:pPr lvl="1"/>
-            <a:r>
-              <a:rPr lang="en-US" dirty="0" err="1"/>
-              <a:t>HiB</a:t>
-            </a:r>
-            <a:r>
-              <a:rPr lang="en-US" dirty="0"/>
-              <a:t> - Meningitis, </a:t>
-            </a:r>
-          </a:p>
-          <a:p>
-            <a:pPr lvl="1"/>
-            <a:r>
-              <a:rPr lang="en-US" dirty="0"/>
-              <a:t>ROTAC- prevents intestinal infections</a:t>
-            </a:r>
-          </a:p>
-          <a:p>
-            <a:pPr lvl="1"/>
-            <a:r>
-              <a:rPr lang="en-US" dirty="0"/>
-              <a:t>Hepb3, </a:t>
-            </a:r>
-            <a:r>
-              <a:rPr lang="en-US" dirty="0" err="1"/>
-              <a:t>Hepbb</a:t>
-            </a:r>
-            <a:r>
-              <a:rPr lang="en-US" dirty="0"/>
-              <a:t>- prevents hepatitis</a:t>
-            </a:r>
-          </a:p>
-          <a:p>
-            <a:pPr lvl="1"/>
-            <a:r>
-              <a:rPr lang="en-US" dirty="0"/>
-              <a:t>IPV, POL3 – prevents polio disease </a:t>
-            </a:r>
-          </a:p>
-          <a:p>
-            <a:pPr lvl="1"/>
-            <a:r>
-              <a:rPr lang="en-US" dirty="0"/>
-              <a:t>YFV- prevents yellow fever</a:t>
-            </a:r>
-          </a:p>
-        </p:txBody>
-      </p:sp>
-      <p:sp>
-        <p:nvSpPr>
-          <p:cNvPr id="7" name="Title 1">
+            <a:pPr marL="457200" lvl="1" indent="0">
+              <a:buNone/>
+            </a:pPr>
+            <a:endParaRPr lang="en-US" dirty="0"/>
+          </a:p>
+          <a:p>
+            <a:endParaRPr lang="en-US" dirty="0"/>
+          </a:p>
+          <a:p>
+            <a:endParaRPr lang="en-US" dirty="0"/>
+          </a:p>
+          <a:p>
+            <a:endParaRPr lang="en-US" dirty="0"/>
+          </a:p>
+          <a:p>
+            <a:endParaRPr lang="en-US" dirty="0"/>
+          </a:p>
+          <a:p>
+            <a:endParaRPr lang="en-US" dirty="0"/>
+          </a:p>
+        </p:txBody>
+      </p:sp>
+      <p:sp>
+        <p:nvSpPr>
+          <p:cNvPr id="4" name="Title 1">
             <a:extLst>
               <a:ext uri="{FF2B5EF4-FFF2-40B4-BE49-F238E27FC236}">
-                <a16:creationId xmlns:a16="http://schemas.microsoft.com/office/drawing/2014/main" id="{74435D4D-5269-984F-A536-0A1F00449486}"/>
-              </a:ext>
-            </a:extLst>
-          </p:cNvPr>
-          <p:cNvSpPr>
-            <a:spLocks noGrp="1"/>
-          </p:cNvSpPr>
-          <p:nvPr>
-            <p:ph type="title"/>
-          </p:nvPr>
-        </p:nvSpPr>
-        <p:spPr>
-          <a:xfrm>
-            <a:off x="3535089" y="452718"/>
-            <a:ext cx="5224601" cy="832743"/>
-          </a:xfrm>
-        </p:spPr>
-        <p:txBody>
-          <a:bodyPr/>
-          <a:lstStyle/>
-          <a:p>
-            <a:pPr algn="ctr"/>
-            <a:r>
-              <a:rPr lang="en-US" dirty="0"/>
-              <a:t>Datasets</a:t>
-            </a:r>
-          </a:p>
-        </p:txBody>
-      </p:sp>
-    </p:spTree>
-    <p:extLst>
-      <p:ext uri="{BB962C8B-B14F-4D97-AF65-F5344CB8AC3E}">
-        <p14:creationId xmlns:p14="http://schemas.microsoft.com/office/powerpoint/2010/main" val="514128127"/>
-      </p:ext>
-    </p:extLst>
-  </p:cSld>
-  <p:clrMapOvr>
-    <a:masterClrMapping/>
-  </p:clrMapOvr>
-</p:sld>
-</file>
-
-<file path=ppt/slides/slide5.xml><?xml version="1.0" encoding="utf-8"?>
-<p:sld xmlns:a="http://schemas.openxmlformats.org/drawingml/2006/main" xmlns:r="http://schemas.openxmlformats.org/officeDocument/2006/relationships" xmlns:p="http://schemas.openxmlformats.org/presentationml/2006/main">
-  <p:cSld>
-    <p:spTree>
-      <p:nvGrpSpPr>
-        <p:cNvPr id="1" name=""/>
-        <p:cNvGrpSpPr/>
-        <p:nvPr/>
-      </p:nvGrpSpPr>
-      <p:grpSpPr>
-        <a:xfrm>
-          <a:off x="0" y="0"/>
-          <a:ext cx="0" cy="0"/>
-          <a:chOff x="0" y="0"/>
-          <a:chExt cx="0" cy="0"/>
-        </a:xfrm>
-      </p:grpSpPr>
-      <p:sp>
-        <p:nvSpPr>
-          <p:cNvPr id="3" name="Content Placeholder 2">
-            <a:extLst>
-              <a:ext uri="{FF2B5EF4-FFF2-40B4-BE49-F238E27FC236}">
-                <a16:creationId xmlns:a16="http://schemas.microsoft.com/office/drawing/2014/main" id="{B655BFF1-EDCC-421B-8657-0A9C150180DE}"/>
-              </a:ext>
-            </a:extLst>
-          </p:cNvPr>
-          <p:cNvSpPr>
-            <a:spLocks noGrp="1"/>
-          </p:cNvSpPr>
-          <p:nvPr>
-            <p:ph idx="1"/>
-          </p:nvPr>
-        </p:nvSpPr>
-        <p:spPr>
-          <a:xfrm>
-            <a:off x="1103312" y="1363804"/>
-            <a:ext cx="8946541" cy="4195481"/>
-          </a:xfrm>
-        </p:spPr>
-        <p:txBody>
-          <a:bodyPr>
-            <a:normAutofit fontScale="92500" lnSpcReduction="20000"/>
-          </a:bodyPr>
-          <a:lstStyle/>
-          <a:p>
-            <a:r>
-              <a:rPr lang="en-US" dirty="0"/>
-              <a:t>UNICEF regions – </a:t>
-            </a:r>
-          </a:p>
-          <a:p>
-            <a:pPr lvl="1"/>
-            <a:r>
-              <a:rPr lang="en-US" dirty="0"/>
-              <a:t>ECAR – Europe and Central Asia</a:t>
-            </a:r>
-          </a:p>
-          <a:p>
-            <a:pPr lvl="1"/>
-            <a:r>
-              <a:rPr lang="en-US" dirty="0"/>
-              <a:t>EAPR– East Asia and Pacific</a:t>
-            </a:r>
-          </a:p>
-          <a:p>
-            <a:pPr lvl="1"/>
-            <a:r>
-              <a:rPr lang="en-US" dirty="0"/>
-              <a:t>ESAR - East, South Africa</a:t>
-            </a:r>
-          </a:p>
-          <a:p>
-            <a:pPr lvl="1"/>
-            <a:r>
-              <a:rPr lang="en-US" dirty="0"/>
-              <a:t>MENA- Middle East and North Africa</a:t>
-            </a:r>
-          </a:p>
-          <a:p>
-            <a:pPr lvl="1"/>
-            <a:r>
-              <a:rPr lang="en-US" dirty="0"/>
-              <a:t>ROSA - South Asia</a:t>
-            </a:r>
-          </a:p>
-          <a:p>
-            <a:pPr lvl="1"/>
-            <a:r>
-              <a:rPr lang="en-US" dirty="0"/>
-              <a:t>WCAR- West, Central Africa </a:t>
-            </a:r>
-          </a:p>
-          <a:p>
-            <a:pPr lvl="1"/>
-            <a:r>
-              <a:rPr lang="en-US" dirty="0"/>
-              <a:t> LACR - Latin America , Caribbean</a:t>
-            </a:r>
-          </a:p>
-          <a:p>
-            <a:pPr lvl="1"/>
-            <a:r>
-              <a:rPr lang="en-US" dirty="0"/>
-              <a:t>CEECIS- Russia, Eastern Europe </a:t>
-            </a:r>
-          </a:p>
-          <a:p>
-            <a:pPr lvl="1"/>
-            <a:r>
-              <a:rPr lang="en-US" dirty="0"/>
-              <a:t>Industrialized -  </a:t>
-            </a:r>
-            <a:r>
-              <a:rPr lang="en-US" dirty="0" err="1"/>
-              <a:t>Scandavia</a:t>
-            </a:r>
-            <a:r>
-              <a:rPr lang="en-US" dirty="0"/>
-              <a:t>, Western Europe, USA, Japan, Australia, Israel</a:t>
-            </a:r>
-          </a:p>
-          <a:p>
-            <a:pPr lvl="1"/>
-            <a:endParaRPr lang="en-US" dirty="0"/>
-          </a:p>
-          <a:p>
-            <a:r>
-              <a:rPr lang="en-US" dirty="0"/>
-              <a:t>Population data from World Bank</a:t>
-            </a:r>
-          </a:p>
-        </p:txBody>
-      </p:sp>
-      <p:sp>
-        <p:nvSpPr>
-          <p:cNvPr id="6" name="Title 1">
-            <a:extLst>
-              <a:ext uri="{FF2B5EF4-FFF2-40B4-BE49-F238E27FC236}">
-                <a16:creationId xmlns:a16="http://schemas.microsoft.com/office/drawing/2014/main" id="{4D09C356-F888-394F-9078-DAB622B04059}"/>
+                <a16:creationId xmlns:a16="http://schemas.microsoft.com/office/drawing/2014/main" id="{051E9129-A82C-4442-86FA-63401F0D721D}"/>
               </a:ext>
             </a:extLst>
           </p:cNvPr>
@@ -7445,7 +10500,7 @@
             <a:pPr algn="ctr"/>
             <a:r>
               <a:rPr lang="en-US" dirty="0"/>
-              <a:t>Datasets</a:t>
+              <a:t>Motivation</a:t>
             </a:r>
           </a:p>
         </p:txBody>
@@ -7453,7 +10508,7 @@
     </p:spTree>
     <p:extLst>
       <p:ext uri="{BB962C8B-B14F-4D97-AF65-F5344CB8AC3E}">
-        <p14:creationId xmlns:p14="http://schemas.microsoft.com/office/powerpoint/2010/main" val="3711917208"/>
+        <p14:creationId xmlns:p14="http://schemas.microsoft.com/office/powerpoint/2010/main" val="2172760159"/>
       </p:ext>
     </p:extLst>
   </p:cSld>
@@ -7463,7 +10518,7 @@
 </p:sld>
 </file>
 
-<file path=ppt/slides/slide6.xml><?xml version="1.0" encoding="utf-8"?>
+<file path=ppt/slides/slide4.xml><?xml version="1.0" encoding="utf-8"?>
 <p:sld xmlns:a="http://schemas.openxmlformats.org/drawingml/2006/main" xmlns:r="http://schemas.openxmlformats.org/officeDocument/2006/relationships" xmlns:p="http://schemas.openxmlformats.org/presentationml/2006/main">
   <p:cSld>
     <p:spTree>
@@ -7485,7 +10540,7 @@
           <p:cNvPr id="3" name="Content Placeholder 2">
             <a:extLst>
               <a:ext uri="{FF2B5EF4-FFF2-40B4-BE49-F238E27FC236}">
-                <a16:creationId xmlns:a16="http://schemas.microsoft.com/office/drawing/2014/main" id="{50F32E84-EEF6-48E1-B361-F4204ECC28DD}"/>
+                <a16:creationId xmlns:a16="http://schemas.microsoft.com/office/drawing/2014/main" id="{B655BFF1-EDCC-421B-8657-0A9C150180DE}"/>
               </a:ext>
             </a:extLst>
           </p:cNvPr>
@@ -7498,60 +10553,243 @@
         </p:nvSpPr>
         <p:spPr>
           <a:xfrm>
-            <a:off x="1103312" y="1973406"/>
+            <a:off x="1103312" y="1630017"/>
+            <a:ext cx="8946541" cy="3944579"/>
+          </a:xfrm>
+        </p:spPr>
+        <p:txBody>
+          <a:bodyPr>
+            <a:noAutofit/>
+          </a:bodyPr>
+          <a:lstStyle/>
+          <a:p>
+            <a:r>
+              <a:rPr lang="en-US" sz="1800" dirty="0"/>
+              <a:t>14 vaccines data from UNICEF</a:t>
+            </a:r>
+          </a:p>
+          <a:p>
+            <a:pPr lvl="1"/>
+            <a:r>
+              <a:rPr lang="en-US" dirty="0"/>
+              <a:t>BCG, RCV, MCV1, 2, PCV, DTP1, 3 -prevents Tuberculosis, Rubella, Measles, Pneumonia, Diphtheria</a:t>
+            </a:r>
+          </a:p>
+          <a:p>
+            <a:pPr lvl="1"/>
+            <a:r>
+              <a:rPr lang="en-US" dirty="0"/>
+              <a:t>Hi-B - Meningitis</a:t>
+            </a:r>
+          </a:p>
+          <a:p>
+            <a:pPr lvl="1"/>
+            <a:r>
+              <a:rPr lang="en-US" dirty="0"/>
+              <a:t>ROTAC- prevents intestinal infections</a:t>
+            </a:r>
+          </a:p>
+          <a:p>
+            <a:pPr lvl="1"/>
+            <a:r>
+              <a:rPr lang="en-US" dirty="0"/>
+              <a:t>Hepb3, Hep-bb - prevents hepatitis</a:t>
+            </a:r>
+          </a:p>
+          <a:p>
+            <a:pPr lvl="1"/>
+            <a:r>
+              <a:rPr lang="en-US" dirty="0"/>
+              <a:t>IPV, POL3 – prevents polio disease </a:t>
+            </a:r>
+          </a:p>
+          <a:p>
+            <a:pPr lvl="1"/>
+            <a:r>
+              <a:rPr lang="en-US" dirty="0"/>
+              <a:t>YFV- prevents yellow fever</a:t>
+            </a:r>
+          </a:p>
+        </p:txBody>
+      </p:sp>
+      <p:sp>
+        <p:nvSpPr>
+          <p:cNvPr id="7" name="Title 1">
+            <a:extLst>
+              <a:ext uri="{FF2B5EF4-FFF2-40B4-BE49-F238E27FC236}">
+                <a16:creationId xmlns:a16="http://schemas.microsoft.com/office/drawing/2014/main" id="{74435D4D-5269-984F-A536-0A1F00449486}"/>
+              </a:ext>
+            </a:extLst>
+          </p:cNvPr>
+          <p:cNvSpPr>
+            <a:spLocks noGrp="1"/>
+          </p:cNvSpPr>
+          <p:nvPr>
+            <p:ph type="title"/>
+          </p:nvPr>
+        </p:nvSpPr>
+        <p:spPr>
+          <a:xfrm>
+            <a:off x="3535089" y="452718"/>
+            <a:ext cx="5224601" cy="832743"/>
+          </a:xfrm>
+        </p:spPr>
+        <p:txBody>
+          <a:bodyPr/>
+          <a:lstStyle/>
+          <a:p>
+            <a:pPr algn="ctr"/>
+            <a:r>
+              <a:rPr lang="en-US" dirty="0"/>
+              <a:t>Datasets</a:t>
+            </a:r>
+          </a:p>
+        </p:txBody>
+      </p:sp>
+    </p:spTree>
+    <p:extLst>
+      <p:ext uri="{BB962C8B-B14F-4D97-AF65-F5344CB8AC3E}">
+        <p14:creationId xmlns:p14="http://schemas.microsoft.com/office/powerpoint/2010/main" val="514128127"/>
+      </p:ext>
+    </p:extLst>
+  </p:cSld>
+  <p:clrMapOvr>
+    <a:masterClrMapping/>
+  </p:clrMapOvr>
+</p:sld>
+</file>
+
+<file path=ppt/slides/slide5.xml><?xml version="1.0" encoding="utf-8"?>
+<p:sld xmlns:a="http://schemas.openxmlformats.org/drawingml/2006/main" xmlns:r="http://schemas.openxmlformats.org/officeDocument/2006/relationships" xmlns:p="http://schemas.openxmlformats.org/presentationml/2006/main">
+  <p:cSld>
+    <p:spTree>
+      <p:nvGrpSpPr>
+        <p:cNvPr id="1" name=""/>
+        <p:cNvGrpSpPr/>
+        <p:nvPr/>
+      </p:nvGrpSpPr>
+      <p:grpSpPr>
+        <a:xfrm>
+          <a:off x="0" y="0"/>
+          <a:ext cx="0" cy="0"/>
+          <a:chOff x="0" y="0"/>
+          <a:chExt cx="0" cy="0"/>
+        </a:xfrm>
+      </p:grpSpPr>
+      <p:sp>
+        <p:nvSpPr>
+          <p:cNvPr id="3" name="Content Placeholder 2">
+            <a:extLst>
+              <a:ext uri="{FF2B5EF4-FFF2-40B4-BE49-F238E27FC236}">
+                <a16:creationId xmlns:a16="http://schemas.microsoft.com/office/drawing/2014/main" id="{B655BFF1-EDCC-421B-8657-0A9C150180DE}"/>
+              </a:ext>
+            </a:extLst>
+          </p:cNvPr>
+          <p:cNvSpPr>
+            <a:spLocks noGrp="1"/>
+          </p:cNvSpPr>
+          <p:nvPr>
+            <p:ph idx="1"/>
+          </p:nvPr>
+        </p:nvSpPr>
+        <p:spPr>
+          <a:xfrm>
+            <a:off x="1103312" y="1363804"/>
             <a:ext cx="8946541" cy="4195481"/>
           </a:xfrm>
         </p:spPr>
         <p:txBody>
-          <a:bodyPr/>
+          <a:bodyPr>
+            <a:normAutofit fontScale="92500" lnSpcReduction="20000"/>
+          </a:bodyPr>
           <a:lstStyle/>
           <a:p>
+            <a:r>
+              <a:rPr lang="en-US" dirty="0"/>
+              <a:t>UNICEF regions – </a:t>
+            </a:r>
+          </a:p>
+          <a:p>
+            <a:pPr lvl="1"/>
+            <a:r>
+              <a:rPr lang="en-US" dirty="0"/>
+              <a:t>ECAR – Europe and Central Asia</a:t>
+            </a:r>
+          </a:p>
+          <a:p>
+            <a:pPr lvl="1"/>
+            <a:r>
+              <a:rPr lang="en-US" dirty="0"/>
+              <a:t>EAPR– East Asia and Pacific</a:t>
+            </a:r>
+          </a:p>
+          <a:p>
+            <a:pPr lvl="1"/>
+            <a:r>
+              <a:rPr lang="en-US" dirty="0"/>
+              <a:t>ESAR - East, South Africa</a:t>
+            </a:r>
+          </a:p>
+          <a:p>
+            <a:pPr lvl="1"/>
+            <a:r>
+              <a:rPr lang="en-US" dirty="0"/>
+              <a:t>MENA- Middle East and North Africa</a:t>
+            </a:r>
+          </a:p>
+          <a:p>
+            <a:pPr lvl="1"/>
+            <a:r>
+              <a:rPr lang="en-US" dirty="0"/>
+              <a:t>ROSA - South Asia</a:t>
+            </a:r>
+          </a:p>
+          <a:p>
+            <a:pPr lvl="1"/>
+            <a:r>
+              <a:rPr lang="en-US" dirty="0"/>
+              <a:t>WCAR- West, Central Africa </a:t>
+            </a:r>
+          </a:p>
+          <a:p>
+            <a:pPr lvl="1"/>
+            <a:r>
+              <a:rPr lang="en-US" dirty="0"/>
+              <a:t> LACR - Latin America , Caribbean</a:t>
+            </a:r>
+          </a:p>
+          <a:p>
+            <a:pPr lvl="1"/>
+            <a:r>
+              <a:rPr lang="en-US" dirty="0"/>
+              <a:t>CEECIS- Russia, Eastern Europe </a:t>
+            </a:r>
+          </a:p>
+          <a:p>
+            <a:pPr lvl="1"/>
+            <a:r>
+              <a:rPr lang="en-US" dirty="0"/>
+              <a:t>Industrialized -  Scandinavia, Western Europe, USA, Japan, Australia, Israel</a:t>
+            </a:r>
+          </a:p>
+          <a:p>
+            <a:pPr lvl="1"/>
             <a:endParaRPr lang="en-US" dirty="0"/>
           </a:p>
           <a:p>
             <a:r>
               <a:rPr lang="en-US" dirty="0"/>
-              <a:t>Which countries are better vaccinated than others?</a:t>
-            </a:r>
-          </a:p>
-          <a:p>
-            <a:endParaRPr lang="en-US" dirty="0"/>
-          </a:p>
-          <a:p>
-            <a:r>
-              <a:rPr lang="en-US" dirty="0"/>
-              <a:t>What are the causes of variation?</a:t>
-            </a:r>
-          </a:p>
-          <a:p>
-            <a:endParaRPr lang="en-US" dirty="0"/>
-          </a:p>
-          <a:p>
-            <a:r>
-              <a:rPr lang="en-US" dirty="0"/>
-              <a:t>Does vaccination decrease infant mortality?</a:t>
-            </a:r>
-          </a:p>
-          <a:p>
-            <a:endParaRPr lang="en-US" dirty="0"/>
-          </a:p>
-          <a:p>
-            <a:r>
-              <a:rPr lang="en-US" dirty="0"/>
-              <a:t>Does it increase life expectancy?</a:t>
-            </a:r>
-          </a:p>
-          <a:p>
-            <a:endParaRPr lang="en-US" dirty="0"/>
-          </a:p>
-        </p:txBody>
-      </p:sp>
-      <p:sp>
-        <p:nvSpPr>
-          <p:cNvPr id="4" name="Title 1">
+              <a:t>Population data from World Bank</a:t>
+            </a:r>
+          </a:p>
+        </p:txBody>
+      </p:sp>
+      <p:sp>
+        <p:nvSpPr>
+          <p:cNvPr id="6" name="Title 1">
             <a:extLst>
               <a:ext uri="{FF2B5EF4-FFF2-40B4-BE49-F238E27FC236}">
-                <a16:creationId xmlns:a16="http://schemas.microsoft.com/office/drawing/2014/main" id="{A66406C7-12AF-7F4C-BE90-62DCFF515363}"/>
+                <a16:creationId xmlns:a16="http://schemas.microsoft.com/office/drawing/2014/main" id="{4D09C356-F888-394F-9078-DAB622B04059}"/>
               </a:ext>
             </a:extLst>
           </p:cNvPr>
@@ -7649,7 +10887,7 @@
             <a:pPr algn="ctr"/>
             <a:r>
               <a:rPr lang="en-US" dirty="0"/>
-              <a:t>Goals</a:t>
+              <a:t>Datasets</a:t>
             </a:r>
           </a:p>
         </p:txBody>
@@ -7657,7 +10895,7 @@
     </p:spTree>
     <p:extLst>
       <p:ext uri="{BB962C8B-B14F-4D97-AF65-F5344CB8AC3E}">
-        <p14:creationId xmlns:p14="http://schemas.microsoft.com/office/powerpoint/2010/main" val="2582787308"/>
+        <p14:creationId xmlns:p14="http://schemas.microsoft.com/office/powerpoint/2010/main" val="3711917208"/>
       </p:ext>
     </p:extLst>
   </p:cSld>
@@ -7667,7 +10905,7 @@
 </p:sld>
 </file>
 
-<file path=ppt/slides/slide7.xml><?xml version="1.0" encoding="utf-8"?>
+<file path=ppt/slides/slide6.xml><?xml version="1.0" encoding="utf-8"?>
 <p:sld xmlns:a="http://schemas.openxmlformats.org/drawingml/2006/main" xmlns:r="http://schemas.openxmlformats.org/officeDocument/2006/relationships" xmlns:p="http://schemas.openxmlformats.org/presentationml/2006/main">
   <p:cSld>
     <p:spTree>
@@ -7686,10 +10924,10 @@
       </p:grpSpPr>
       <p:sp>
         <p:nvSpPr>
-          <p:cNvPr id="4" name="Text Placeholder 3">
+          <p:cNvPr id="3" name="Content Placeholder 2">
             <a:extLst>
               <a:ext uri="{FF2B5EF4-FFF2-40B4-BE49-F238E27FC236}">
-                <a16:creationId xmlns:a16="http://schemas.microsoft.com/office/drawing/2014/main" id="{3627B753-D9C2-A44C-AB00-71F1311927CD}"/>
+                <a16:creationId xmlns:a16="http://schemas.microsoft.com/office/drawing/2014/main" id="{50F32E84-EEF6-48E1-B361-F4204ECC28DD}"/>
               </a:ext>
             </a:extLst>
           </p:cNvPr>
@@ -7697,70 +10935,78 @@
             <a:spLocks noGrp="1"/>
           </p:cNvSpPr>
           <p:nvPr>
-            <p:ph type="body" sz="half" idx="2"/>
-          </p:nvPr>
-        </p:nvSpPr>
-        <p:spPr/>
+            <p:ph idx="1"/>
+          </p:nvPr>
+        </p:nvSpPr>
+        <p:spPr>
+          <a:xfrm>
+            <a:off x="1103312" y="1973406"/>
+            <a:ext cx="8946541" cy="4195481"/>
+          </a:xfrm>
+        </p:spPr>
         <p:txBody>
           <a:bodyPr/>
           <a:lstStyle/>
           <a:p>
             <a:endParaRPr lang="en-US" dirty="0"/>
           </a:p>
-        </p:txBody>
-      </p:sp>
-      <p:pic>
-        <p:nvPicPr>
-          <p:cNvPr id="5" name="Content Placeholder 14">
+          <a:p>
+            <a:r>
+              <a:rPr lang="en-US" dirty="0"/>
+              <a:t>Which countries are better vaccinated than others?</a:t>
+            </a:r>
+          </a:p>
+          <a:p>
+            <a:endParaRPr lang="en-US" dirty="0"/>
+          </a:p>
+          <a:p>
+            <a:r>
+              <a:rPr lang="en-US" dirty="0"/>
+              <a:t>What are the causes of variation?</a:t>
+            </a:r>
+          </a:p>
+          <a:p>
+            <a:endParaRPr lang="en-US" dirty="0"/>
+          </a:p>
+          <a:p>
+            <a:r>
+              <a:rPr lang="en-US" dirty="0"/>
+              <a:t>Does vaccination decrease infant mortality?</a:t>
+            </a:r>
+          </a:p>
+          <a:p>
+            <a:endParaRPr lang="en-US" dirty="0"/>
+          </a:p>
+          <a:p>
+            <a:r>
+              <a:rPr lang="en-US" dirty="0"/>
+              <a:t>Does it increase life expectancy?</a:t>
+            </a:r>
+          </a:p>
+          <a:p>
+            <a:endParaRPr lang="en-US" dirty="0"/>
+          </a:p>
+        </p:txBody>
+      </p:sp>
+      <p:sp>
+        <p:nvSpPr>
+          <p:cNvPr id="4" name="Title 1">
             <a:extLst>
               <a:ext uri="{FF2B5EF4-FFF2-40B4-BE49-F238E27FC236}">
-                <a16:creationId xmlns:a16="http://schemas.microsoft.com/office/drawing/2014/main" id="{8029A2E3-A9DB-6649-A590-FDB57D9DEA4B}"/>
-              </a:ext>
-            </a:extLst>
-          </p:cNvPr>
-          <p:cNvPicPr>
-            <a:picLocks noGrp="1" noChangeAspect="1"/>
-          </p:cNvPicPr>
-          <p:nvPr>
-            <p:ph idx="1"/>
-          </p:nvPr>
-        </p:nvPicPr>
-        <p:blipFill>
-          <a:blip r:embed="rId2">
-            <a:extLst>
-              <a:ext uri="{28A0092B-C50C-407E-A947-70E740481C1C}">
-                <a14:useLocalDpi xmlns:a14="http://schemas.microsoft.com/office/drawing/2010/main" val="0"/>
-              </a:ext>
-            </a:extLst>
-          </a:blip>
-          <a:stretch>
-            <a:fillRect/>
-          </a:stretch>
-        </p:blipFill>
-        <p:spPr>
-          <a:xfrm>
-            <a:off x="4920823" y="1447800"/>
-            <a:ext cx="4923692" cy="4572000"/>
-          </a:xfrm>
-        </p:spPr>
-      </p:pic>
-      <p:sp>
-        <p:nvSpPr>
-          <p:cNvPr id="7" name="Title 1">
-            <a:extLst>
-              <a:ext uri="{FF2B5EF4-FFF2-40B4-BE49-F238E27FC236}">
-                <a16:creationId xmlns:a16="http://schemas.microsoft.com/office/drawing/2014/main" id="{CFD45970-9C37-364A-94B4-3148A18803C3}"/>
+                <a16:creationId xmlns:a16="http://schemas.microsoft.com/office/drawing/2014/main" id="{A66406C7-12AF-7F4C-BE90-62DCFF515363}"/>
               </a:ext>
             </a:extLst>
           </p:cNvPr>
           <p:cNvSpPr txBox="1">
-            <a:spLocks noGrp="1"/>
-          </p:cNvSpPr>
-          <p:nvPr>
-            <p:ph type="title"/>
-          </p:nvPr>
+            <a:spLocks/>
+          </p:cNvSpPr>
+          <p:nvPr/>
         </p:nvSpPr>
         <p:spPr>
+          <a:xfrm>
+            <a:off x="3747121" y="452718"/>
+            <a:ext cx="3899385" cy="832743"/>
+          </a:xfrm>
           <a:prstGeom prst="rect">
             <a:avLst/>
           </a:prstGeom>
@@ -7845,7 +11091,7 @@
             <a:pPr algn="ctr"/>
             <a:r>
               <a:rPr lang="en-US" dirty="0"/>
-              <a:t>Who fares better? </a:t>
+              <a:t>Goals</a:t>
             </a:r>
           </a:p>
         </p:txBody>
@@ -7853,7 +11099,7 @@
     </p:spTree>
     <p:extLst>
       <p:ext uri="{BB962C8B-B14F-4D97-AF65-F5344CB8AC3E}">
-        <p14:creationId xmlns:p14="http://schemas.microsoft.com/office/powerpoint/2010/main" val="3446863241"/>
+        <p14:creationId xmlns:p14="http://schemas.microsoft.com/office/powerpoint/2010/main" val="2582787308"/>
       </p:ext>
     </p:extLst>
   </p:cSld>
@@ -7863,7 +11109,7 @@
 </p:sld>
 </file>
 
-<file path=ppt/slides/slide8.xml><?xml version="1.0" encoding="utf-8"?>
+<file path=ppt/slides/slide7.xml><?xml version="1.0" encoding="utf-8"?>
 <p:sld xmlns:a="http://schemas.openxmlformats.org/drawingml/2006/main" xmlns:r="http://schemas.openxmlformats.org/officeDocument/2006/relationships" xmlns:p="http://schemas.openxmlformats.org/presentationml/2006/main">
   <p:cSld>
     <p:spTree>
@@ -7885,7 +11131,7 @@
           <p:cNvPr id="4" name="Text Placeholder 3">
             <a:extLst>
               <a:ext uri="{FF2B5EF4-FFF2-40B4-BE49-F238E27FC236}">
-                <a16:creationId xmlns:a16="http://schemas.microsoft.com/office/drawing/2014/main" id="{8FB36F4E-70D9-1C4B-ABF2-6914837EEE4D}"/>
+                <a16:creationId xmlns:a16="http://schemas.microsoft.com/office/drawing/2014/main" id="{3627B753-D9C2-A44C-AB00-71F1311927CD}"/>
               </a:ext>
             </a:extLst>
           </p:cNvPr>
@@ -7898,19 +11144,38 @@
         </p:nvSpPr>
         <p:spPr/>
         <p:txBody>
-          <a:bodyPr/>
+          <a:bodyPr>
+            <a:normAutofit/>
+          </a:bodyPr>
           <a:lstStyle/>
           <a:p>
-            <a:endParaRPr lang="en-US" dirty="0"/>
+            <a:pPr marL="342900" indent="-342900">
+              <a:buFont typeface="Wingdings" pitchFamily="2" charset="2"/>
+              <a:buChar char="Ø"/>
+            </a:pPr>
+            <a:r>
+              <a:rPr lang="en-US" sz="2000" dirty="0"/>
+              <a:t>India </a:t>
+            </a:r>
+          </a:p>
+          <a:p>
+            <a:pPr marL="342900" indent="-342900">
+              <a:buFont typeface="Wingdings" pitchFamily="2" charset="2"/>
+              <a:buChar char="Ø"/>
+            </a:pPr>
+            <a:r>
+              <a:rPr lang="en-US" sz="2000" dirty="0"/>
+              <a:t>China</a:t>
+            </a:r>
           </a:p>
         </p:txBody>
       </p:sp>
       <p:pic>
         <p:nvPicPr>
-          <p:cNvPr id="5" name="Content Placeholder 10">
+          <p:cNvPr id="5" name="Content Placeholder 14">
             <a:extLst>
               <a:ext uri="{FF2B5EF4-FFF2-40B4-BE49-F238E27FC236}">
-                <a16:creationId xmlns:a16="http://schemas.microsoft.com/office/drawing/2014/main" id="{8F9609A2-3B20-2146-8685-CF847692A2CD}"/>
+                <a16:creationId xmlns:a16="http://schemas.microsoft.com/office/drawing/2014/main" id="{8029A2E3-A9DB-6649-A590-FDB57D9DEA4B}"/>
               </a:ext>
             </a:extLst>
           </p:cNvPr>
@@ -7942,10 +11207,10 @@
       </p:pic>
       <p:sp>
         <p:nvSpPr>
-          <p:cNvPr id="6" name="Title 1">
+          <p:cNvPr id="7" name="Title 1">
             <a:extLst>
               <a:ext uri="{FF2B5EF4-FFF2-40B4-BE49-F238E27FC236}">
-                <a16:creationId xmlns:a16="http://schemas.microsoft.com/office/drawing/2014/main" id="{3B475D47-611B-3E43-BB03-C0605BE0B416}"/>
+                <a16:creationId xmlns:a16="http://schemas.microsoft.com/office/drawing/2014/main" id="{CFD45970-9C37-364A-94B4-3148A18803C3}"/>
               </a:ext>
             </a:extLst>
           </p:cNvPr>
@@ -8041,7 +11306,7 @@
             <a:pPr algn="ctr"/>
             <a:r>
               <a:rPr lang="en-US" dirty="0"/>
-              <a:t>Who fares better ?</a:t>
+              <a:t>Who fares better? </a:t>
             </a:r>
           </a:p>
         </p:txBody>
@@ -8049,7 +11314,7 @@
     </p:spTree>
     <p:extLst>
       <p:ext uri="{BB962C8B-B14F-4D97-AF65-F5344CB8AC3E}">
-        <p14:creationId xmlns:p14="http://schemas.microsoft.com/office/powerpoint/2010/main" val="1160407983"/>
+        <p14:creationId xmlns:p14="http://schemas.microsoft.com/office/powerpoint/2010/main" val="3446863241"/>
       </p:ext>
     </p:extLst>
   </p:cSld>
@@ -8059,7 +11324,7 @@
 </p:sld>
 </file>
 
-<file path=ppt/slides/slide9.xml><?xml version="1.0" encoding="utf-8"?>
+<file path=ppt/slides/slide8.xml><?xml version="1.0" encoding="utf-8"?>
 <p:sld xmlns:a="http://schemas.openxmlformats.org/drawingml/2006/main" xmlns:r="http://schemas.openxmlformats.org/officeDocument/2006/relationships" xmlns:p="http://schemas.openxmlformats.org/presentationml/2006/main">
   <p:cSld>
     <p:spTree>
@@ -8076,37 +11341,47 @@
           <a:chExt cx="0" cy="0"/>
         </a:xfrm>
       </p:grpSpPr>
-      <p:sp>
-        <p:nvSpPr>
-          <p:cNvPr id="4" name="Text Placeholder 3">
+      <p:pic>
+        <p:nvPicPr>
+          <p:cNvPr id="5" name="Content Placeholder 10">
             <a:extLst>
               <a:ext uri="{FF2B5EF4-FFF2-40B4-BE49-F238E27FC236}">
-                <a16:creationId xmlns:a16="http://schemas.microsoft.com/office/drawing/2014/main" id="{6B205B19-75FE-254C-8E36-03DEF0740DB3}"/>
+                <a16:creationId xmlns:a16="http://schemas.microsoft.com/office/drawing/2014/main" id="{8F9609A2-3B20-2146-8685-CF847692A2CD}"/>
               </a:ext>
             </a:extLst>
           </p:cNvPr>
-          <p:cNvSpPr>
-            <a:spLocks noGrp="1"/>
-          </p:cNvSpPr>
-          <p:nvPr>
-            <p:ph type="body" sz="half" idx="2"/>
-          </p:nvPr>
-        </p:nvSpPr>
-        <p:spPr/>
-        <p:txBody>
-          <a:bodyPr/>
-          <a:lstStyle/>
-          <a:p>
-            <a:endParaRPr lang="en-US"/>
-          </a:p>
-        </p:txBody>
-      </p:sp>
-      <p:sp>
-        <p:nvSpPr>
-          <p:cNvPr id="5" name="Title 1">
+          <p:cNvPicPr>
+            <a:picLocks noGrp="1" noChangeAspect="1"/>
+          </p:cNvPicPr>
+          <p:nvPr>
+            <p:ph idx="1"/>
+          </p:nvPr>
+        </p:nvPicPr>
+        <p:blipFill>
+          <a:blip r:embed="rId2">
+            <a:extLst>
+              <a:ext uri="{28A0092B-C50C-407E-A947-70E740481C1C}">
+                <a14:useLocalDpi xmlns:a14="http://schemas.microsoft.com/office/drawing/2010/main" val="0"/>
+              </a:ext>
+            </a:extLst>
+          </a:blip>
+          <a:stretch>
+            <a:fillRect/>
+          </a:stretch>
+        </p:blipFill>
+        <p:spPr>
+          <a:xfrm>
+            <a:off x="4920823" y="1447800"/>
+            <a:ext cx="4923692" cy="4572000"/>
+          </a:xfrm>
+        </p:spPr>
+      </p:pic>
+      <p:sp>
+        <p:nvSpPr>
+          <p:cNvPr id="6" name="Title 1">
             <a:extLst>
               <a:ext uri="{FF2B5EF4-FFF2-40B4-BE49-F238E27FC236}">
-                <a16:creationId xmlns:a16="http://schemas.microsoft.com/office/drawing/2014/main" id="{B75AD522-C102-EE46-9F89-36161710D59E}"/>
+                <a16:creationId xmlns:a16="http://schemas.microsoft.com/office/drawing/2014/main" id="{3B475D47-611B-3E43-BB03-C0605BE0B416}"/>
               </a:ext>
             </a:extLst>
           </p:cNvPr>
@@ -8207,6 +11482,191 @@
           </a:p>
         </p:txBody>
       </p:sp>
+      <p:sp>
+        <p:nvSpPr>
+          <p:cNvPr id="7" name="Text Placeholder 3">
+            <a:extLst>
+              <a:ext uri="{FF2B5EF4-FFF2-40B4-BE49-F238E27FC236}">
+                <a16:creationId xmlns:a16="http://schemas.microsoft.com/office/drawing/2014/main" id="{3CEF5458-0590-884C-AE62-3128793050EC}"/>
+              </a:ext>
+            </a:extLst>
+          </p:cNvPr>
+          <p:cNvSpPr>
+            <a:spLocks noGrp="1"/>
+          </p:cNvSpPr>
+          <p:nvPr>
+            <p:ph type="body" sz="half" idx="2"/>
+          </p:nvPr>
+        </p:nvSpPr>
+        <p:spPr>
+          <a:xfrm>
+            <a:off x="1154953" y="3129280"/>
+            <a:ext cx="3401063" cy="2895599"/>
+          </a:xfrm>
+        </p:spPr>
+        <p:txBody>
+          <a:bodyPr>
+            <a:normAutofit/>
+          </a:bodyPr>
+          <a:lstStyle/>
+          <a:p>
+            <a:pPr marL="342900" indent="-342900">
+              <a:buFont typeface="Wingdings" pitchFamily="2" charset="2"/>
+              <a:buChar char="Ø"/>
+            </a:pPr>
+            <a:r>
+              <a:rPr lang="en-US" sz="2000" dirty="0"/>
+              <a:t>India </a:t>
+            </a:r>
+          </a:p>
+          <a:p>
+            <a:pPr marL="342900" indent="-342900">
+              <a:buFont typeface="Wingdings" pitchFamily="2" charset="2"/>
+              <a:buChar char="Ø"/>
+            </a:pPr>
+            <a:r>
+              <a:rPr lang="en-US" sz="2000" dirty="0"/>
+              <a:t>China</a:t>
+            </a:r>
+          </a:p>
+        </p:txBody>
+      </p:sp>
+    </p:spTree>
+    <p:extLst>
+      <p:ext uri="{BB962C8B-B14F-4D97-AF65-F5344CB8AC3E}">
+        <p14:creationId xmlns:p14="http://schemas.microsoft.com/office/powerpoint/2010/main" val="1160407983"/>
+      </p:ext>
+    </p:extLst>
+  </p:cSld>
+  <p:clrMapOvr>
+    <a:masterClrMapping/>
+  </p:clrMapOvr>
+</p:sld>
+</file>
+
+<file path=ppt/slides/slide9.xml><?xml version="1.0" encoding="utf-8"?>
+<p:sld xmlns:a="http://schemas.openxmlformats.org/drawingml/2006/main" xmlns:r="http://schemas.openxmlformats.org/officeDocument/2006/relationships" xmlns:p="http://schemas.openxmlformats.org/presentationml/2006/main">
+  <p:cSld>
+    <p:spTree>
+      <p:nvGrpSpPr>
+        <p:cNvPr id="1" name=""/>
+        <p:cNvGrpSpPr/>
+        <p:nvPr/>
+      </p:nvGrpSpPr>
+      <p:grpSpPr>
+        <a:xfrm>
+          <a:off x="0" y="0"/>
+          <a:ext cx="0" cy="0"/>
+          <a:chOff x="0" y="0"/>
+          <a:chExt cx="0" cy="0"/>
+        </a:xfrm>
+      </p:grpSpPr>
+      <p:sp>
+        <p:nvSpPr>
+          <p:cNvPr id="5" name="Title 1">
+            <a:extLst>
+              <a:ext uri="{FF2B5EF4-FFF2-40B4-BE49-F238E27FC236}">
+                <a16:creationId xmlns:a16="http://schemas.microsoft.com/office/drawing/2014/main" id="{B75AD522-C102-EE46-9F89-36161710D59E}"/>
+              </a:ext>
+            </a:extLst>
+          </p:cNvPr>
+          <p:cNvSpPr txBox="1">
+            <a:spLocks noGrp="1"/>
+          </p:cNvSpPr>
+          <p:nvPr>
+            <p:ph type="title"/>
+          </p:nvPr>
+        </p:nvSpPr>
+        <p:spPr>
+          <a:prstGeom prst="rect">
+            <a:avLst/>
+          </a:prstGeom>
+        </p:spPr>
+        <p:txBody>
+          <a:bodyPr vert="horz" lIns="91440" tIns="45720" rIns="91440" bIns="45720" rtlCol="0" anchor="t">
+            <a:noAutofit/>
+          </a:bodyPr>
+          <a:lstStyle>
+            <a:lvl1pPr algn="l" defTabSz="457200" rtl="0" eaLnBrk="1" latinLnBrk="0" hangingPunct="1">
+              <a:spcBef>
+                <a:spcPct val="0"/>
+              </a:spcBef>
+              <a:buNone/>
+              <a:defRPr sz="4200" b="0" i="0" kern="1200">
+                <a:solidFill>
+                  <a:schemeClr val="tx2"/>
+                </a:solidFill>
+                <a:latin typeface="+mj-lt"/>
+                <a:ea typeface="+mj-ea"/>
+                <a:cs typeface="+mj-cs"/>
+              </a:defRPr>
+            </a:lvl1pPr>
+            <a:lvl2pPr eaLnBrk="1" hangingPunct="1">
+              <a:defRPr>
+                <a:solidFill>
+                  <a:schemeClr val="tx2"/>
+                </a:solidFill>
+              </a:defRPr>
+            </a:lvl2pPr>
+            <a:lvl3pPr eaLnBrk="1" hangingPunct="1">
+              <a:defRPr>
+                <a:solidFill>
+                  <a:schemeClr val="tx2"/>
+                </a:solidFill>
+              </a:defRPr>
+            </a:lvl3pPr>
+            <a:lvl4pPr eaLnBrk="1" hangingPunct="1">
+              <a:defRPr>
+                <a:solidFill>
+                  <a:schemeClr val="tx2"/>
+                </a:solidFill>
+              </a:defRPr>
+            </a:lvl4pPr>
+            <a:lvl5pPr eaLnBrk="1" hangingPunct="1">
+              <a:defRPr>
+                <a:solidFill>
+                  <a:schemeClr val="tx2"/>
+                </a:solidFill>
+              </a:defRPr>
+            </a:lvl5pPr>
+            <a:lvl6pPr eaLnBrk="1" hangingPunct="1">
+              <a:defRPr>
+                <a:solidFill>
+                  <a:schemeClr val="tx2"/>
+                </a:solidFill>
+              </a:defRPr>
+            </a:lvl6pPr>
+            <a:lvl7pPr eaLnBrk="1" hangingPunct="1">
+              <a:defRPr>
+                <a:solidFill>
+                  <a:schemeClr val="tx2"/>
+                </a:solidFill>
+              </a:defRPr>
+            </a:lvl7pPr>
+            <a:lvl8pPr eaLnBrk="1" hangingPunct="1">
+              <a:defRPr>
+                <a:solidFill>
+                  <a:schemeClr val="tx2"/>
+                </a:solidFill>
+              </a:defRPr>
+            </a:lvl8pPr>
+            <a:lvl9pPr eaLnBrk="1" hangingPunct="1">
+              <a:defRPr>
+                <a:solidFill>
+                  <a:schemeClr val="tx2"/>
+                </a:solidFill>
+              </a:defRPr>
+            </a:lvl9pPr>
+          </a:lstStyle>
+          <a:p>
+            <a:pPr algn="ctr"/>
+            <a:r>
+              <a:rPr lang="en-US" dirty="0"/>
+              <a:t>Who fares better ?</a:t>
+            </a:r>
+          </a:p>
+        </p:txBody>
+      </p:sp>
       <p:pic>
         <p:nvPicPr>
           <p:cNvPr id="11" name="Content Placeholder 10">
@@ -8242,6 +11702,55 @@
           </a:xfrm>
         </p:spPr>
       </p:pic>
+      <p:sp>
+        <p:nvSpPr>
+          <p:cNvPr id="6" name="Text Placeholder 3">
+            <a:extLst>
+              <a:ext uri="{FF2B5EF4-FFF2-40B4-BE49-F238E27FC236}">
+                <a16:creationId xmlns:a16="http://schemas.microsoft.com/office/drawing/2014/main" id="{C7C0AAD5-18BF-CF48-85C7-6CC47C3E4494}"/>
+              </a:ext>
+            </a:extLst>
+          </p:cNvPr>
+          <p:cNvSpPr>
+            <a:spLocks noGrp="1"/>
+          </p:cNvSpPr>
+          <p:nvPr>
+            <p:ph type="body" sz="half" idx="2"/>
+          </p:nvPr>
+        </p:nvSpPr>
+        <p:spPr>
+          <a:xfrm>
+            <a:off x="1154953" y="3129280"/>
+            <a:ext cx="3401063" cy="2895599"/>
+          </a:xfrm>
+        </p:spPr>
+        <p:txBody>
+          <a:bodyPr>
+            <a:normAutofit/>
+          </a:bodyPr>
+          <a:lstStyle/>
+          <a:p>
+            <a:pPr marL="342900" indent="-342900">
+              <a:buFont typeface="Wingdings" pitchFamily="2" charset="2"/>
+              <a:buChar char="Ø"/>
+            </a:pPr>
+            <a:r>
+              <a:rPr lang="en-US" sz="2000" dirty="0"/>
+              <a:t>India </a:t>
+            </a:r>
+          </a:p>
+          <a:p>
+            <a:pPr marL="342900" indent="-342900">
+              <a:buFont typeface="Wingdings" pitchFamily="2" charset="2"/>
+              <a:buChar char="Ø"/>
+            </a:pPr>
+            <a:r>
+              <a:rPr lang="en-US" sz="2000" dirty="0"/>
+              <a:t>China</a:t>
+            </a:r>
+          </a:p>
+        </p:txBody>
+      </p:sp>
     </p:spTree>
     <p:extLst>
       <p:ext uri="{BB962C8B-B14F-4D97-AF65-F5344CB8AC3E}">
